--- a/instructors/13-Repositories_v3.1.pptx
+++ b/instructors/13-Repositories_v3.1.pptx
@@ -5,7 +5,7 @@
     <p:sldMasterId id="2147483648" r:id="rId1"/>
   </p:sldMasterIdLst>
   <p:notesMasterIdLst>
-    <p:notesMasterId r:id="rId29"/>
+    <p:notesMasterId r:id="rId31"/>
   </p:notesMasterIdLst>
   <p:sldIdLst>
     <p:sldId id="280" r:id="rId2"/>
@@ -15,26 +15,28 @@
     <p:sldId id="292" r:id="rId6"/>
     <p:sldId id="310" r:id="rId7"/>
     <p:sldId id="295" r:id="rId8"/>
-    <p:sldId id="311" r:id="rId9"/>
-    <p:sldId id="312" r:id="rId10"/>
-    <p:sldId id="313" r:id="rId11"/>
-    <p:sldId id="314" r:id="rId12"/>
-    <p:sldId id="298" r:id="rId13"/>
+    <p:sldId id="298" r:id="rId9"/>
+    <p:sldId id="311" r:id="rId10"/>
+    <p:sldId id="312" r:id="rId11"/>
+    <p:sldId id="313" r:id="rId12"/>
+    <p:sldId id="314" r:id="rId13"/>
     <p:sldId id="315" r:id="rId14"/>
     <p:sldId id="299" r:id="rId15"/>
-    <p:sldId id="301" r:id="rId16"/>
-    <p:sldId id="300" r:id="rId17"/>
-    <p:sldId id="316" r:id="rId18"/>
-    <p:sldId id="302" r:id="rId19"/>
-    <p:sldId id="303" r:id="rId20"/>
-    <p:sldId id="308" r:id="rId21"/>
-    <p:sldId id="317" r:id="rId22"/>
-    <p:sldId id="304" r:id="rId23"/>
-    <p:sldId id="307" r:id="rId24"/>
-    <p:sldId id="318" r:id="rId25"/>
-    <p:sldId id="319" r:id="rId26"/>
-    <p:sldId id="306" r:id="rId27"/>
-    <p:sldId id="296" r:id="rId28"/>
+    <p:sldId id="321" r:id="rId16"/>
+    <p:sldId id="301" r:id="rId17"/>
+    <p:sldId id="300" r:id="rId18"/>
+    <p:sldId id="316" r:id="rId19"/>
+    <p:sldId id="302" r:id="rId20"/>
+    <p:sldId id="317" r:id="rId21"/>
+    <p:sldId id="303" r:id="rId22"/>
+    <p:sldId id="320" r:id="rId23"/>
+    <p:sldId id="304" r:id="rId24"/>
+    <p:sldId id="308" r:id="rId25"/>
+    <p:sldId id="307" r:id="rId26"/>
+    <p:sldId id="318" r:id="rId27"/>
+    <p:sldId id="319" r:id="rId28"/>
+    <p:sldId id="306" r:id="rId29"/>
+    <p:sldId id="296" r:id="rId30"/>
   </p:sldIdLst>
   <p:sldSz cx="12192000" cy="6858000"/>
   <p:notesSz cx="6858000" cy="9144000"/>
@@ -223,7 +225,7 @@
           <a:p>
             <a:fld id="{585C48AE-4A1E-9A43-835F-510354165F99}" type="datetimeFigureOut">
               <a:rPr lang="en-GB" smtClean="0"/>
-              <a:t>30/03/2023</a:t>
+              <a:t>28/01/2025</a:t>
             </a:fld>
             <a:endParaRPr lang="en-GB"/>
           </a:p>
@@ -688,22 +690,10 @@
             </a:r>
             <a:r>
               <a:rPr lang="en-GB" dirty="0"/>
-              <a:t> organization that provides long-term access to its contents at no cost to users. The base DPC per data submission is $</a:t>
-            </a:r>
-            <a:r>
-              <a:rPr lang="en-GB" dirty="0" smtClean="0"/>
-              <a:t>150 </a:t>
-            </a:r>
-            <a:r>
-              <a:rPr lang="en-GB" dirty="0"/>
-              <a:t>USD</a:t>
-            </a:r>
-            <a:r>
-              <a:rPr lang="en-GB" dirty="0" smtClean="0"/>
-              <a:t>. </a:t>
-            </a:r>
-            <a:r>
-              <a:rPr lang="en-GB" sz="1200" b="0" i="0" kern="1200" dirty="0" smtClean="0">
+              <a:t> organization that provides long-term access to its contents at no cost to users. The base DPC per data submission is $150 USD. </a:t>
+            </a:r>
+            <a:r>
+              <a:rPr lang="en-GB" sz="1200" b="0" i="0" kern="1200" dirty="0">
                 <a:solidFill>
                   <a:schemeClr val="tx1"/>
                 </a:solidFill>
@@ -715,7 +705,7 @@
               <a:t>Fee waivers are automatically granted for submissions originating from researchers based in countries classified by the </a:t>
             </a:r>
             <a:r>
-              <a:rPr lang="en-GB" sz="1200" b="0" i="0" kern="1200" dirty="0" smtClean="0">
+              <a:rPr lang="en-GB" sz="1200" b="0" i="0" kern="1200" dirty="0">
                 <a:solidFill>
                   <a:schemeClr val="tx1"/>
                 </a:solidFill>
@@ -728,7 +718,7 @@
               <a:t>World Bank</a:t>
             </a:r>
             <a:r>
-              <a:rPr lang="en-GB" sz="1200" b="0" i="0" kern="1200" dirty="0" smtClean="0">
+              <a:rPr lang="en-GB" sz="1200" b="0" i="0" kern="1200" dirty="0">
                 <a:solidFill>
                   <a:schemeClr val="tx1"/>
                 </a:solidFill>
@@ -740,12 +730,8 @@
               <a:t> as low-income or lower-middle-income economies. </a:t>
             </a:r>
             <a:r>
-              <a:rPr lang="en-GB" dirty="0" smtClean="0"/>
-              <a:t> </a:t>
-            </a:r>
-            <a:r>
               <a:rPr lang="en-GB" dirty="0"/>
-              <a:t>Access is free.</a:t>
+              <a:t> Access is free.</a:t>
             </a:r>
           </a:p>
           <a:p>
@@ -912,7 +898,7 @@
           <a:p>
             <a:fld id="{B361C124-7373-F149-A166-BB8240B9FE77}" type="slidenum">
               <a:rPr lang="en-GB" smtClean="0"/>
-              <a:t>24</a:t>
+              <a:t>26</a:t>
             </a:fld>
             <a:endParaRPr lang="en-GB"/>
           </a:p>
@@ -1080,7 +1066,7 @@
           <a:p>
             <a:fld id="{5913FB77-D8DB-4AB9-8EA5-EE8C3B57A5E1}" type="datetimeFigureOut">
               <a:rPr lang="en-GB" smtClean="0"/>
-              <a:t>30/03/2023</a:t>
+              <a:t>28/01/2025</a:t>
             </a:fld>
             <a:endParaRPr lang="en-GB"/>
           </a:p>
@@ -1327,7 +1313,7 @@
           <a:p>
             <a:fld id="{5913FB77-D8DB-4AB9-8EA5-EE8C3B57A5E1}" type="datetimeFigureOut">
               <a:rPr lang="en-GB" smtClean="0"/>
-              <a:t>30/03/2023</a:t>
+              <a:t>28/01/2025</a:t>
             </a:fld>
             <a:endParaRPr lang="en-GB"/>
           </a:p>
@@ -1537,7 +1523,7 @@
           <a:p>
             <a:fld id="{5913FB77-D8DB-4AB9-8EA5-EE8C3B57A5E1}" type="datetimeFigureOut">
               <a:rPr lang="en-GB" smtClean="0"/>
-              <a:t>30/03/2023</a:t>
+              <a:t>28/01/2025</a:t>
             </a:fld>
             <a:endParaRPr lang="en-GB"/>
           </a:p>
@@ -1737,7 +1723,7 @@
           <a:p>
             <a:fld id="{5913FB77-D8DB-4AB9-8EA5-EE8C3B57A5E1}" type="datetimeFigureOut">
               <a:rPr lang="en-GB" smtClean="0"/>
-              <a:t>30/03/2023</a:t>
+              <a:t>28/01/2025</a:t>
             </a:fld>
             <a:endParaRPr lang="en-GB"/>
           </a:p>
@@ -2013,7 +1999,7 @@
           <a:p>
             <a:fld id="{5913FB77-D8DB-4AB9-8EA5-EE8C3B57A5E1}" type="datetimeFigureOut">
               <a:rPr lang="en-GB" smtClean="0"/>
-              <a:t>30/03/2023</a:t>
+              <a:t>28/01/2025</a:t>
             </a:fld>
             <a:endParaRPr lang="en-GB"/>
           </a:p>
@@ -2281,7 +2267,7 @@
           <a:p>
             <a:fld id="{5913FB77-D8DB-4AB9-8EA5-EE8C3B57A5E1}" type="datetimeFigureOut">
               <a:rPr lang="en-GB" smtClean="0"/>
-              <a:t>30/03/2023</a:t>
+              <a:t>28/01/2025</a:t>
             </a:fld>
             <a:endParaRPr lang="en-GB"/>
           </a:p>
@@ -2696,7 +2682,7 @@
           <a:p>
             <a:fld id="{5913FB77-D8DB-4AB9-8EA5-EE8C3B57A5E1}" type="datetimeFigureOut">
               <a:rPr lang="en-GB" smtClean="0"/>
-              <a:t>30/03/2023</a:t>
+              <a:t>28/01/2025</a:t>
             </a:fld>
             <a:endParaRPr lang="en-GB"/>
           </a:p>
@@ -2838,7 +2824,7 @@
           <a:p>
             <a:fld id="{5913FB77-D8DB-4AB9-8EA5-EE8C3B57A5E1}" type="datetimeFigureOut">
               <a:rPr lang="en-GB" smtClean="0"/>
-              <a:t>30/03/2023</a:t>
+              <a:t>28/01/2025</a:t>
             </a:fld>
             <a:endParaRPr lang="en-GB"/>
           </a:p>
@@ -2951,7 +2937,7 @@
           <a:p>
             <a:fld id="{5913FB77-D8DB-4AB9-8EA5-EE8C3B57A5E1}" type="datetimeFigureOut">
               <a:rPr lang="en-GB" smtClean="0"/>
-              <a:t>30/03/2023</a:t>
+              <a:t>28/01/2025</a:t>
             </a:fld>
             <a:endParaRPr lang="en-GB"/>
           </a:p>
@@ -3264,7 +3250,7 @@
           <a:p>
             <a:fld id="{5913FB77-D8DB-4AB9-8EA5-EE8C3B57A5E1}" type="datetimeFigureOut">
               <a:rPr lang="en-GB" smtClean="0"/>
-              <a:t>30/03/2023</a:t>
+              <a:t>28/01/2025</a:t>
             </a:fld>
             <a:endParaRPr lang="en-GB"/>
           </a:p>
@@ -3553,7 +3539,7 @@
           <a:p>
             <a:fld id="{5913FB77-D8DB-4AB9-8EA5-EE8C3B57A5E1}" type="datetimeFigureOut">
               <a:rPr lang="en-GB" smtClean="0"/>
-              <a:t>30/03/2023</a:t>
+              <a:t>28/01/2025</a:t>
             </a:fld>
             <a:endParaRPr lang="en-GB"/>
           </a:p>
@@ -3795,7 +3781,7 @@
             <a:fld id="{5913FB77-D8DB-4AB9-8EA5-EE8C3B57A5E1}" type="datetimeFigureOut">
               <a:rPr lang="en-GB" smtClean="0"/>
               <a:pPr/>
-              <a:t>30/03/2023</a:t>
+              <a:t>28/01/2025</a:t>
             </a:fld>
             <a:endParaRPr lang="en-GB"/>
           </a:p>
@@ -4399,13 +4385,6 @@
   <p:clrMapOvr>
     <a:masterClrMapping/>
   </p:clrMapOvr>
-  <p:timing>
-    <p:tnLst>
-      <p:par>
-        <p:cTn id="1" dur="indefinite" restart="never" nodeType="tmRoot"/>
-      </p:par>
-    </p:tnLst>
-  </p:timing>
 </p:sld>
 </file>
 
@@ -4486,7 +4465,7 @@
         <p:spPr>
           <a:xfrm>
             <a:off x="1117041" y="1957980"/>
-            <a:ext cx="9957917" cy="2805063"/>
+            <a:ext cx="9957917" cy="2251065"/>
           </a:xfrm>
           <a:prstGeom prst="rect">
             <a:avLst/>
@@ -4512,7 +4491,7 @@
                 <a:effectLst/>
                 <a:latin typeface="Ubuntu"/>
               </a:rPr>
-              <a:t>Interoperable:</a:t>
+              <a:t>Accessible:</a:t>
             </a:r>
           </a:p>
           <a:p>
@@ -4531,7 +4510,7 @@
                 <a:effectLst/>
                 <a:latin typeface="Ubuntu"/>
               </a:rPr>
-              <a:t>I1. (Meta)data use a formal, accessible, shared, and broadly applicable language for knowledge representation. - YES</a:t>
+              <a:t>A1. (Meta)data are retrievable by their identifier using a standardised communications protocol - YES</a:t>
             </a:r>
           </a:p>
           <a:p>
@@ -4550,26 +4529,7 @@
                 <a:effectLst/>
                 <a:latin typeface="Ubuntu"/>
               </a:rPr>
-              <a:t>I2. (Meta)data use vocabularies that follow FAIR principles - PARTIALLY</a:t>
-            </a:r>
-          </a:p>
-          <a:p>
-            <a:pPr algn="l">
-              <a:lnSpc>
-                <a:spcPct val="150000"/>
-              </a:lnSpc>
-              <a:buFont typeface="Arial" panose="020B0604020202020204" pitchFamily="34" charset="0"/>
-              <a:buChar char="•"/>
-            </a:pPr>
-            <a:r>
-              <a:rPr lang="en-GB" sz="2400" b="0" i="0" dirty="0">
-                <a:solidFill>
-                  <a:srgbClr val="333333"/>
-                </a:solidFill>
-                <a:effectLst/>
-                <a:latin typeface="Ubuntu"/>
-              </a:rPr>
-              <a:t>I3. (Meta)data include qualified references to other (meta)data - YES</a:t>
+              <a:t>A2. Metadata are accessible, even when the data are no longer available - YES</a:t>
             </a:r>
           </a:p>
         </p:txBody>
@@ -4577,7 +4537,7 @@
     </p:spTree>
     <p:extLst>
       <p:ext uri="{BB962C8B-B14F-4D97-AF65-F5344CB8AC3E}">
-        <p14:creationId xmlns:p14="http://schemas.microsoft.com/office/powerpoint/2010/main" val="829891487"/>
+        <p14:creationId xmlns:p14="http://schemas.microsoft.com/office/powerpoint/2010/main" val="1475107681"/>
       </p:ext>
     </p:extLst>
   </p:cSld>
@@ -4663,8 +4623,8 @@
         </p:nvSpPr>
         <p:spPr>
           <a:xfrm>
-            <a:off x="1085825" y="1674496"/>
-            <a:ext cx="10267975" cy="4467057"/>
+            <a:off x="1117041" y="1957980"/>
+            <a:ext cx="9957917" cy="2805063"/>
           </a:xfrm>
           <a:prstGeom prst="rect">
             <a:avLst/>
@@ -4690,7 +4650,7 @@
                 <a:effectLst/>
                 <a:latin typeface="Ubuntu"/>
               </a:rPr>
-              <a:t>Reusable:</a:t>
+              <a:t>Interoperable:</a:t>
             </a:r>
           </a:p>
           <a:p>
@@ -4709,11 +4669,11 @@
                 <a:effectLst/>
                 <a:latin typeface="Ubuntu"/>
               </a:rPr>
-              <a:t>R1. (Meta)data are richly described with a plurality of accurate and relevant attributes - YES</a:t>
-            </a:r>
-          </a:p>
-          <a:p>
-            <a:pPr marL="742950" lvl="1" indent="-285750" algn="l">
+              <a:t>I1. (Meta)data use a formal, accessible, shared, and broadly applicable language for knowledge representation. - YES</a:t>
+            </a:r>
+          </a:p>
+          <a:p>
+            <a:pPr algn="l">
               <a:lnSpc>
                 <a:spcPct val="150000"/>
               </a:lnSpc>
@@ -4728,11 +4688,11 @@
                 <a:effectLst/>
                 <a:latin typeface="Ubuntu"/>
               </a:rPr>
-              <a:t>R1.1. (Meta)data are released with a clear and accessible data usage license - YES</a:t>
-            </a:r>
-          </a:p>
-          <a:p>
-            <a:pPr marL="742950" lvl="1" indent="-285750" algn="l">
+              <a:t>I2. (Meta)data use vocabularies that follow FAIR principles - PARTIALLY</a:t>
+            </a:r>
+          </a:p>
+          <a:p>
+            <a:pPr algn="l">
               <a:lnSpc>
                 <a:spcPct val="150000"/>
               </a:lnSpc>
@@ -4747,26 +4707,7 @@
                 <a:effectLst/>
                 <a:latin typeface="Ubuntu"/>
               </a:rPr>
-              <a:t>R1.2. (Meta)data are associated with detailed provenance - YES</a:t>
-            </a:r>
-          </a:p>
-          <a:p>
-            <a:pPr marL="742950" lvl="1" indent="-285750" algn="l">
-              <a:lnSpc>
-                <a:spcPct val="150000"/>
-              </a:lnSpc>
-              <a:buFont typeface="Arial" panose="020B0604020202020204" pitchFamily="34" charset="0"/>
-              <a:buChar char="•"/>
-            </a:pPr>
-            <a:r>
-              <a:rPr lang="en-GB" sz="2400" b="0" i="0" dirty="0">
-                <a:solidFill>
-                  <a:srgbClr val="333333"/>
-                </a:solidFill>
-                <a:effectLst/>
-                <a:latin typeface="Ubuntu"/>
-              </a:rPr>
-              <a:t>R1.3. (Meta)data meet domain-relevant community standards - YES/PARTIALLY</a:t>
+              <a:t>I3. (Meta)data include qualified references to other (meta)data - YES</a:t>
             </a:r>
           </a:p>
         </p:txBody>
@@ -4774,7 +4715,7 @@
     </p:spTree>
     <p:extLst>
       <p:ext uri="{BB962C8B-B14F-4D97-AF65-F5344CB8AC3E}">
-        <p14:creationId xmlns:p14="http://schemas.microsoft.com/office/powerpoint/2010/main" val="2471381770"/>
+        <p14:creationId xmlns:p14="http://schemas.microsoft.com/office/powerpoint/2010/main" val="829891487"/>
       </p:ext>
     </p:extLst>
   </p:cSld>
@@ -4803,38 +4744,6 @@
       </p:grpSpPr>
       <p:sp>
         <p:nvSpPr>
-          <p:cNvPr id="2" name="Rectangle 1"/>
-          <p:cNvSpPr/>
-          <p:nvPr/>
-        </p:nvSpPr>
-        <p:spPr>
-          <a:xfrm>
-            <a:off x="3413663" y="3198167"/>
-            <a:ext cx="5364674" cy="461665"/>
-          </a:xfrm>
-          <a:prstGeom prst="rect">
-            <a:avLst/>
-          </a:prstGeom>
-        </p:spPr>
-        <p:txBody>
-          <a:bodyPr wrap="none">
-            <a:spAutoFit/>
-          </a:bodyPr>
-          <a:lstStyle/>
-          <a:p>
-            <a:r>
-              <a:rPr lang="en-GB" sz="2400" dirty="0">
-                <a:solidFill>
-                  <a:srgbClr val="0070C0"/>
-                </a:solidFill>
-              </a:rPr>
-              <a:t>https://doi.org/10.5281/zenodo.5045374</a:t>
-            </a:r>
-          </a:p>
-        </p:txBody>
-      </p:sp>
-      <p:sp>
-        <p:nvSpPr>
           <p:cNvPr id="5" name="Title 1">
             <a:extLst>
               <a:ext uri="{FF2B5EF4-FFF2-40B4-BE49-F238E27FC236}">
@@ -4865,36 +4774,40 @@
                   <a:srgbClr val="0070C0"/>
                 </a:solidFill>
               </a:rPr>
-              <a:t>Dataset discovery</a:t>
-            </a:r>
-            <a:endParaRPr lang="en-GB" dirty="0">
-              <a:solidFill>
-                <a:srgbClr val="0070C0"/>
-              </a:solidFill>
-            </a:endParaRPr>
-          </a:p>
-        </p:txBody>
-      </p:sp>
-      <p:sp>
-        <p:nvSpPr>
-          <p:cNvPr id="4" name="Rectangle 3">
-            <a:extLst>
-              <a:ext uri="{FF2B5EF4-FFF2-40B4-BE49-F238E27FC236}">
-                <a16:creationId xmlns:a16="http://schemas.microsoft.com/office/drawing/2014/main" id="{CAA0BFB8-30CB-4548-8596-047DD833C1C6}"/>
-              </a:ext>
-            </a:extLst>
-          </p:cNvPr>
-          <p:cNvSpPr/>
+              <a:t>Public record</a:t>
+            </a:r>
+            <a:r>
+              <a:rPr lang="en-GB" dirty="0">
+                <a:solidFill>
+                  <a:srgbClr val="0070C0"/>
+                </a:solidFill>
+              </a:rPr>
+              <a:t> - Solutions</a:t>
+            </a:r>
+          </a:p>
+        </p:txBody>
+      </p:sp>
+      <p:sp>
+        <p:nvSpPr>
+          <p:cNvPr id="6" name="TextBox 5">
+            <a:extLst>
+              <a:ext uri="{FF2B5EF4-FFF2-40B4-BE49-F238E27FC236}">
+                <a16:creationId xmlns:a16="http://schemas.microsoft.com/office/drawing/2014/main" id="{216805BD-FE46-4237-9C78-2FA56E8B599C}"/>
+              </a:ext>
+            </a:extLst>
+          </p:cNvPr>
+          <p:cNvSpPr txBox="1"/>
           <p:nvPr/>
         </p:nvSpPr>
         <p:spPr>
           <a:xfrm>
-            <a:off x="605073" y="1977256"/>
-            <a:ext cx="10981854" cy="1323439"/>
+            <a:off x="1085825" y="1674496"/>
+            <a:ext cx="10267975" cy="4467057"/>
           </a:xfrm>
           <a:prstGeom prst="rect">
             <a:avLst/>
           </a:prstGeom>
+          <a:noFill/>
         </p:spPr>
         <p:txBody>
           <a:bodyPr wrap="square">
@@ -4902,46 +4815,104 @@
           </a:bodyPr>
           <a:lstStyle/>
           <a:p>
-            <a:pPr algn="ctr"/>
-            <a:r>
-              <a:rPr lang="pl-PL" sz="4000" dirty="0">
-                <a:solidFill>
-                  <a:srgbClr val="0070C0"/>
-                </a:solidFill>
-              </a:rPr>
-              <a:t>Exercise</a:t>
-            </a:r>
-            <a:r>
-              <a:rPr lang="en-GB" sz="4000" dirty="0">
-                <a:solidFill>
-                  <a:srgbClr val="0070C0"/>
-                </a:solidFill>
-              </a:rPr>
-              <a:t> 2</a:t>
-            </a:r>
-            <a:endParaRPr lang="pl-PL" sz="4000" dirty="0">
-              <a:solidFill>
-                <a:srgbClr val="0070C0"/>
-              </a:solidFill>
-            </a:endParaRPr>
-          </a:p>
-          <a:p>
-            <a:pPr marL="285750" indent="-285750" algn="ctr">
+            <a:pPr algn="l">
+              <a:lnSpc>
+                <a:spcPct val="150000"/>
+              </a:lnSpc>
+            </a:pPr>
+            <a:r>
+              <a:rPr lang="en-GB" sz="2400" b="1" i="0" dirty="0">
+                <a:solidFill>
+                  <a:srgbClr val="333333"/>
+                </a:solidFill>
+                <a:effectLst/>
+                <a:latin typeface="Ubuntu"/>
+              </a:rPr>
+              <a:t>Reusable:</a:t>
+            </a:r>
+          </a:p>
+          <a:p>
+            <a:pPr algn="l">
+              <a:lnSpc>
+                <a:spcPct val="150000"/>
+              </a:lnSpc>
               <a:buFont typeface="Arial" panose="020B0604020202020204" pitchFamily="34" charset="0"/>
               <a:buChar char="•"/>
             </a:pPr>
-            <a:endParaRPr lang="en-GB" sz="4000" dirty="0">
-              <a:solidFill>
-                <a:srgbClr val="0070C0"/>
-              </a:solidFill>
-            </a:endParaRPr>
+            <a:r>
+              <a:rPr lang="en-GB" sz="2400" b="0" i="0" dirty="0">
+                <a:solidFill>
+                  <a:srgbClr val="333333"/>
+                </a:solidFill>
+                <a:effectLst/>
+                <a:latin typeface="Ubuntu"/>
+              </a:rPr>
+              <a:t>R1. (Meta)data are richly described with a plurality of accurate and relevant attributes - YES</a:t>
+            </a:r>
+          </a:p>
+          <a:p>
+            <a:pPr marL="742950" lvl="1" indent="-285750" algn="l">
+              <a:lnSpc>
+                <a:spcPct val="150000"/>
+              </a:lnSpc>
+              <a:buFont typeface="Arial" panose="020B0604020202020204" pitchFamily="34" charset="0"/>
+              <a:buChar char="•"/>
+            </a:pPr>
+            <a:r>
+              <a:rPr lang="en-GB" sz="2400" b="0" i="0" dirty="0">
+                <a:solidFill>
+                  <a:srgbClr val="333333"/>
+                </a:solidFill>
+                <a:effectLst/>
+                <a:latin typeface="Ubuntu"/>
+              </a:rPr>
+              <a:t>R1.1. (Meta)data are released with a clear and accessible data usage license - YES</a:t>
+            </a:r>
+          </a:p>
+          <a:p>
+            <a:pPr marL="742950" lvl="1" indent="-285750" algn="l">
+              <a:lnSpc>
+                <a:spcPct val="150000"/>
+              </a:lnSpc>
+              <a:buFont typeface="Arial" panose="020B0604020202020204" pitchFamily="34" charset="0"/>
+              <a:buChar char="•"/>
+            </a:pPr>
+            <a:r>
+              <a:rPr lang="en-GB" sz="2400" b="0" i="0" dirty="0">
+                <a:solidFill>
+                  <a:srgbClr val="333333"/>
+                </a:solidFill>
+                <a:effectLst/>
+                <a:latin typeface="Ubuntu"/>
+              </a:rPr>
+              <a:t>R1.2. (Meta)data are associated with detailed provenance - YES</a:t>
+            </a:r>
+          </a:p>
+          <a:p>
+            <a:pPr marL="742950" lvl="1" indent="-285750" algn="l">
+              <a:lnSpc>
+                <a:spcPct val="150000"/>
+              </a:lnSpc>
+              <a:buFont typeface="Arial" panose="020B0604020202020204" pitchFamily="34" charset="0"/>
+              <a:buChar char="•"/>
+            </a:pPr>
+            <a:r>
+              <a:rPr lang="en-GB" sz="2400" b="0" i="0" dirty="0">
+                <a:solidFill>
+                  <a:srgbClr val="333333"/>
+                </a:solidFill>
+                <a:effectLst/>
+                <a:latin typeface="Ubuntu"/>
+              </a:rPr>
+              <a:t>R1.3. (Meta)data meet domain-relevant community standards - YES/PARTIALLY</a:t>
+            </a:r>
           </a:p>
         </p:txBody>
       </p:sp>
     </p:spTree>
     <p:extLst>
       <p:ext uri="{BB962C8B-B14F-4D97-AF65-F5344CB8AC3E}">
-        <p14:creationId xmlns:p14="http://schemas.microsoft.com/office/powerpoint/2010/main" val="3474192978"/>
+        <p14:creationId xmlns:p14="http://schemas.microsoft.com/office/powerpoint/2010/main" val="2471381770"/>
       </p:ext>
     </p:extLst>
   </p:cSld>
@@ -5009,52 +4980,28 @@
                 <a:effectLst/>
                 <a:latin typeface="Ubuntu"/>
               </a:rPr>
-              <a:t>Zenodo is a good place to keep your data separate from paper</a:t>
-            </a:r>
-            <a:r>
-              <a:rPr lang="en-GB" sz="2400" b="0" i="0" dirty="0" smtClean="0">
+              <a:t>Zenodo is a good place to keep your data separate from paper.</a:t>
+            </a:r>
+          </a:p>
+          <a:p>
+            <a:r>
+              <a:rPr lang="en-GB" sz="2400" b="0" i="0" dirty="0">
                 <a:solidFill>
                   <a:srgbClr val="333333"/>
                 </a:solidFill>
                 <a:effectLst/>
                 <a:latin typeface="Ubuntu"/>
               </a:rPr>
-              <a:t>.</a:t>
-            </a:r>
-          </a:p>
-          <a:p>
-            <a:r>
-              <a:rPr lang="en-GB" sz="2400" b="0" i="0" dirty="0" smtClean="0">
-                <a:solidFill>
-                  <a:srgbClr val="333333"/>
-                </a:solidFill>
-                <a:effectLst/>
-                <a:latin typeface="Ubuntu"/>
-              </a:rPr>
-              <a:t>It </a:t>
-            </a:r>
-            <a:r>
-              <a:rPr lang="en-GB" sz="2400" b="0" i="0" dirty="0">
-                <a:solidFill>
-                  <a:srgbClr val="333333"/>
-                </a:solidFill>
-                <a:effectLst/>
-                <a:latin typeface="Ubuntu"/>
-              </a:rPr>
-              <a:t>gives access to all files, allowing you to cite the data as well (or instead of) the paper.</a:t>
-            </a:r>
-            <a:r>
-              <a:rPr lang="en-GB" sz="2400" dirty="0"/>
-              <a:t/>
+              <a:t>It gives access to all files, allowing you to cite the data as well (or instead of) the paper.</a:t>
             </a:r>
             <a:br>
               <a:rPr lang="en-GB" sz="2400" dirty="0"/>
             </a:br>
-            <a:endParaRPr lang="en-GB" sz="2400" dirty="0" smtClean="0"/>
-          </a:p>
-          <a:p>
-            <a:r>
-              <a:rPr lang="en-GB" sz="2400" b="0" i="0" dirty="0" smtClean="0">
+            <a:endParaRPr lang="en-GB" sz="2400" dirty="0"/>
+          </a:p>
+          <a:p>
+            <a:r>
+              <a:rPr lang="en-GB" sz="2400" b="0" i="0" dirty="0">
                 <a:solidFill>
                   <a:srgbClr val="333333"/>
                 </a:solidFill>
@@ -5065,24 +5012,14 @@
               <a:t> </a:t>
             </a:r>
             <a:r>
-              <a:rPr lang="en-GB" sz="2400" b="0" i="0" dirty="0" smtClean="0">
+              <a:rPr lang="en-GB" sz="2400" b="0" i="0" dirty="0">
                 <a:solidFill>
                   <a:srgbClr val="333333"/>
                 </a:solidFill>
                 <a:effectLst/>
                 <a:latin typeface="Ubuntu"/>
               </a:rPr>
-              <a:t>However</a:t>
-            </a:r>
-            <a:r>
-              <a:rPr lang="en-GB" sz="2400" b="0" i="0" dirty="0">
-                <a:solidFill>
-                  <a:srgbClr val="333333"/>
-                </a:solidFill>
-                <a:effectLst/>
-                <a:latin typeface="Ubuntu"/>
-              </a:rPr>
-              <a:t>, it is not (always) good for discovery, and does not enforce most metadata!</a:t>
+              <a:t>However, it is not (always) good for discovery, and does not enforce most metadata!</a:t>
             </a:r>
             <a:endParaRPr lang="en-GB" sz="2400" dirty="0"/>
           </a:p>
@@ -5128,7 +5065,7 @@
                   <a:srgbClr val="0070C0"/>
                 </a:solidFill>
               </a:rPr>
-              <a:t> - Solution</a:t>
+              <a:t> - Comment</a:t>
             </a:r>
           </a:p>
         </p:txBody>
@@ -5185,44 +5122,13 @@
           <a:lstStyle/>
           <a:p>
             <a:r>
-              <a:rPr lang="pl-PL" sz="2400" dirty="0">
-                <a:solidFill>
-                  <a:srgbClr val="0070C0"/>
-                </a:solidFill>
-              </a:rPr>
-              <a:t>M</a:t>
-            </a:r>
-            <a:r>
-              <a:rPr lang="en-GB" sz="2400" dirty="0" err="1">
-                <a:solidFill>
-                  <a:srgbClr val="0070C0"/>
-                </a:solidFill>
-              </a:rPr>
-              <a:t>inimal</a:t>
-            </a:r>
-            <a:r>
               <a:rPr lang="en-GB" sz="2400" dirty="0">
                 <a:solidFill>
                   <a:srgbClr val="0070C0"/>
                 </a:solidFill>
               </a:rPr>
-              <a:t> data set to consist of the data required to replicate all study findings reported in the article, as well as related metadata and methods</a:t>
-            </a:r>
-            <a:r>
-              <a:rPr lang="pl-PL" sz="2400" dirty="0">
-                <a:solidFill>
-                  <a:srgbClr val="0070C0"/>
-                </a:solidFill>
-              </a:rPr>
-              <a:t>.</a:t>
-            </a:r>
-          </a:p>
-          <a:p>
-            <a:endParaRPr lang="pl-PL" sz="2400" dirty="0">
-              <a:solidFill>
-                <a:srgbClr val="0070C0"/>
-              </a:solidFill>
-            </a:endParaRPr>
+              <a:t>Authors must share the “minimal data set” for their submission. PLOS defines the minimal data set to consist of the data required to replicate all study findings reported in the article, as well as related metadata and methods. </a:t>
+            </a:r>
           </a:p>
           <a:p>
             <a:endParaRPr lang="pl-PL" sz="2400" dirty="0">
@@ -5364,7 +5270,7 @@
                   <a:srgbClr val="0070C0"/>
                 </a:solidFill>
               </a:rPr>
-              <a:t>Minimal data set (after PLOS)</a:t>
+              <a:t>Minimal data set (PLOS)</a:t>
             </a:r>
             <a:endParaRPr lang="en-GB" dirty="0">
               <a:solidFill>
@@ -5404,197 +5310,12 @@
           <a:chExt cx="0" cy="0"/>
         </a:xfrm>
       </p:grpSpPr>
-      <p:pic>
-        <p:nvPicPr>
-          <p:cNvPr id="4" name="Picture 2" descr="Ed_DaSH">
-            <a:extLst>
-              <a:ext uri="{FF2B5EF4-FFF2-40B4-BE49-F238E27FC236}">
-                <a16:creationId xmlns:a16="http://schemas.microsoft.com/office/drawing/2014/main" id="{A783256F-E39E-4712-96B0-240BD611CFEB}"/>
-              </a:ext>
-            </a:extLst>
-          </p:cNvPr>
-          <p:cNvPicPr>
-            <a:picLocks noChangeAspect="1" noChangeArrowheads="1"/>
-          </p:cNvPicPr>
-          <p:nvPr/>
-        </p:nvPicPr>
-        <p:blipFill>
-          <a:blip r:embed="rId2" cstate="hqprint">
-            <a:extLst>
-              <a:ext uri="{28A0092B-C50C-407E-A947-70E740481C1C}">
-                <a14:useLocalDpi xmlns:a14="http://schemas.microsoft.com/office/drawing/2010/main" val="0"/>
-              </a:ext>
-            </a:extLst>
-          </a:blip>
-          <a:srcRect/>
-          <a:stretch>
-            <a:fillRect/>
-          </a:stretch>
-        </p:blipFill>
-        <p:spPr bwMode="auto">
-          <a:xfrm>
-            <a:off x="10820670" y="5458691"/>
-            <a:ext cx="1289214" cy="1325418"/>
-          </a:xfrm>
-          <a:prstGeom prst="rect">
-            <a:avLst/>
-          </a:prstGeom>
-          <a:noFill/>
-          <a:extLst>
-            <a:ext uri="{909E8E84-426E-40DD-AFC4-6F175D3DCCD1}">
-              <a14:hiddenFill xmlns:a14="http://schemas.microsoft.com/office/drawing/2010/main">
-                <a:solidFill>
-                  <a:srgbClr val="FFFFFF"/>
-                </a:solidFill>
-              </a14:hiddenFill>
-            </a:ext>
-          </a:extLst>
-        </p:spPr>
-      </p:pic>
-      <p:sp>
-        <p:nvSpPr>
-          <p:cNvPr id="2" name="Rectangle 1"/>
-          <p:cNvSpPr/>
-          <p:nvPr/>
-        </p:nvSpPr>
-        <p:spPr>
-          <a:xfrm>
-            <a:off x="742384" y="2064189"/>
-            <a:ext cx="10981854" cy="2677656"/>
-          </a:xfrm>
-          <a:prstGeom prst="rect">
-            <a:avLst/>
-          </a:prstGeom>
-        </p:spPr>
-        <p:txBody>
-          <a:bodyPr wrap="square">
-            <a:spAutoFit/>
-          </a:bodyPr>
-          <a:lstStyle/>
-          <a:p>
-            <a:pPr marL="285750" indent="-285750">
-              <a:buFont typeface="Arial" panose="020B0604020202020204" pitchFamily="34" charset="0"/>
-              <a:buChar char="•"/>
-            </a:pPr>
-            <a:r>
-              <a:rPr lang="en-GB" sz="2400" dirty="0">
-                <a:solidFill>
-                  <a:srgbClr val="0070C0"/>
-                </a:solidFill>
-              </a:rPr>
-              <a:t>Higher exposure</a:t>
-            </a:r>
-            <a:endParaRPr lang="pl-PL" sz="2400" dirty="0">
-              <a:solidFill>
-                <a:srgbClr val="0070C0"/>
-              </a:solidFill>
-            </a:endParaRPr>
-          </a:p>
-          <a:p>
-            <a:pPr marL="285750" indent="-285750">
-              <a:buFont typeface="Arial" panose="020B0604020202020204" pitchFamily="34" charset="0"/>
-              <a:buChar char="•"/>
-            </a:pPr>
-            <a:r>
-              <a:rPr lang="pl-PL" sz="2400" dirty="0">
-                <a:solidFill>
-                  <a:srgbClr val="0070C0"/>
-                </a:solidFill>
-              </a:rPr>
-              <a:t>Data specific features (e.g. Visulization)</a:t>
-            </a:r>
-          </a:p>
-          <a:p>
-            <a:pPr marL="285750" indent="-285750">
-              <a:buFont typeface="Arial" panose="020B0604020202020204" pitchFamily="34" charset="0"/>
-              <a:buChar char="•"/>
-            </a:pPr>
-            <a:r>
-              <a:rPr lang="pl-PL" sz="2400" dirty="0">
-                <a:solidFill>
-                  <a:srgbClr val="0070C0"/>
-                </a:solidFill>
-              </a:rPr>
-              <a:t>Enforced minimal metadata</a:t>
-            </a:r>
-          </a:p>
-          <a:p>
-            <a:pPr marL="285750" indent="-285750">
-              <a:buFont typeface="Arial" panose="020B0604020202020204" pitchFamily="34" charset="0"/>
-              <a:buChar char="•"/>
-            </a:pPr>
-            <a:r>
-              <a:rPr lang="pl-PL" sz="2400" dirty="0">
-                <a:solidFill>
-                  <a:srgbClr val="0070C0"/>
-                </a:solidFill>
-              </a:rPr>
-              <a:t>API for data retrival / agregation /searching</a:t>
-            </a:r>
-          </a:p>
-          <a:p>
-            <a:pPr marL="285750" indent="-285750">
-              <a:buFont typeface="Arial" panose="020B0604020202020204" pitchFamily="34" charset="0"/>
-              <a:buChar char="•"/>
-            </a:pPr>
-            <a:r>
-              <a:rPr lang="pl-PL" sz="2400" dirty="0">
-                <a:solidFill>
-                  <a:srgbClr val="0070C0"/>
-                </a:solidFill>
-              </a:rPr>
-              <a:t>Curated data</a:t>
-            </a:r>
-          </a:p>
-          <a:p>
-            <a:pPr marL="285750" indent="-285750">
-              <a:buFont typeface="Arial" panose="020B0604020202020204" pitchFamily="34" charset="0"/>
-              <a:buChar char="•"/>
-            </a:pPr>
-            <a:r>
-              <a:rPr lang="pl-PL" sz="2400" dirty="0">
-                <a:solidFill>
-                  <a:srgbClr val="0070C0"/>
-                </a:solidFill>
-              </a:rPr>
-              <a:t>Better searching</a:t>
-            </a:r>
-          </a:p>
-          <a:p>
-            <a:pPr marL="285750" indent="-285750">
-              <a:buFont typeface="Arial" panose="020B0604020202020204" pitchFamily="34" charset="0"/>
-              <a:buChar char="•"/>
-            </a:pPr>
-            <a:r>
-              <a:rPr lang="pl-PL" sz="2400" dirty="0">
-                <a:solidFill>
-                  <a:srgbClr val="0070C0"/>
-                </a:solidFill>
-              </a:rPr>
-              <a:t>Interlinking between data </a:t>
-            </a:r>
-            <a:r>
-              <a:rPr lang="pl-PL" sz="2400" dirty="0" err="1">
-                <a:solidFill>
-                  <a:srgbClr val="0070C0"/>
-                </a:solidFill>
-              </a:rPr>
-              <a:t>types</a:t>
-            </a:r>
-            <a:endParaRPr lang="pl-PL" sz="2400" dirty="0">
-              <a:solidFill>
-                <a:srgbClr val="0070C0"/>
-              </a:solidFill>
-            </a:endParaRPr>
-          </a:p>
-        </p:txBody>
-      </p:sp>
-      <p:sp>
-        <p:nvSpPr>
-          <p:cNvPr id="5" name="Title 1">
-            <a:extLst>
-              <a:ext uri="{FF2B5EF4-FFF2-40B4-BE49-F238E27FC236}">
-                <a16:creationId xmlns:a16="http://schemas.microsoft.com/office/drawing/2014/main" id="{775BFE92-9990-4094-B7B2-01514614F16E}"/>
+      <p:sp>
+        <p:nvSpPr>
+          <p:cNvPr id="2" name="Title 1">
+            <a:extLst>
+              <a:ext uri="{FF2B5EF4-FFF2-40B4-BE49-F238E27FC236}">
+                <a16:creationId xmlns:a16="http://schemas.microsoft.com/office/drawing/2014/main" id="{E14AF7EF-BD2D-4826-ADD0-98A6FAC906CB}"/>
               </a:ext>
             </a:extLst>
           </p:cNvPr>
@@ -5607,7 +5328,7 @@
         </p:nvSpPr>
         <p:spPr>
           <a:xfrm>
-            <a:off x="838200" y="365125"/>
+            <a:off x="2805023" y="2766218"/>
             <a:ext cx="10515600" cy="1325563"/>
           </a:xfrm>
         </p:spPr>
@@ -5616,25 +5337,16 @@
           <a:lstStyle/>
           <a:p>
             <a:r>
-              <a:rPr lang="pl-PL" dirty="0">
-                <a:solidFill>
-                  <a:srgbClr val="0070C0"/>
-                </a:solidFill>
-              </a:rPr>
-              <a:t>Domain specific repositories</a:t>
-            </a:r>
-            <a:endParaRPr lang="en-GB" dirty="0">
-              <a:solidFill>
-                <a:srgbClr val="0070C0"/>
-              </a:solidFill>
-            </a:endParaRPr>
+              <a:rPr lang="en-GB" dirty="0"/>
+              <a:t>Domain Specific Repository</a:t>
+            </a:r>
           </a:p>
         </p:txBody>
       </p:sp>
     </p:spTree>
     <p:extLst>
       <p:ext uri="{BB962C8B-B14F-4D97-AF65-F5344CB8AC3E}">
-        <p14:creationId xmlns:p14="http://schemas.microsoft.com/office/powerpoint/2010/main" val="1646562172"/>
+        <p14:creationId xmlns:p14="http://schemas.microsoft.com/office/powerpoint/2010/main" val="2603869232"/>
       </p:ext>
     </p:extLst>
   </p:cSld>
@@ -5710,6 +5422,144 @@
       </p:pic>
       <p:sp>
         <p:nvSpPr>
+          <p:cNvPr id="2" name="Rectangle 1"/>
+          <p:cNvSpPr/>
+          <p:nvPr/>
+        </p:nvSpPr>
+        <p:spPr>
+          <a:xfrm>
+            <a:off x="742384" y="2064189"/>
+            <a:ext cx="10981854" cy="2677656"/>
+          </a:xfrm>
+          <a:prstGeom prst="rect">
+            <a:avLst/>
+          </a:prstGeom>
+        </p:spPr>
+        <p:txBody>
+          <a:bodyPr wrap="square">
+            <a:spAutoFit/>
+          </a:bodyPr>
+          <a:lstStyle/>
+          <a:p>
+            <a:pPr marL="285750" indent="-285750">
+              <a:buFont typeface="Arial" panose="020B0604020202020204" pitchFamily="34" charset="0"/>
+              <a:buChar char="•"/>
+            </a:pPr>
+            <a:r>
+              <a:rPr lang="en-GB" sz="2400" dirty="0">
+                <a:solidFill>
+                  <a:srgbClr val="0070C0"/>
+                </a:solidFill>
+              </a:rPr>
+              <a:t>Higher exposure</a:t>
+            </a:r>
+            <a:endParaRPr lang="pl-PL" sz="2400" dirty="0">
+              <a:solidFill>
+                <a:srgbClr val="0070C0"/>
+              </a:solidFill>
+            </a:endParaRPr>
+          </a:p>
+          <a:p>
+            <a:pPr marL="285750" indent="-285750">
+              <a:buFont typeface="Arial" panose="020B0604020202020204" pitchFamily="34" charset="0"/>
+              <a:buChar char="•"/>
+            </a:pPr>
+            <a:r>
+              <a:rPr lang="pl-PL" sz="2400" dirty="0">
+                <a:solidFill>
+                  <a:srgbClr val="0070C0"/>
+                </a:solidFill>
+              </a:rPr>
+              <a:t>Data specific features (e.g. Visulization)</a:t>
+            </a:r>
+          </a:p>
+          <a:p>
+            <a:pPr marL="285750" indent="-285750">
+              <a:buFont typeface="Arial" panose="020B0604020202020204" pitchFamily="34" charset="0"/>
+              <a:buChar char="•"/>
+            </a:pPr>
+            <a:r>
+              <a:rPr lang="pl-PL" sz="2400" dirty="0">
+                <a:solidFill>
+                  <a:srgbClr val="0070C0"/>
+                </a:solidFill>
+              </a:rPr>
+              <a:t>Enforced minimal metadata</a:t>
+            </a:r>
+          </a:p>
+          <a:p>
+            <a:pPr marL="285750" indent="-285750">
+              <a:buFont typeface="Arial" panose="020B0604020202020204" pitchFamily="34" charset="0"/>
+              <a:buChar char="•"/>
+            </a:pPr>
+            <a:r>
+              <a:rPr lang="pl-PL" sz="2400" dirty="0">
+                <a:solidFill>
+                  <a:srgbClr val="0070C0"/>
+                </a:solidFill>
+              </a:rPr>
+              <a:t>API for data retrival / agregation /searching</a:t>
+            </a:r>
+          </a:p>
+          <a:p>
+            <a:pPr marL="285750" indent="-285750">
+              <a:buFont typeface="Arial" panose="020B0604020202020204" pitchFamily="34" charset="0"/>
+              <a:buChar char="•"/>
+            </a:pPr>
+            <a:r>
+              <a:rPr lang="pl-PL" sz="2400" dirty="0">
+                <a:solidFill>
+                  <a:srgbClr val="0070C0"/>
+                </a:solidFill>
+              </a:rPr>
+              <a:t>Curated data</a:t>
+            </a:r>
+          </a:p>
+          <a:p>
+            <a:pPr marL="285750" indent="-285750">
+              <a:buFont typeface="Arial" panose="020B0604020202020204" pitchFamily="34" charset="0"/>
+              <a:buChar char="•"/>
+            </a:pPr>
+            <a:r>
+              <a:rPr lang="pl-PL" sz="2400" dirty="0">
+                <a:solidFill>
+                  <a:srgbClr val="0070C0"/>
+                </a:solidFill>
+              </a:rPr>
+              <a:t>Better searching</a:t>
+            </a:r>
+          </a:p>
+          <a:p>
+            <a:pPr marL="285750" indent="-285750">
+              <a:buFont typeface="Arial" panose="020B0604020202020204" pitchFamily="34" charset="0"/>
+              <a:buChar char="•"/>
+            </a:pPr>
+            <a:r>
+              <a:rPr lang="pl-PL" sz="2400" dirty="0">
+                <a:solidFill>
+                  <a:srgbClr val="0070C0"/>
+                </a:solidFill>
+              </a:rPr>
+              <a:t>Interlinking between data </a:t>
+            </a:r>
+            <a:r>
+              <a:rPr lang="pl-PL" sz="2400" dirty="0" err="1">
+                <a:solidFill>
+                  <a:srgbClr val="0070C0"/>
+                </a:solidFill>
+              </a:rPr>
+              <a:t>types</a:t>
+            </a:r>
+            <a:endParaRPr lang="pl-PL" sz="2400" dirty="0">
+              <a:solidFill>
+                <a:srgbClr val="0070C0"/>
+              </a:solidFill>
+            </a:endParaRPr>
+          </a:p>
+        </p:txBody>
+      </p:sp>
+      <p:sp>
+        <p:nvSpPr>
           <p:cNvPr id="5" name="Title 1">
             <a:extLst>
               <a:ext uri="{FF2B5EF4-FFF2-40B4-BE49-F238E27FC236}">
@@ -5750,67 +5600,10 @@
           </a:p>
         </p:txBody>
       </p:sp>
-      <p:sp>
-        <p:nvSpPr>
-          <p:cNvPr id="6" name="Rectangle 5"/>
-          <p:cNvSpPr/>
-          <p:nvPr/>
-        </p:nvSpPr>
-        <p:spPr>
-          <a:xfrm>
-            <a:off x="605073" y="1977256"/>
-            <a:ext cx="10981854" cy="1323439"/>
-          </a:xfrm>
-          <a:prstGeom prst="rect">
-            <a:avLst/>
-          </a:prstGeom>
-        </p:spPr>
-        <p:txBody>
-          <a:bodyPr wrap="square">
-            <a:spAutoFit/>
-          </a:bodyPr>
-          <a:lstStyle/>
-          <a:p>
-            <a:pPr algn="ctr"/>
-            <a:r>
-              <a:rPr lang="pl-PL" sz="4000" dirty="0">
-                <a:solidFill>
-                  <a:srgbClr val="0070C0"/>
-                </a:solidFill>
-              </a:rPr>
-              <a:t>Exercise</a:t>
-            </a:r>
-            <a:r>
-              <a:rPr lang="en-GB" sz="4000" dirty="0">
-                <a:solidFill>
-                  <a:srgbClr val="0070C0"/>
-                </a:solidFill>
-              </a:rPr>
-              <a:t> 3</a:t>
-            </a:r>
-            <a:endParaRPr lang="pl-PL" sz="4000" dirty="0">
-              <a:solidFill>
-                <a:srgbClr val="0070C0"/>
-              </a:solidFill>
-            </a:endParaRPr>
-          </a:p>
-          <a:p>
-            <a:pPr marL="285750" indent="-285750" algn="ctr">
-              <a:buFont typeface="Arial" panose="020B0604020202020204" pitchFamily="34" charset="0"/>
-              <a:buChar char="•"/>
-            </a:pPr>
-            <a:endParaRPr lang="en-GB" sz="4000" dirty="0">
-              <a:solidFill>
-                <a:srgbClr val="0070C0"/>
-              </a:solidFill>
-            </a:endParaRPr>
-          </a:p>
-        </p:txBody>
-      </p:sp>
     </p:spTree>
     <p:extLst>
       <p:ext uri="{BB962C8B-B14F-4D97-AF65-F5344CB8AC3E}">
-        <p14:creationId xmlns:p14="http://schemas.microsoft.com/office/powerpoint/2010/main" val="4258755406"/>
+        <p14:creationId xmlns:p14="http://schemas.microsoft.com/office/powerpoint/2010/main" val="1646562172"/>
       </p:ext>
     </p:extLst>
   </p:cSld>
@@ -5837,176 +5630,156 @@
           <a:chExt cx="0" cy="0"/>
         </a:xfrm>
       </p:grpSpPr>
-      <p:sp>
-        <p:nvSpPr>
-          <p:cNvPr id="4" name="Title 1">
-            <a:extLst>
-              <a:ext uri="{FF2B5EF4-FFF2-40B4-BE49-F238E27FC236}">
-                <a16:creationId xmlns:a16="http://schemas.microsoft.com/office/drawing/2014/main" id="{A11E7DE7-A0AD-425E-8044-DF65BF838ED7}"/>
-              </a:ext>
-            </a:extLst>
-          </p:cNvPr>
-          <p:cNvSpPr txBox="1">
-            <a:spLocks/>
+      <p:pic>
+        <p:nvPicPr>
+          <p:cNvPr id="4" name="Picture 2" descr="Ed_DaSH">
+            <a:extLst>
+              <a:ext uri="{FF2B5EF4-FFF2-40B4-BE49-F238E27FC236}">
+                <a16:creationId xmlns:a16="http://schemas.microsoft.com/office/drawing/2014/main" id="{A783256F-E39E-4712-96B0-240BD611CFEB}"/>
+              </a:ext>
+            </a:extLst>
+          </p:cNvPr>
+          <p:cNvPicPr>
+            <a:picLocks noChangeAspect="1" noChangeArrowheads="1"/>
+          </p:cNvPicPr>
+          <p:nvPr/>
+        </p:nvPicPr>
+        <p:blipFill>
+          <a:blip r:embed="rId2" cstate="hqprint">
+            <a:extLst>
+              <a:ext uri="{28A0092B-C50C-407E-A947-70E740481C1C}">
+                <a14:useLocalDpi xmlns:a14="http://schemas.microsoft.com/office/drawing/2010/main" val="0"/>
+              </a:ext>
+            </a:extLst>
+          </a:blip>
+          <a:srcRect/>
+          <a:stretch>
+            <a:fillRect/>
+          </a:stretch>
+        </p:blipFill>
+        <p:spPr bwMode="auto">
+          <a:xfrm>
+            <a:off x="10820670" y="5458691"/>
+            <a:ext cx="1289214" cy="1325418"/>
+          </a:xfrm>
+          <a:prstGeom prst="rect">
+            <a:avLst/>
+          </a:prstGeom>
+          <a:noFill/>
+          <a:extLst>
+            <a:ext uri="{909E8E84-426E-40DD-AFC4-6F175D3DCCD1}">
+              <a14:hiddenFill xmlns:a14="http://schemas.microsoft.com/office/drawing/2010/main">
+                <a:solidFill>
+                  <a:srgbClr val="FFFFFF"/>
+                </a:solidFill>
+              </a14:hiddenFill>
+            </a:ext>
+          </a:extLst>
+        </p:spPr>
+      </p:pic>
+      <p:sp>
+        <p:nvSpPr>
+          <p:cNvPr id="5" name="Title 1">
+            <a:extLst>
+              <a:ext uri="{FF2B5EF4-FFF2-40B4-BE49-F238E27FC236}">
+                <a16:creationId xmlns:a16="http://schemas.microsoft.com/office/drawing/2014/main" id="{775BFE92-9990-4094-B7B2-01514614F16E}"/>
+              </a:ext>
+            </a:extLst>
+          </p:cNvPr>
+          <p:cNvSpPr>
+            <a:spLocks noGrp="1"/>
           </p:cNvSpPr>
-          <p:nvPr/>
+          <p:nvPr>
+            <p:ph type="title"/>
+          </p:nvPr>
         </p:nvSpPr>
         <p:spPr>
           <a:xfrm>
-            <a:off x="990600" y="517525"/>
+            <a:off x="838200" y="365125"/>
             <a:ext cx="10515600" cy="1325563"/>
+          </a:xfrm>
+        </p:spPr>
+        <p:txBody>
+          <a:bodyPr/>
+          <a:lstStyle/>
+          <a:p>
+            <a:r>
+              <a:rPr lang="pl-PL" dirty="0">
+                <a:solidFill>
+                  <a:srgbClr val="0070C0"/>
+                </a:solidFill>
+              </a:rPr>
+              <a:t>Domain specific repositories</a:t>
+            </a:r>
+            <a:endParaRPr lang="en-GB" dirty="0">
+              <a:solidFill>
+                <a:srgbClr val="0070C0"/>
+              </a:solidFill>
+            </a:endParaRPr>
+          </a:p>
+        </p:txBody>
+      </p:sp>
+      <p:sp>
+        <p:nvSpPr>
+          <p:cNvPr id="6" name="Rectangle 5"/>
+          <p:cNvSpPr/>
+          <p:nvPr/>
+        </p:nvSpPr>
+        <p:spPr>
+          <a:xfrm>
+            <a:off x="605073" y="1977256"/>
+            <a:ext cx="10981854" cy="1323439"/>
           </a:xfrm>
           <a:prstGeom prst="rect">
             <a:avLst/>
           </a:prstGeom>
         </p:spPr>
         <p:txBody>
-          <a:bodyPr vert="horz" lIns="91440" tIns="45720" rIns="91440" bIns="45720" rtlCol="0" anchor="ctr">
-            <a:normAutofit/>
-          </a:bodyPr>
-          <a:lstStyle>
-            <a:lvl1pPr algn="l" defTabSz="914400" rtl="0" eaLnBrk="1" latinLnBrk="0" hangingPunct="1">
-              <a:lnSpc>
-                <a:spcPct val="90000"/>
-              </a:lnSpc>
-              <a:spcBef>
-                <a:spcPct val="0"/>
-              </a:spcBef>
-              <a:buNone/>
-              <a:defRPr sz="4400" kern="1200">
-                <a:solidFill>
-                  <a:srgbClr val="0070C0"/>
-                </a:solidFill>
-                <a:latin typeface="+mj-lt"/>
-                <a:ea typeface="+mj-ea"/>
-                <a:cs typeface="+mj-cs"/>
-              </a:defRPr>
-            </a:lvl1pPr>
-          </a:lstStyle>
-          <a:p>
-            <a:r>
-              <a:rPr lang="pl-PL" dirty="0"/>
-              <a:t>Dataset discovery</a:t>
-            </a:r>
-            <a:r>
-              <a:rPr lang="en-GB" dirty="0"/>
-              <a:t> - Solution</a:t>
-            </a:r>
-          </a:p>
-        </p:txBody>
-      </p:sp>
-      <p:sp>
-        <p:nvSpPr>
-          <p:cNvPr id="5" name="TextBox 4">
-            <a:extLst>
-              <a:ext uri="{FF2B5EF4-FFF2-40B4-BE49-F238E27FC236}">
-                <a16:creationId xmlns:a16="http://schemas.microsoft.com/office/drawing/2014/main" id="{1C55261F-33BF-4ECB-A99F-446565AB2E20}"/>
-              </a:ext>
-            </a:extLst>
-          </p:cNvPr>
-          <p:cNvSpPr txBox="1"/>
-          <p:nvPr/>
-        </p:nvSpPr>
-        <p:spPr>
-          <a:xfrm>
-            <a:off x="1168958" y="2209850"/>
-            <a:ext cx="10158884" cy="2805063"/>
-          </a:xfrm>
-          <a:prstGeom prst="rect">
-            <a:avLst/>
-          </a:prstGeom>
-          <a:solidFill>
-            <a:schemeClr val="accent1">
-              <a:lumMod val="20000"/>
-              <a:lumOff val="80000"/>
-            </a:schemeClr>
-          </a:solidFill>
-        </p:spPr>
-        <p:txBody>
           <a:bodyPr wrap="square">
             <a:spAutoFit/>
           </a:bodyPr>
           <a:lstStyle/>
           <a:p>
-            <a:pPr algn="l">
-              <a:lnSpc>
-                <a:spcPct val="150000"/>
-              </a:lnSpc>
-            </a:pPr>
-            <a:r>
-              <a:rPr lang="en-GB" sz="2400" b="1" i="0" dirty="0">
-                <a:solidFill>
-                  <a:srgbClr val="333333"/>
-                </a:solidFill>
-                <a:effectLst/>
-                <a:latin typeface="Ubuntu"/>
-              </a:rPr>
-              <a:t>Some advantages are:</a:t>
-            </a:r>
-          </a:p>
-          <a:p>
-            <a:pPr algn="l">
-              <a:lnSpc>
-                <a:spcPct val="150000"/>
-              </a:lnSpc>
+            <a:pPr algn="ctr"/>
+            <a:r>
+              <a:rPr lang="pl-PL" sz="4000" dirty="0">
+                <a:solidFill>
+                  <a:srgbClr val="0070C0"/>
+                </a:solidFill>
+              </a:rPr>
+              <a:t>Exercise</a:t>
+            </a:r>
+            <a:r>
+              <a:rPr lang="en-GB" sz="4000" dirty="0">
+                <a:solidFill>
+                  <a:srgbClr val="0070C0"/>
+                </a:solidFill>
+              </a:rPr>
+              <a:t> 3</a:t>
+            </a:r>
+            <a:endParaRPr lang="pl-PL" sz="4000" dirty="0">
+              <a:solidFill>
+                <a:srgbClr val="0070C0"/>
+              </a:solidFill>
+            </a:endParaRPr>
+          </a:p>
+          <a:p>
+            <a:pPr marL="285750" indent="-285750" algn="ctr">
               <a:buFont typeface="Arial" panose="020B0604020202020204" pitchFamily="34" charset="0"/>
               <a:buChar char="•"/>
             </a:pPr>
-            <a:r>
-              <a:rPr lang="en-GB" sz="2400" b="0" i="0" dirty="0">
-                <a:solidFill>
-                  <a:srgbClr val="333333"/>
-                </a:solidFill>
-                <a:effectLst/>
-                <a:latin typeface="Ubuntu"/>
-              </a:rPr>
-              <a:t>The repository is more relevant to your discipline than a generalist one.</a:t>
-            </a:r>
-          </a:p>
-          <a:p>
-            <a:pPr algn="l">
-              <a:lnSpc>
-                <a:spcPct val="150000"/>
-              </a:lnSpc>
-              <a:buFont typeface="Arial" panose="020B0604020202020204" pitchFamily="34" charset="0"/>
-              <a:buChar char="•"/>
-            </a:pPr>
-            <a:r>
-              <a:rPr lang="en-GB" sz="2400" b="0" i="0" dirty="0">
-                <a:solidFill>
-                  <a:srgbClr val="333333"/>
-                </a:solidFill>
-                <a:effectLst/>
-                <a:latin typeface="Ubuntu"/>
-              </a:rPr>
-              <a:t>Higher exposure (people looking for those specific types of data will usually first look at the specific repository).</a:t>
-            </a:r>
-          </a:p>
-          <a:p>
-            <a:pPr algn="l">
-              <a:lnSpc>
-                <a:spcPct val="150000"/>
-              </a:lnSpc>
-              <a:buFont typeface="Arial" panose="020B0604020202020204" pitchFamily="34" charset="0"/>
-              <a:buChar char="•"/>
-            </a:pPr>
-            <a:r>
-              <a:rPr lang="en-GB" sz="2400" b="0" i="0" dirty="0">
-                <a:solidFill>
-                  <a:srgbClr val="333333"/>
-                </a:solidFill>
-                <a:effectLst/>
-                <a:latin typeface="Ubuntu"/>
-              </a:rPr>
-              <a:t>Higher number of citations (see above).</a:t>
-            </a:r>
+            <a:endParaRPr lang="en-GB" sz="4000" dirty="0">
+              <a:solidFill>
+                <a:srgbClr val="0070C0"/>
+              </a:solidFill>
+            </a:endParaRPr>
           </a:p>
         </p:txBody>
       </p:sp>
     </p:spTree>
     <p:extLst>
       <p:ext uri="{BB962C8B-B14F-4D97-AF65-F5344CB8AC3E}">
-        <p14:creationId xmlns:p14="http://schemas.microsoft.com/office/powerpoint/2010/main" val="1656222730"/>
+        <p14:creationId xmlns:p14="http://schemas.microsoft.com/office/powerpoint/2010/main" val="4258755406"/>
       </p:ext>
     </p:extLst>
   </p:cSld>
@@ -6035,366 +5808,174 @@
       </p:grpSpPr>
       <p:sp>
         <p:nvSpPr>
-          <p:cNvPr id="2" name="Rectangle 1"/>
-          <p:cNvSpPr/>
+          <p:cNvPr id="4" name="Title 1">
+            <a:extLst>
+              <a:ext uri="{FF2B5EF4-FFF2-40B4-BE49-F238E27FC236}">
+                <a16:creationId xmlns:a16="http://schemas.microsoft.com/office/drawing/2014/main" id="{A11E7DE7-A0AD-425E-8044-DF65BF838ED7}"/>
+              </a:ext>
+            </a:extLst>
+          </p:cNvPr>
+          <p:cNvSpPr txBox="1">
+            <a:spLocks/>
+          </p:cNvSpPr>
           <p:nvPr/>
         </p:nvSpPr>
         <p:spPr>
           <a:xfrm>
-            <a:off x="838200" y="1483424"/>
-            <a:ext cx="10981854" cy="4708981"/>
+            <a:off x="990600" y="517525"/>
+            <a:ext cx="10515600" cy="1325563"/>
           </a:xfrm>
           <a:prstGeom prst="rect">
             <a:avLst/>
           </a:prstGeom>
         </p:spPr>
         <p:txBody>
+          <a:bodyPr vert="horz" lIns="91440" tIns="45720" rIns="91440" bIns="45720" rtlCol="0" anchor="ctr">
+            <a:normAutofit/>
+          </a:bodyPr>
+          <a:lstStyle>
+            <a:lvl1pPr algn="l" defTabSz="914400" rtl="0" eaLnBrk="1" latinLnBrk="0" hangingPunct="1">
+              <a:lnSpc>
+                <a:spcPct val="90000"/>
+              </a:lnSpc>
+              <a:spcBef>
+                <a:spcPct val="0"/>
+              </a:spcBef>
+              <a:buNone/>
+              <a:defRPr sz="4400" kern="1200">
+                <a:solidFill>
+                  <a:srgbClr val="0070C0"/>
+                </a:solidFill>
+                <a:latin typeface="+mj-lt"/>
+                <a:ea typeface="+mj-ea"/>
+                <a:cs typeface="+mj-cs"/>
+              </a:defRPr>
+            </a:lvl1pPr>
+          </a:lstStyle>
+          <a:p>
+            <a:r>
+              <a:rPr lang="pl-PL" dirty="0"/>
+              <a:t>Dataset discovery</a:t>
+            </a:r>
+            <a:r>
+              <a:rPr lang="en-GB" dirty="0"/>
+              <a:t> - Solution</a:t>
+            </a:r>
+          </a:p>
+        </p:txBody>
+      </p:sp>
+      <p:sp>
+        <p:nvSpPr>
+          <p:cNvPr id="5" name="TextBox 4">
+            <a:extLst>
+              <a:ext uri="{FF2B5EF4-FFF2-40B4-BE49-F238E27FC236}">
+                <a16:creationId xmlns:a16="http://schemas.microsoft.com/office/drawing/2014/main" id="{1C55261F-33BF-4ECB-A99F-446565AB2E20}"/>
+              </a:ext>
+            </a:extLst>
+          </p:cNvPr>
+          <p:cNvSpPr txBox="1"/>
+          <p:nvPr/>
+        </p:nvSpPr>
+        <p:spPr>
+          <a:xfrm>
+            <a:off x="1168958" y="2209850"/>
+            <a:ext cx="10158884" cy="2805063"/>
+          </a:xfrm>
+          <a:prstGeom prst="rect">
+            <a:avLst/>
+          </a:prstGeom>
+          <a:solidFill>
+            <a:schemeClr val="accent1">
+              <a:lumMod val="20000"/>
+              <a:lumOff val="80000"/>
+            </a:schemeClr>
+          </a:solidFill>
+        </p:spPr>
+        <p:txBody>
           <a:bodyPr wrap="square">
             <a:spAutoFit/>
           </a:bodyPr>
           <a:lstStyle/>
           <a:p>
-            <a:pPr marL="285750" indent="-285750">
+            <a:pPr algn="l">
+              <a:lnSpc>
+                <a:spcPct val="150000"/>
+              </a:lnSpc>
+            </a:pPr>
+            <a:r>
+              <a:rPr lang="en-GB" sz="2400" b="1" i="0" dirty="0">
+                <a:solidFill>
+                  <a:srgbClr val="333333"/>
+                </a:solidFill>
+                <a:effectLst/>
+                <a:latin typeface="Ubuntu"/>
+              </a:rPr>
+              <a:t>Some advantages are:</a:t>
+            </a:r>
+          </a:p>
+          <a:p>
+            <a:pPr algn="l">
+              <a:lnSpc>
+                <a:spcPct val="150000"/>
+              </a:lnSpc>
               <a:buFont typeface="Arial" panose="020B0604020202020204" pitchFamily="34" charset="0"/>
               <a:buChar char="•"/>
             </a:pPr>
             <a:r>
-              <a:rPr lang="en-GB" sz="2000" dirty="0">
-                <a:solidFill>
-                  <a:srgbClr val="0070C0"/>
-                </a:solidFill>
-              </a:rPr>
-              <a:t>[BioMed Central / Springer Nature] - (https://www.springernature.com/gp/authors/research-data-policy/recommended-repositories)</a:t>
-            </a:r>
-          </a:p>
-          <a:p>
-            <a:pPr marL="285750" indent="-285750">
+              <a:rPr lang="en-GB" sz="2400" b="0" i="0" dirty="0">
+                <a:solidFill>
+                  <a:srgbClr val="333333"/>
+                </a:solidFill>
+                <a:effectLst/>
+                <a:latin typeface="Ubuntu"/>
+              </a:rPr>
+              <a:t>The repository is more relevant to your discipline than a generalist one.</a:t>
+            </a:r>
+          </a:p>
+          <a:p>
+            <a:pPr algn="l">
+              <a:lnSpc>
+                <a:spcPct val="150000"/>
+              </a:lnSpc>
               <a:buFont typeface="Arial" panose="020B0604020202020204" pitchFamily="34" charset="0"/>
               <a:buChar char="•"/>
             </a:pPr>
             <a:r>
-              <a:rPr lang="en-GB" sz="2000" dirty="0">
-                <a:solidFill>
-                  <a:srgbClr val="0070C0"/>
-                </a:solidFill>
-              </a:rPr>
-              <a:t>[</a:t>
-            </a:r>
-            <a:r>
-              <a:rPr lang="en-GB" sz="2000" dirty="0" err="1">
-                <a:solidFill>
-                  <a:srgbClr val="0070C0"/>
-                </a:solidFill>
-              </a:rPr>
-              <a:t>eLife</a:t>
-            </a:r>
-            <a:r>
-              <a:rPr lang="en-GB" sz="2000" dirty="0">
-                <a:solidFill>
-                  <a:srgbClr val="0070C0"/>
-                </a:solidFill>
-              </a:rPr>
-              <a:t>] - (https://submit.elifesciences.org/html/elife_author_instructions.html#policies)</a:t>
-            </a:r>
-          </a:p>
-          <a:p>
-            <a:pPr marL="285750" indent="-285750">
+              <a:rPr lang="en-GB" sz="2400" b="0" i="0" dirty="0">
+                <a:solidFill>
+                  <a:srgbClr val="333333"/>
+                </a:solidFill>
+                <a:effectLst/>
+                <a:latin typeface="Ubuntu"/>
+              </a:rPr>
+              <a:t>Higher exposure (people looking for those specific types of data will usually first look at the specific repository).</a:t>
+            </a:r>
+          </a:p>
+          <a:p>
+            <a:pPr algn="l">
+              <a:lnSpc>
+                <a:spcPct val="150000"/>
+              </a:lnSpc>
               <a:buFont typeface="Arial" panose="020B0604020202020204" pitchFamily="34" charset="0"/>
               <a:buChar char="•"/>
             </a:pPr>
             <a:r>
-              <a:rPr lang="en-GB" sz="2000" dirty="0">
-                <a:solidFill>
-                  <a:srgbClr val="0070C0"/>
-                </a:solidFill>
-              </a:rPr>
-              <a:t>[Elsevier] - (https://www.elsevier.com/about/policies/research-data)</a:t>
-            </a:r>
-          </a:p>
-          <a:p>
-            <a:pPr marL="285750" indent="-285750">
-              <a:buFont typeface="Arial" panose="020B0604020202020204" pitchFamily="34" charset="0"/>
-              <a:buChar char="•"/>
-            </a:pPr>
-            <a:r>
-              <a:rPr lang="en-GB" sz="2000" dirty="0">
-                <a:solidFill>
-                  <a:srgbClr val="0070C0"/>
-                </a:solidFill>
-              </a:rPr>
-              <a:t>[EMBO Press] - (https://www.embopress.org/page/journal/14602075/authorguide#datadeposition)</a:t>
-            </a:r>
-          </a:p>
-          <a:p>
-            <a:pPr marL="285750" indent="-285750">
-              <a:buFont typeface="Arial" panose="020B0604020202020204" pitchFamily="34" charset="0"/>
-              <a:buChar char="•"/>
-            </a:pPr>
-            <a:r>
-              <a:rPr lang="en-GB" sz="2000" dirty="0">
-                <a:solidFill>
-                  <a:srgbClr val="0070C0"/>
-                </a:solidFill>
-              </a:rPr>
-              <a:t>[F1000 Research] - (https://f1000research.com/for-authors/data-guidelines)</a:t>
-            </a:r>
-          </a:p>
-          <a:p>
-            <a:pPr marL="285750" indent="-285750">
-              <a:buFont typeface="Arial" panose="020B0604020202020204" pitchFamily="34" charset="0"/>
-              <a:buChar char="•"/>
-            </a:pPr>
-            <a:r>
-              <a:rPr lang="en-GB" sz="2000" dirty="0">
-                <a:solidFill>
-                  <a:srgbClr val="0070C0"/>
-                </a:solidFill>
-              </a:rPr>
-              <a:t>[</a:t>
-            </a:r>
-            <a:r>
-              <a:rPr lang="en-GB" sz="2000" dirty="0" err="1">
-                <a:solidFill>
-                  <a:srgbClr val="0070C0"/>
-                </a:solidFill>
-              </a:rPr>
-              <a:t>GIGAscience</a:t>
-            </a:r>
-            <a:r>
-              <a:rPr lang="en-GB" sz="2000" dirty="0">
-                <a:solidFill>
-                  <a:srgbClr val="0070C0"/>
-                </a:solidFill>
-              </a:rPr>
-              <a:t> - OUP] - (https://academic.oup.com/gigascience/pages/instructions_to_authors)</a:t>
-            </a:r>
-          </a:p>
-          <a:p>
-            <a:pPr marL="285750" indent="-285750">
-              <a:buFont typeface="Arial" panose="020B0604020202020204" pitchFamily="34" charset="0"/>
-              <a:buChar char="•"/>
-            </a:pPr>
-            <a:r>
-              <a:rPr lang="en-GB" sz="2000" dirty="0">
-                <a:solidFill>
-                  <a:srgbClr val="0070C0"/>
-                </a:solidFill>
-              </a:rPr>
-              <a:t>[</a:t>
-            </a:r>
-            <a:r>
-              <a:rPr lang="en-GB" sz="2000" dirty="0" err="1">
-                <a:solidFill>
-                  <a:srgbClr val="0070C0"/>
-                </a:solidFill>
-              </a:rPr>
-              <a:t>PLoS</a:t>
-            </a:r>
-            <a:r>
-              <a:rPr lang="en-GB" sz="2000" dirty="0">
-                <a:solidFill>
-                  <a:srgbClr val="0070C0"/>
-                </a:solidFill>
-              </a:rPr>
-              <a:t>] - (https://journals.plos.org/plosbiology/s/recommended-repositories)</a:t>
-            </a:r>
-          </a:p>
-          <a:p>
-            <a:pPr marL="285750" indent="-285750">
-              <a:buFont typeface="Arial" panose="020B0604020202020204" pitchFamily="34" charset="0"/>
-              <a:buChar char="•"/>
-            </a:pPr>
-            <a:r>
-              <a:rPr lang="en-GB" sz="2000" dirty="0">
-                <a:solidFill>
-                  <a:srgbClr val="0070C0"/>
-                </a:solidFill>
-              </a:rPr>
-              <a:t>[Scientific Data - Nature] - (https://www.nature.com/sdata/policies/repositories)</a:t>
-            </a:r>
-          </a:p>
-          <a:p>
-            <a:pPr marL="285750" indent="-285750">
-              <a:buFont typeface="Arial" panose="020B0604020202020204" pitchFamily="34" charset="0"/>
-              <a:buChar char="•"/>
-            </a:pPr>
-            <a:r>
-              <a:rPr lang="en-GB" sz="2000" dirty="0">
-                <a:solidFill>
-                  <a:srgbClr val="0070C0"/>
-                </a:solidFill>
-              </a:rPr>
-              <a:t>[Taylor and Francis] - (https://authorservices.taylorandfrancis.com/data-sharing-policies/repositories/)</a:t>
-            </a:r>
-          </a:p>
-          <a:p>
-            <a:pPr marL="285750" indent="-285750">
-              <a:buFont typeface="Arial" panose="020B0604020202020204" pitchFamily="34" charset="0"/>
-              <a:buChar char="•"/>
-            </a:pPr>
-            <a:r>
-              <a:rPr lang="en-GB" sz="2000" dirty="0">
-                <a:solidFill>
-                  <a:srgbClr val="0070C0"/>
-                </a:solidFill>
-              </a:rPr>
-              <a:t>[BBSRC] - (https://bbsrc.ukri.org/research/resources/)</a:t>
-            </a:r>
-          </a:p>
-          <a:p>
-            <a:pPr marL="285750" indent="-285750">
-              <a:buFont typeface="Arial" panose="020B0604020202020204" pitchFamily="34" charset="0"/>
-              <a:buChar char="•"/>
-            </a:pPr>
-            <a:r>
-              <a:rPr lang="en-GB" sz="2000" dirty="0">
-                <a:solidFill>
-                  <a:srgbClr val="0070C0"/>
-                </a:solidFill>
-              </a:rPr>
-              <a:t>[NERC] - (https://nerc.ukri.org/research/sites/environmental-data-service-eds/policy/)</a:t>
-            </a:r>
-          </a:p>
-          <a:p>
-            <a:pPr marL="285750" indent="-285750">
-              <a:buFont typeface="Arial" panose="020B0604020202020204" pitchFamily="34" charset="0"/>
-              <a:buChar char="•"/>
-            </a:pPr>
-            <a:r>
-              <a:rPr lang="en-GB" sz="2000" dirty="0">
-                <a:solidFill>
-                  <a:srgbClr val="0070C0"/>
-                </a:solidFill>
-              </a:rPr>
-              <a:t>[Royal Society] - (https://royalsociety.org/journals/ethics-policies/data-sharing-mining/)</a:t>
-            </a:r>
-          </a:p>
-          <a:p>
-            <a:pPr marL="285750" indent="-285750">
-              <a:buFont typeface="Arial" panose="020B0604020202020204" pitchFamily="34" charset="0"/>
-              <a:buChar char="•"/>
-            </a:pPr>
-            <a:r>
-              <a:rPr lang="en-GB" sz="2000" dirty="0">
-                <a:solidFill>
-                  <a:srgbClr val="0070C0"/>
-                </a:solidFill>
-              </a:rPr>
-              <a:t>[</a:t>
-            </a:r>
-            <a:r>
-              <a:rPr lang="en-GB" sz="2000" dirty="0" err="1">
-                <a:solidFill>
-                  <a:srgbClr val="0070C0"/>
-                </a:solidFill>
-              </a:rPr>
-              <a:t>Wellcome</a:t>
-            </a:r>
-            <a:r>
-              <a:rPr lang="en-GB" sz="2000" dirty="0">
-                <a:solidFill>
-                  <a:srgbClr val="0070C0"/>
-                </a:solidFill>
-              </a:rPr>
-              <a:t> Open Research] - (https://wellcomeopenresearch.org/for-authors/data-guidelines) </a:t>
-            </a:r>
-          </a:p>
-        </p:txBody>
-      </p:sp>
-      <p:sp>
-        <p:nvSpPr>
-          <p:cNvPr id="5" name="Title 1">
-            <a:extLst>
-              <a:ext uri="{FF2B5EF4-FFF2-40B4-BE49-F238E27FC236}">
-                <a16:creationId xmlns:a16="http://schemas.microsoft.com/office/drawing/2014/main" id="{775BFE92-9990-4094-B7B2-01514614F16E}"/>
-              </a:ext>
-            </a:extLst>
-          </p:cNvPr>
-          <p:cNvSpPr>
-            <a:spLocks noGrp="1"/>
-          </p:cNvSpPr>
-          <p:nvPr>
-            <p:ph type="title"/>
-          </p:nvPr>
-        </p:nvSpPr>
-        <p:spPr>
-          <a:xfrm>
-            <a:off x="838200" y="365125"/>
-            <a:ext cx="10515600" cy="1325563"/>
-          </a:xfrm>
-        </p:spPr>
-        <p:txBody>
-          <a:bodyPr/>
-          <a:lstStyle/>
-          <a:p>
-            <a:r>
-              <a:rPr lang="pl-PL" dirty="0" err="1">
-                <a:solidFill>
-                  <a:srgbClr val="0070C0"/>
-                </a:solidFill>
-              </a:rPr>
-              <a:t>Finding</a:t>
-            </a:r>
-            <a:r>
-              <a:rPr lang="pl-PL" dirty="0">
-                <a:solidFill>
-                  <a:srgbClr val="0070C0"/>
-                </a:solidFill>
-              </a:rPr>
-              <a:t> </a:t>
-            </a:r>
-            <a:r>
-              <a:rPr lang="pl-PL" dirty="0" err="1">
-                <a:solidFill>
-                  <a:srgbClr val="0070C0"/>
-                </a:solidFill>
-              </a:rPr>
-              <a:t>repositories</a:t>
-            </a:r>
-            <a:r>
-              <a:rPr lang="pl-PL" dirty="0">
-                <a:solidFill>
-                  <a:srgbClr val="0070C0"/>
-                </a:solidFill>
-              </a:rPr>
-              <a:t> – </a:t>
-            </a:r>
-            <a:r>
-              <a:rPr lang="pl-PL" dirty="0" err="1">
-                <a:solidFill>
-                  <a:srgbClr val="0070C0"/>
-                </a:solidFill>
-              </a:rPr>
-              <a:t>use</a:t>
-            </a:r>
-            <a:r>
-              <a:rPr lang="pl-PL" dirty="0">
-                <a:solidFill>
-                  <a:srgbClr val="0070C0"/>
-                </a:solidFill>
-              </a:rPr>
-              <a:t> </a:t>
-            </a:r>
-            <a:r>
-              <a:rPr lang="pl-PL" dirty="0" err="1">
-                <a:solidFill>
-                  <a:srgbClr val="0070C0"/>
-                </a:solidFill>
-              </a:rPr>
-              <a:t>recommendations</a:t>
-            </a:r>
-            <a:endParaRPr lang="en-GB" dirty="0">
-              <a:solidFill>
-                <a:srgbClr val="0070C0"/>
-              </a:solidFill>
-            </a:endParaRPr>
+              <a:rPr lang="en-GB" sz="2400" b="0" i="0" dirty="0">
+                <a:solidFill>
+                  <a:srgbClr val="333333"/>
+                </a:solidFill>
+                <a:effectLst/>
+                <a:latin typeface="Ubuntu"/>
+              </a:rPr>
+              <a:t>Higher number of citations (see above).</a:t>
+            </a:r>
           </a:p>
         </p:txBody>
       </p:sp>
     </p:spTree>
     <p:extLst>
       <p:ext uri="{BB962C8B-B14F-4D97-AF65-F5344CB8AC3E}">
-        <p14:creationId xmlns:p14="http://schemas.microsoft.com/office/powerpoint/2010/main" val="2392727602"/>
+        <p14:creationId xmlns:p14="http://schemas.microsoft.com/office/powerpoint/2010/main" val="1656222730"/>
       </p:ext>
     </p:extLst>
   </p:cSld>
@@ -6429,8 +6010,8 @@
         </p:nvSpPr>
         <p:spPr>
           <a:xfrm>
-            <a:off x="742384" y="2064189"/>
-            <a:ext cx="10981854" cy="3785652"/>
+            <a:off x="838200" y="1483424"/>
+            <a:ext cx="10981854" cy="4708981"/>
           </a:xfrm>
           <a:prstGeom prst="rect">
             <a:avLst/>
@@ -6442,168 +6023,250 @@
           </a:bodyPr>
           <a:lstStyle/>
           <a:p>
-            <a:r>
-              <a:rPr lang="en-GB" sz="2400" dirty="0" smtClean="0">
-                <a:solidFill>
-                  <a:srgbClr val="0070C0"/>
-                </a:solidFill>
-              </a:rPr>
-              <a:t>-</a:t>
-            </a:r>
-            <a:r>
-              <a:rPr lang="pl-PL" sz="2400" dirty="0" smtClean="0">
-                <a:solidFill>
-                  <a:srgbClr val="0070C0"/>
-                </a:solidFill>
-              </a:rPr>
-              <a:t>FAIRSharing.org </a:t>
-            </a:r>
-            <a:r>
-              <a:rPr lang="pl-PL" sz="2400" dirty="0">
-                <a:solidFill>
-                  <a:srgbClr val="0070C0"/>
-                </a:solidFill>
-              </a:rPr>
-              <a:t>– search engine</a:t>
-            </a:r>
-          </a:p>
-          <a:p>
-            <a:endParaRPr lang="pl-PL" sz="2400" dirty="0">
-              <a:solidFill>
-                <a:srgbClr val="0070C0"/>
-              </a:solidFill>
-            </a:endParaRPr>
-          </a:p>
-          <a:p>
-            <a:pPr marL="342900" indent="-342900">
+            <a:pPr marL="285750" indent="-285750">
               <a:buFont typeface="Arial" panose="020B0604020202020204" pitchFamily="34" charset="0"/>
               <a:buChar char="•"/>
             </a:pPr>
             <a:r>
-              <a:rPr lang="pl-PL" sz="2400" dirty="0" smtClean="0">
-                <a:solidFill>
-                  <a:srgbClr val="0070C0"/>
-                </a:solidFill>
-              </a:rPr>
-              <a:t>Repositories</a:t>
-            </a:r>
-            <a:endParaRPr lang="pl-PL" sz="2400" dirty="0">
-              <a:solidFill>
-                <a:srgbClr val="0070C0"/>
-              </a:solidFill>
-            </a:endParaRPr>
-          </a:p>
-          <a:p>
-            <a:pPr marL="342900" indent="-342900">
+              <a:rPr lang="en-GB" sz="2000" dirty="0">
+                <a:solidFill>
+                  <a:srgbClr val="0070C0"/>
+                </a:solidFill>
+              </a:rPr>
+              <a:t>[BioMed Central / Springer Nature] - (https://www.springernature.com/gp/authors/research-data-policy/recommended-repositories)</a:t>
+            </a:r>
+          </a:p>
+          <a:p>
+            <a:pPr marL="285750" indent="-285750">
               <a:buFont typeface="Arial" panose="020B0604020202020204" pitchFamily="34" charset="0"/>
               <a:buChar char="•"/>
             </a:pPr>
             <a:r>
-              <a:rPr lang="pl-PL" sz="2400" dirty="0">
-                <a:solidFill>
-                  <a:srgbClr val="0070C0"/>
-                </a:solidFill>
-              </a:rPr>
-              <a:t>Data standards</a:t>
-            </a:r>
-          </a:p>
-          <a:p>
-            <a:pPr marL="342900" indent="-342900">
+              <a:rPr lang="en-GB" sz="2000" dirty="0">
+                <a:solidFill>
+                  <a:srgbClr val="0070C0"/>
+                </a:solidFill>
+              </a:rPr>
+              <a:t>[</a:t>
+            </a:r>
+            <a:r>
+              <a:rPr lang="en-GB" sz="2000" dirty="0" err="1">
+                <a:solidFill>
+                  <a:srgbClr val="0070C0"/>
+                </a:solidFill>
+              </a:rPr>
+              <a:t>eLife</a:t>
+            </a:r>
+            <a:r>
+              <a:rPr lang="en-GB" sz="2000" dirty="0">
+                <a:solidFill>
+                  <a:srgbClr val="0070C0"/>
+                </a:solidFill>
+              </a:rPr>
+              <a:t>] - (https://submit.elifesciences.org/html/elife_author_instructions.html#policies)</a:t>
+            </a:r>
+          </a:p>
+          <a:p>
+            <a:pPr marL="285750" indent="-285750">
               <a:buFont typeface="Arial" panose="020B0604020202020204" pitchFamily="34" charset="0"/>
               <a:buChar char="•"/>
             </a:pPr>
             <a:r>
-              <a:rPr lang="pl-PL" sz="2400" dirty="0">
-                <a:solidFill>
-                  <a:srgbClr val="0070C0"/>
-                </a:solidFill>
-              </a:rPr>
-              <a:t>Policies</a:t>
+              <a:rPr lang="en-GB" sz="2000" dirty="0">
+                <a:solidFill>
+                  <a:srgbClr val="0070C0"/>
+                </a:solidFill>
+              </a:rPr>
+              <a:t>[Elsevier] - (https://www.elsevier.com/about/policies/research-data)</a:t>
             </a:r>
           </a:p>
           <a:p>
             <a:pPr marL="285750" indent="-285750">
-              <a:buFontTx/>
-              <a:buChar char="-"/>
+              <a:buFont typeface="Arial" panose="020B0604020202020204" pitchFamily="34" charset="0"/>
+              <a:buChar char="•"/>
             </a:pPr>
-            <a:endParaRPr lang="pl-PL" sz="2400" dirty="0">
-              <a:solidFill>
-                <a:srgbClr val="0070C0"/>
-              </a:solidFill>
-            </a:endParaRPr>
-          </a:p>
-          <a:p>
-            <a:r>
-              <a:rPr lang="pl-PL" sz="2400" dirty="0" smtClean="0">
-                <a:solidFill>
-                  <a:srgbClr val="0070C0"/>
-                </a:solidFill>
-              </a:rPr>
-              <a:t>(</a:t>
-            </a:r>
-            <a:r>
-              <a:rPr lang="pl-PL" sz="2400" dirty="0">
-                <a:solidFill>
-                  <a:srgbClr val="0070C0"/>
-                </a:solidFill>
-              </a:rPr>
-              <a:t>too) many options for each </a:t>
-            </a:r>
-            <a:r>
-              <a:rPr lang="pl-PL" sz="2400" dirty="0" smtClean="0">
-                <a:solidFill>
-                  <a:srgbClr val="0070C0"/>
-                </a:solidFill>
-              </a:rPr>
-              <a:t>type</a:t>
-            </a:r>
-            <a:endParaRPr lang="en-GB" sz="2400" dirty="0" smtClean="0">
-              <a:solidFill>
-                <a:srgbClr val="0070C0"/>
-              </a:solidFill>
-            </a:endParaRPr>
-          </a:p>
-          <a:p>
-            <a:endParaRPr lang="en-GB" sz="2400" dirty="0">
-              <a:solidFill>
-                <a:srgbClr val="0070C0"/>
-              </a:solidFill>
-            </a:endParaRPr>
-          </a:p>
-          <a:p>
-            <a:r>
-              <a:rPr lang="en-GB" sz="2400" dirty="0" smtClean="0">
-                <a:solidFill>
-                  <a:srgbClr val="0070C0"/>
-                </a:solidFill>
-              </a:rPr>
-              <a:t>-Inventory of identified trusted repositories (ERCEA)</a:t>
-            </a:r>
-          </a:p>
-          <a:p>
-            <a:r>
-              <a:rPr lang="en-GB" sz="2400" dirty="0" smtClean="0">
-                <a:solidFill>
-                  <a:srgbClr val="0070C0"/>
-                </a:solidFill>
-                <a:hlinkClick r:id="rId2"/>
-              </a:rPr>
-              <a:t>https</a:t>
-            </a:r>
-            <a:r>
-              <a:rPr lang="en-GB" sz="2400" dirty="0">
-                <a:solidFill>
-                  <a:srgbClr val="0070C0"/>
-                </a:solidFill>
-                <a:hlinkClick r:id="rId2"/>
-              </a:rPr>
-              <a:t>://zenodo.org/record/7728016#.ZCWRkXbMKUm</a:t>
-            </a:r>
-            <a:endParaRPr lang="en-GB" sz="2400" dirty="0">
-              <a:solidFill>
-                <a:srgbClr val="0070C0"/>
-              </a:solidFill>
-            </a:endParaRPr>
+            <a:r>
+              <a:rPr lang="en-GB" sz="2000" dirty="0">
+                <a:solidFill>
+                  <a:srgbClr val="0070C0"/>
+                </a:solidFill>
+              </a:rPr>
+              <a:t>[EMBO Press] - (https://www.embopress.org/page/journal/14602075/authorguide#datadeposition)</a:t>
+            </a:r>
+          </a:p>
+          <a:p>
+            <a:pPr marL="285750" indent="-285750">
+              <a:buFont typeface="Arial" panose="020B0604020202020204" pitchFamily="34" charset="0"/>
+              <a:buChar char="•"/>
+            </a:pPr>
+            <a:r>
+              <a:rPr lang="en-GB" sz="2000" dirty="0">
+                <a:solidFill>
+                  <a:srgbClr val="0070C0"/>
+                </a:solidFill>
+              </a:rPr>
+              <a:t>[F1000 Research] - (https://f1000research.com/for-authors/data-guidelines)</a:t>
+            </a:r>
+          </a:p>
+          <a:p>
+            <a:pPr marL="285750" indent="-285750">
+              <a:buFont typeface="Arial" panose="020B0604020202020204" pitchFamily="34" charset="0"/>
+              <a:buChar char="•"/>
+            </a:pPr>
+            <a:r>
+              <a:rPr lang="en-GB" sz="2000" dirty="0">
+                <a:solidFill>
+                  <a:srgbClr val="0070C0"/>
+                </a:solidFill>
+              </a:rPr>
+              <a:t>[</a:t>
+            </a:r>
+            <a:r>
+              <a:rPr lang="en-GB" sz="2000" dirty="0" err="1">
+                <a:solidFill>
+                  <a:srgbClr val="0070C0"/>
+                </a:solidFill>
+              </a:rPr>
+              <a:t>GIGAscience</a:t>
+            </a:r>
+            <a:r>
+              <a:rPr lang="en-GB" sz="2000" dirty="0">
+                <a:solidFill>
+                  <a:srgbClr val="0070C0"/>
+                </a:solidFill>
+              </a:rPr>
+              <a:t> - OUP] - (https://academic.oup.com/gigascience/pages/instructions_to_authors)</a:t>
+            </a:r>
+          </a:p>
+          <a:p>
+            <a:pPr marL="285750" indent="-285750">
+              <a:buFont typeface="Arial" panose="020B0604020202020204" pitchFamily="34" charset="0"/>
+              <a:buChar char="•"/>
+            </a:pPr>
+            <a:r>
+              <a:rPr lang="en-GB" sz="2000" dirty="0">
+                <a:solidFill>
+                  <a:srgbClr val="0070C0"/>
+                </a:solidFill>
+              </a:rPr>
+              <a:t>[</a:t>
+            </a:r>
+            <a:r>
+              <a:rPr lang="en-GB" sz="2000" dirty="0" err="1">
+                <a:solidFill>
+                  <a:srgbClr val="0070C0"/>
+                </a:solidFill>
+              </a:rPr>
+              <a:t>PLoS</a:t>
+            </a:r>
+            <a:r>
+              <a:rPr lang="en-GB" sz="2000" dirty="0">
+                <a:solidFill>
+                  <a:srgbClr val="0070C0"/>
+                </a:solidFill>
+              </a:rPr>
+              <a:t>] - (https://journals.plos.org/plosbiology/s/recommended-repositories)</a:t>
+            </a:r>
+          </a:p>
+          <a:p>
+            <a:pPr marL="285750" indent="-285750">
+              <a:buFont typeface="Arial" panose="020B0604020202020204" pitchFamily="34" charset="0"/>
+              <a:buChar char="•"/>
+            </a:pPr>
+            <a:r>
+              <a:rPr lang="en-GB" sz="2000" dirty="0">
+                <a:solidFill>
+                  <a:srgbClr val="0070C0"/>
+                </a:solidFill>
+              </a:rPr>
+              <a:t>[Scientific Data - Nature] - (https://www.nature.com/sdata/policies/repositories)</a:t>
+            </a:r>
+          </a:p>
+          <a:p>
+            <a:pPr marL="285750" indent="-285750">
+              <a:buFont typeface="Arial" panose="020B0604020202020204" pitchFamily="34" charset="0"/>
+              <a:buChar char="•"/>
+            </a:pPr>
+            <a:r>
+              <a:rPr lang="en-GB" sz="2000" dirty="0">
+                <a:solidFill>
+                  <a:srgbClr val="0070C0"/>
+                </a:solidFill>
+              </a:rPr>
+              <a:t>[Taylor and Francis] - (https://authorservices.taylorandfrancis.com/data-sharing-policies/repositories/)</a:t>
+            </a:r>
+          </a:p>
+          <a:p>
+            <a:pPr marL="285750" indent="-285750">
+              <a:buFont typeface="Arial" panose="020B0604020202020204" pitchFamily="34" charset="0"/>
+              <a:buChar char="•"/>
+            </a:pPr>
+            <a:r>
+              <a:rPr lang="en-GB" sz="2000" dirty="0">
+                <a:solidFill>
+                  <a:srgbClr val="0070C0"/>
+                </a:solidFill>
+              </a:rPr>
+              <a:t>[BBSRC] - (https://bbsrc.ukri.org/research/resources/)</a:t>
+            </a:r>
+          </a:p>
+          <a:p>
+            <a:pPr marL="285750" indent="-285750">
+              <a:buFont typeface="Arial" panose="020B0604020202020204" pitchFamily="34" charset="0"/>
+              <a:buChar char="•"/>
+            </a:pPr>
+            <a:r>
+              <a:rPr lang="en-GB" sz="2000" dirty="0">
+                <a:solidFill>
+                  <a:srgbClr val="0070C0"/>
+                </a:solidFill>
+              </a:rPr>
+              <a:t>[NERC] - (https://nerc.ukri.org/research/sites/environmental-data-service-eds/policy/)</a:t>
+            </a:r>
+          </a:p>
+          <a:p>
+            <a:pPr marL="285750" indent="-285750">
+              <a:buFont typeface="Arial" panose="020B0604020202020204" pitchFamily="34" charset="0"/>
+              <a:buChar char="•"/>
+            </a:pPr>
+            <a:r>
+              <a:rPr lang="en-GB" sz="2000" dirty="0">
+                <a:solidFill>
+                  <a:srgbClr val="0070C0"/>
+                </a:solidFill>
+              </a:rPr>
+              <a:t>[Royal Society] - (https://royalsociety.org/journals/ethics-policies/data-sharing-mining/)</a:t>
+            </a:r>
+          </a:p>
+          <a:p>
+            <a:pPr marL="285750" indent="-285750">
+              <a:buFont typeface="Arial" panose="020B0604020202020204" pitchFamily="34" charset="0"/>
+              <a:buChar char="•"/>
+            </a:pPr>
+            <a:r>
+              <a:rPr lang="en-GB" sz="2000" dirty="0">
+                <a:solidFill>
+                  <a:srgbClr val="0070C0"/>
+                </a:solidFill>
+              </a:rPr>
+              <a:t>[</a:t>
+            </a:r>
+            <a:r>
+              <a:rPr lang="en-GB" sz="2000" dirty="0" err="1">
+                <a:solidFill>
+                  <a:srgbClr val="0070C0"/>
+                </a:solidFill>
+              </a:rPr>
+              <a:t>Wellcome</a:t>
+            </a:r>
+            <a:r>
+              <a:rPr lang="en-GB" sz="2000" dirty="0">
+                <a:solidFill>
+                  <a:srgbClr val="0070C0"/>
+                </a:solidFill>
+              </a:rPr>
+              <a:t> Open Research] - (https://wellcomeopenresearch.org/for-authors/data-guidelines) </a:t>
+            </a:r>
           </a:p>
         </p:txBody>
       </p:sp>
@@ -6657,6 +6320,38 @@
               </a:rPr>
               <a:t>repositories</a:t>
             </a:r>
+            <a:r>
+              <a:rPr lang="pl-PL" dirty="0">
+                <a:solidFill>
+                  <a:srgbClr val="0070C0"/>
+                </a:solidFill>
+              </a:rPr>
+              <a:t> – </a:t>
+            </a:r>
+            <a:r>
+              <a:rPr lang="pl-PL" dirty="0" err="1">
+                <a:solidFill>
+                  <a:srgbClr val="0070C0"/>
+                </a:solidFill>
+              </a:rPr>
+              <a:t>use</a:t>
+            </a:r>
+            <a:r>
+              <a:rPr lang="pl-PL" dirty="0">
+                <a:solidFill>
+                  <a:srgbClr val="0070C0"/>
+                </a:solidFill>
+              </a:rPr>
+              <a:t> </a:t>
+            </a:r>
+            <a:r>
+              <a:rPr lang="pl-PL" dirty="0" err="1">
+                <a:solidFill>
+                  <a:srgbClr val="0070C0"/>
+                </a:solidFill>
+              </a:rPr>
+              <a:t>recommendations</a:t>
+            </a:r>
             <a:endParaRPr lang="en-GB" dirty="0">
               <a:solidFill>
                 <a:srgbClr val="0070C0"/>
@@ -6668,7 +6363,7 @@
     </p:spTree>
     <p:extLst>
       <p:ext uri="{BB962C8B-B14F-4D97-AF65-F5344CB8AC3E}">
-        <p14:creationId xmlns:p14="http://schemas.microsoft.com/office/powerpoint/2010/main" val="1889911849"/>
+        <p14:creationId xmlns:p14="http://schemas.microsoft.com/office/powerpoint/2010/main" val="2392727602"/>
       </p:ext>
     </p:extLst>
   </p:cSld>
@@ -6752,13 +6447,6 @@
   <p:clrMapOvr>
     <a:masterClrMapping/>
   </p:clrMapOvr>
-  <p:timing>
-    <p:tnLst>
-      <p:par>
-        <p:cTn id="1" dur="indefinite" restart="never" nodeType="tmRoot"/>
-      </p:par>
-    </p:tnLst>
-  </p:timing>
 </p:sld>
 </file>
 
@@ -6813,34 +6501,38 @@
               </a:rPr>
               <a:t>Finding repository</a:t>
             </a:r>
-            <a:endParaRPr lang="en-GB" dirty="0">
-              <a:solidFill>
-                <a:srgbClr val="0070C0"/>
-              </a:solidFill>
-            </a:endParaRPr>
-          </a:p>
-        </p:txBody>
-      </p:sp>
-      <p:sp>
-        <p:nvSpPr>
-          <p:cNvPr id="6" name="Rectangle 5">
-            <a:extLst>
-              <a:ext uri="{FF2B5EF4-FFF2-40B4-BE49-F238E27FC236}">
-                <a16:creationId xmlns:a16="http://schemas.microsoft.com/office/drawing/2014/main" id="{22F34A1D-F400-3A41-84C5-6FDD05616677}"/>
-              </a:ext>
-            </a:extLst>
-          </p:cNvPr>
-          <p:cNvSpPr/>
+            <a:r>
+              <a:rPr lang="en-GB" dirty="0">
+                <a:solidFill>
+                  <a:srgbClr val="0070C0"/>
+                </a:solidFill>
+              </a:rPr>
+              <a:t> - Solution</a:t>
+            </a:r>
+          </a:p>
+        </p:txBody>
+      </p:sp>
+      <p:sp>
+        <p:nvSpPr>
+          <p:cNvPr id="7" name="TextBox 6">
+            <a:extLst>
+              <a:ext uri="{FF2B5EF4-FFF2-40B4-BE49-F238E27FC236}">
+                <a16:creationId xmlns:a16="http://schemas.microsoft.com/office/drawing/2014/main" id="{20AB0459-2566-4B4F-B318-FA9C6A08F0E4}"/>
+              </a:ext>
+            </a:extLst>
+          </p:cNvPr>
+          <p:cNvSpPr txBox="1"/>
           <p:nvPr/>
         </p:nvSpPr>
         <p:spPr>
           <a:xfrm>
-            <a:off x="693616" y="2951946"/>
-            <a:ext cx="10981854" cy="1323439"/>
+            <a:off x="1831311" y="2021691"/>
+            <a:ext cx="7754815" cy="1429622"/>
           </a:xfrm>
           <a:prstGeom prst="rect">
             <a:avLst/>
           </a:prstGeom>
+          <a:noFill/>
         </p:spPr>
         <p:txBody>
           <a:bodyPr wrap="square">
@@ -6848,46 +6540,65 @@
           </a:bodyPr>
           <a:lstStyle/>
           <a:p>
-            <a:pPr algn="ctr"/>
-            <a:r>
-              <a:rPr lang="pl-PL" sz="4000" dirty="0">
-                <a:solidFill>
-                  <a:srgbClr val="0070C0"/>
-                </a:solidFill>
-              </a:rPr>
-              <a:t>Exercise</a:t>
-            </a:r>
-            <a:r>
-              <a:rPr lang="en-GB" sz="4000" dirty="0">
-                <a:solidFill>
-                  <a:srgbClr val="0070C0"/>
-                </a:solidFill>
-              </a:rPr>
-              <a:t> 4</a:t>
-            </a:r>
-            <a:endParaRPr lang="pl-PL" sz="4000" dirty="0">
-              <a:solidFill>
-                <a:srgbClr val="0070C0"/>
-              </a:solidFill>
-            </a:endParaRPr>
-          </a:p>
-          <a:p>
-            <a:pPr marL="285750" indent="-285750" algn="ctr">
-              <a:buFont typeface="Arial" panose="020B0604020202020204" pitchFamily="34" charset="0"/>
-              <a:buChar char="•"/>
+            <a:pPr>
+              <a:lnSpc>
+                <a:spcPct val="150000"/>
+              </a:lnSpc>
             </a:pPr>
-            <a:endParaRPr lang="en-GB" sz="4000" dirty="0">
-              <a:solidFill>
-                <a:srgbClr val="0070C0"/>
-              </a:solidFill>
-            </a:endParaRPr>
+            <a:r>
+              <a:rPr lang="en-GB" sz="2000" b="1" i="0" dirty="0">
+                <a:solidFill>
+                  <a:srgbClr val="333333"/>
+                </a:solidFill>
+                <a:effectLst/>
+                <a:latin typeface="Ubuntu"/>
+              </a:rPr>
+              <a:t>Find a repo for genomics data:</a:t>
+            </a:r>
+          </a:p>
+          <a:p>
+            <a:pPr>
+              <a:lnSpc>
+                <a:spcPct val="150000"/>
+              </a:lnSpc>
+            </a:pPr>
+            <a:r>
+              <a:rPr lang="en-GB" sz="2000" b="0" i="0" dirty="0">
+                <a:solidFill>
+                  <a:srgbClr val="333333"/>
+                </a:solidFill>
+                <a:effectLst/>
+                <a:latin typeface="Ubuntu"/>
+              </a:rPr>
+              <a:t>GEO/SRA and ENA/</a:t>
+            </a:r>
+            <a:r>
+              <a:rPr lang="en-GB" sz="2000" b="0" i="0" dirty="0" err="1">
+                <a:solidFill>
+                  <a:srgbClr val="333333"/>
+                </a:solidFill>
+                <a:effectLst/>
+                <a:latin typeface="Ubuntu"/>
+              </a:rPr>
+              <a:t>ArrayExpress</a:t>
+            </a:r>
+            <a:r>
+              <a:rPr lang="en-GB" sz="2000" b="0" i="0" dirty="0">
+                <a:solidFill>
+                  <a:srgbClr val="333333"/>
+                </a:solidFill>
+                <a:effectLst/>
+                <a:latin typeface="Ubuntu"/>
+              </a:rPr>
+              <a:t> are good examples. Interestingly these repositories do not issue a DOI.</a:t>
+            </a:r>
           </a:p>
         </p:txBody>
       </p:sp>
     </p:spTree>
     <p:extLst>
       <p:ext uri="{BB962C8B-B14F-4D97-AF65-F5344CB8AC3E}">
-        <p14:creationId xmlns:p14="http://schemas.microsoft.com/office/powerpoint/2010/main" val="213822311"/>
+        <p14:creationId xmlns:p14="http://schemas.microsoft.com/office/powerpoint/2010/main" val="489845771"/>
       </p:ext>
     </p:extLst>
   </p:cSld>
@@ -6916,6 +6627,154 @@
       </p:grpSpPr>
       <p:sp>
         <p:nvSpPr>
+          <p:cNvPr id="2" name="Rectangle 1"/>
+          <p:cNvSpPr/>
+          <p:nvPr/>
+        </p:nvSpPr>
+        <p:spPr>
+          <a:xfrm>
+            <a:off x="742384" y="2064189"/>
+            <a:ext cx="10981854" cy="3785652"/>
+          </a:xfrm>
+          <a:prstGeom prst="rect">
+            <a:avLst/>
+          </a:prstGeom>
+        </p:spPr>
+        <p:txBody>
+          <a:bodyPr wrap="square">
+            <a:spAutoFit/>
+          </a:bodyPr>
+          <a:lstStyle/>
+          <a:p>
+            <a:r>
+              <a:rPr lang="en-GB" sz="2400" dirty="0">
+                <a:solidFill>
+                  <a:srgbClr val="0070C0"/>
+                </a:solidFill>
+              </a:rPr>
+              <a:t>-</a:t>
+            </a:r>
+            <a:r>
+              <a:rPr lang="pl-PL" sz="2400" dirty="0">
+                <a:solidFill>
+                  <a:srgbClr val="0070C0"/>
+                </a:solidFill>
+              </a:rPr>
+              <a:t>FAIRSharing.org – search engine</a:t>
+            </a:r>
+          </a:p>
+          <a:p>
+            <a:endParaRPr lang="pl-PL" sz="2400" dirty="0">
+              <a:solidFill>
+                <a:srgbClr val="0070C0"/>
+              </a:solidFill>
+            </a:endParaRPr>
+          </a:p>
+          <a:p>
+            <a:pPr marL="342900" indent="-342900">
+              <a:buFont typeface="Arial" panose="020B0604020202020204" pitchFamily="34" charset="0"/>
+              <a:buChar char="•"/>
+            </a:pPr>
+            <a:r>
+              <a:rPr lang="pl-PL" sz="2400" dirty="0">
+                <a:solidFill>
+                  <a:srgbClr val="0070C0"/>
+                </a:solidFill>
+              </a:rPr>
+              <a:t>Repositories</a:t>
+            </a:r>
+          </a:p>
+          <a:p>
+            <a:pPr marL="342900" indent="-342900">
+              <a:buFont typeface="Arial" panose="020B0604020202020204" pitchFamily="34" charset="0"/>
+              <a:buChar char="•"/>
+            </a:pPr>
+            <a:r>
+              <a:rPr lang="pl-PL" sz="2400" dirty="0">
+                <a:solidFill>
+                  <a:srgbClr val="0070C0"/>
+                </a:solidFill>
+              </a:rPr>
+              <a:t>Data standards</a:t>
+            </a:r>
+          </a:p>
+          <a:p>
+            <a:pPr marL="342900" indent="-342900">
+              <a:buFont typeface="Arial" panose="020B0604020202020204" pitchFamily="34" charset="0"/>
+              <a:buChar char="•"/>
+            </a:pPr>
+            <a:r>
+              <a:rPr lang="pl-PL" sz="2400" dirty="0">
+                <a:solidFill>
+                  <a:srgbClr val="0070C0"/>
+                </a:solidFill>
+              </a:rPr>
+              <a:t>Policies</a:t>
+            </a:r>
+          </a:p>
+          <a:p>
+            <a:pPr marL="285750" indent="-285750">
+              <a:buFontTx/>
+              <a:buChar char="-"/>
+            </a:pPr>
+            <a:endParaRPr lang="pl-PL" sz="2400" dirty="0">
+              <a:solidFill>
+                <a:srgbClr val="0070C0"/>
+              </a:solidFill>
+            </a:endParaRPr>
+          </a:p>
+          <a:p>
+            <a:r>
+              <a:rPr lang="pl-PL" sz="2400" dirty="0">
+                <a:solidFill>
+                  <a:srgbClr val="0070C0"/>
+                </a:solidFill>
+              </a:rPr>
+              <a:t>(too) many options for each type</a:t>
+            </a:r>
+            <a:endParaRPr lang="en-GB" sz="2400" dirty="0">
+              <a:solidFill>
+                <a:srgbClr val="0070C0"/>
+              </a:solidFill>
+            </a:endParaRPr>
+          </a:p>
+          <a:p>
+            <a:endParaRPr lang="en-GB" sz="2400" dirty="0">
+              <a:solidFill>
+                <a:srgbClr val="0070C0"/>
+              </a:solidFill>
+            </a:endParaRPr>
+          </a:p>
+          <a:p>
+            <a:r>
+              <a:rPr lang="en-GB" sz="2400" dirty="0">
+                <a:solidFill>
+                  <a:srgbClr val="0070C0"/>
+                </a:solidFill>
+              </a:rPr>
+              <a:t>-Inventory of identified trusted repositories (ERCEA)</a:t>
+            </a:r>
+          </a:p>
+          <a:p>
+            <a:r>
+              <a:rPr lang="en-GB" sz="2400" dirty="0">
+                <a:solidFill>
+                  <a:srgbClr val="0070C0"/>
+                </a:solidFill>
+                <a:hlinkClick r:id="rId2"/>
+              </a:rPr>
+              <a:t>https://zenodo.org/record/7728016#.ZCWRkXbMKUm</a:t>
+            </a:r>
+            <a:endParaRPr lang="en-GB" sz="2400" dirty="0">
+              <a:solidFill>
+                <a:srgbClr val="0070C0"/>
+              </a:solidFill>
+            </a:endParaRPr>
+          </a:p>
+        </p:txBody>
+      </p:sp>
+      <p:sp>
+        <p:nvSpPr>
           <p:cNvPr id="5" name="Title 1">
             <a:extLst>
               <a:ext uri="{FF2B5EF4-FFF2-40B4-BE49-F238E27FC236}">
@@ -6941,111 +6800,41 @@
           <a:lstStyle/>
           <a:p>
             <a:r>
+              <a:rPr lang="pl-PL" dirty="0" err="1">
+                <a:solidFill>
+                  <a:srgbClr val="0070C0"/>
+                </a:solidFill>
+              </a:rPr>
+              <a:t>Finding</a:t>
+            </a:r>
+            <a:r>
               <a:rPr lang="pl-PL" dirty="0">
                 <a:solidFill>
                   <a:srgbClr val="0070C0"/>
                 </a:solidFill>
               </a:rPr>
-              <a:t>Finding repository</a:t>
-            </a:r>
-            <a:r>
-              <a:rPr lang="en-GB" dirty="0">
-                <a:solidFill>
-                  <a:srgbClr val="0070C0"/>
-                </a:solidFill>
-              </a:rPr>
-              <a:t> - Solution</a:t>
-            </a:r>
-          </a:p>
-        </p:txBody>
-      </p:sp>
-      <p:sp>
-        <p:nvSpPr>
-          <p:cNvPr id="7" name="TextBox 6">
-            <a:extLst>
-              <a:ext uri="{FF2B5EF4-FFF2-40B4-BE49-F238E27FC236}">
-                <a16:creationId xmlns:a16="http://schemas.microsoft.com/office/drawing/2014/main" id="{20AB0459-2566-4B4F-B318-FA9C6A08F0E4}"/>
-              </a:ext>
-            </a:extLst>
-          </p:cNvPr>
-          <p:cNvSpPr txBox="1"/>
-          <p:nvPr/>
-        </p:nvSpPr>
-        <p:spPr>
-          <a:xfrm>
-            <a:off x="1831311" y="2021691"/>
-            <a:ext cx="7754815" cy="1429622"/>
-          </a:xfrm>
-          <a:prstGeom prst="rect">
-            <a:avLst/>
-          </a:prstGeom>
-          <a:noFill/>
-        </p:spPr>
-        <p:txBody>
-          <a:bodyPr wrap="square">
-            <a:spAutoFit/>
-          </a:bodyPr>
-          <a:lstStyle/>
-          <a:p>
-            <a:pPr>
-              <a:lnSpc>
-                <a:spcPct val="150000"/>
-              </a:lnSpc>
-            </a:pPr>
-            <a:r>
-              <a:rPr lang="en-GB" sz="2000" b="1" i="0" dirty="0">
-                <a:solidFill>
-                  <a:srgbClr val="333333"/>
-                </a:solidFill>
-                <a:effectLst/>
-                <a:latin typeface="Ubuntu"/>
-              </a:rPr>
-              <a:t>Find a repo for genomics data:</a:t>
-            </a:r>
-          </a:p>
-          <a:p>
-            <a:pPr>
-              <a:lnSpc>
-                <a:spcPct val="150000"/>
-              </a:lnSpc>
-            </a:pPr>
-            <a:r>
-              <a:rPr lang="en-GB" sz="2000" b="0" i="0" dirty="0">
-                <a:solidFill>
-                  <a:srgbClr val="333333"/>
-                </a:solidFill>
-                <a:effectLst/>
-                <a:latin typeface="Ubuntu"/>
-              </a:rPr>
-              <a:t>GEO/SRA and ENA/</a:t>
-            </a:r>
-            <a:r>
-              <a:rPr lang="en-GB" sz="2000" b="0" i="0" dirty="0" err="1">
-                <a:solidFill>
-                  <a:srgbClr val="333333"/>
-                </a:solidFill>
-                <a:effectLst/>
-                <a:latin typeface="Ubuntu"/>
-              </a:rPr>
-              <a:t>ArrayExpress</a:t>
-            </a:r>
-            <a:r>
-              <a:rPr lang="en-GB" sz="2000" b="0" i="0" dirty="0">
-                <a:solidFill>
-                  <a:srgbClr val="333333"/>
-                </a:solidFill>
-                <a:effectLst/>
-                <a:latin typeface="Ubuntu"/>
-              </a:rPr>
-              <a:t> are good examples. Interestingly these repositories do not issue a DOI.</a:t>
-            </a:r>
+              <a:t> </a:t>
+            </a:r>
+            <a:r>
+              <a:rPr lang="pl-PL" dirty="0" err="1">
+                <a:solidFill>
+                  <a:srgbClr val="0070C0"/>
+                </a:solidFill>
+              </a:rPr>
+              <a:t>repositories</a:t>
+            </a:r>
+            <a:endParaRPr lang="en-GB" dirty="0">
+              <a:solidFill>
+                <a:srgbClr val="0070C0"/>
+              </a:solidFill>
+            </a:endParaRPr>
           </a:p>
         </p:txBody>
       </p:sp>
     </p:spTree>
     <p:extLst>
       <p:ext uri="{BB962C8B-B14F-4D97-AF65-F5344CB8AC3E}">
-        <p14:creationId xmlns:p14="http://schemas.microsoft.com/office/powerpoint/2010/main" val="489845771"/>
+        <p14:creationId xmlns:p14="http://schemas.microsoft.com/office/powerpoint/2010/main" val="1889911849"/>
       </p:ext>
     </p:extLst>
   </p:cSld>
@@ -7074,520 +6863,6 @@
       </p:grpSpPr>
       <p:sp>
         <p:nvSpPr>
-          <p:cNvPr id="2" name="Rectangle 1"/>
-          <p:cNvSpPr/>
-          <p:nvPr/>
-        </p:nvSpPr>
-        <p:spPr>
-          <a:xfrm>
-            <a:off x="742384" y="1451031"/>
-            <a:ext cx="10981854" cy="5016758"/>
-          </a:xfrm>
-          <a:prstGeom prst="rect">
-            <a:avLst/>
-          </a:prstGeom>
-        </p:spPr>
-        <p:txBody>
-          <a:bodyPr wrap="square">
-            <a:spAutoFit/>
-          </a:bodyPr>
-          <a:lstStyle/>
-          <a:p>
-            <a:r>
-              <a:rPr lang="pl-PL" sz="2000" b="1" dirty="0">
-                <a:solidFill>
-                  <a:srgbClr val="0070C0"/>
-                </a:solidFill>
-              </a:rPr>
-              <a:t>1. </a:t>
-            </a:r>
-            <a:r>
-              <a:rPr lang="pl-PL" sz="2000" b="1" dirty="0" err="1">
-                <a:solidFill>
-                  <a:srgbClr val="0070C0"/>
-                </a:solidFill>
-              </a:rPr>
-              <a:t>Who</a:t>
-            </a:r>
-            <a:r>
-              <a:rPr lang="pl-PL" sz="2000" b="1" dirty="0">
-                <a:solidFill>
-                  <a:srgbClr val="0070C0"/>
-                </a:solidFill>
-              </a:rPr>
-              <a:t> is behind it? What is its funding?</a:t>
-            </a:r>
-          </a:p>
-          <a:p>
-            <a:endParaRPr lang="pl-PL" sz="2000" dirty="0">
-              <a:solidFill>
-                <a:srgbClr val="0070C0"/>
-              </a:solidFill>
-            </a:endParaRPr>
-          </a:p>
-          <a:p>
-            <a:r>
-              <a:rPr lang="pl-PL" sz="2000" b="1" dirty="0">
-                <a:solidFill>
-                  <a:srgbClr val="0070C0"/>
-                </a:solidFill>
-              </a:rPr>
-              <a:t>2. Q</a:t>
-            </a:r>
-            <a:r>
-              <a:rPr lang="en-GB" sz="2000" b="1" dirty="0" err="1">
-                <a:solidFill>
-                  <a:srgbClr val="0070C0"/>
-                </a:solidFill>
-              </a:rPr>
-              <a:t>uality</a:t>
-            </a:r>
-            <a:r>
-              <a:rPr lang="en-GB" sz="2000" b="1" dirty="0">
-                <a:solidFill>
-                  <a:srgbClr val="0070C0"/>
-                </a:solidFill>
-              </a:rPr>
-              <a:t> of interaction</a:t>
-            </a:r>
-            <a:r>
-              <a:rPr lang="pl-PL" sz="2000" b="1" dirty="0">
-                <a:solidFill>
-                  <a:srgbClr val="0070C0"/>
-                </a:solidFill>
-              </a:rPr>
-              <a:t>/interface</a:t>
-            </a:r>
-            <a:r>
-              <a:rPr lang="en-GB" sz="2000" b="1" dirty="0">
-                <a:solidFill>
-                  <a:srgbClr val="0070C0"/>
-                </a:solidFill>
-              </a:rPr>
-              <a:t>: </a:t>
-            </a:r>
-            <a:r>
-              <a:rPr lang="pl-PL" sz="2000" dirty="0">
-                <a:solidFill>
-                  <a:srgbClr val="0070C0"/>
-                </a:solidFill>
-              </a:rPr>
-              <a:t/>
-            </a:r>
-            <a:br>
-              <a:rPr lang="pl-PL" sz="2000" dirty="0">
-                <a:solidFill>
-                  <a:srgbClr val="0070C0"/>
-                </a:solidFill>
-              </a:rPr>
-            </a:br>
-            <a:r>
-              <a:rPr lang="pl-PL" sz="2000" dirty="0">
-                <a:solidFill>
-                  <a:srgbClr val="0070C0"/>
-                </a:solidFill>
-              </a:rPr>
-              <a:t>	</a:t>
-            </a:r>
-            <a:r>
-              <a:rPr lang="en-GB" sz="2000" dirty="0">
-                <a:solidFill>
-                  <a:srgbClr val="0070C0"/>
-                </a:solidFill>
-              </a:rPr>
-              <a:t>is the interaction for purposes of data deposit or reuse efficient, </a:t>
-            </a:r>
-          </a:p>
-          <a:p>
-            <a:r>
-              <a:rPr lang="en-GB" sz="2000" dirty="0">
-                <a:solidFill>
-                  <a:srgbClr val="0070C0"/>
-                </a:solidFill>
-              </a:rPr>
-              <a:t>	effective and satisfactory for you?</a:t>
-            </a:r>
-          </a:p>
-          <a:p>
-            <a:endParaRPr lang="pl-PL" sz="2000" dirty="0">
-              <a:solidFill>
-                <a:srgbClr val="0070C0"/>
-              </a:solidFill>
-            </a:endParaRPr>
-          </a:p>
-          <a:p>
-            <a:r>
-              <a:rPr lang="pl-PL" sz="2000" b="1" dirty="0">
-                <a:solidFill>
-                  <a:srgbClr val="0070C0"/>
-                </a:solidFill>
-              </a:rPr>
-              <a:t>3. T</a:t>
-            </a:r>
-            <a:r>
-              <a:rPr lang="en-GB" sz="2000" b="1" dirty="0" err="1">
-                <a:solidFill>
-                  <a:srgbClr val="0070C0"/>
-                </a:solidFill>
-              </a:rPr>
-              <a:t>ake</a:t>
-            </a:r>
-            <a:r>
-              <a:rPr lang="en-GB" sz="2000" b="1" dirty="0">
-                <a:solidFill>
-                  <a:srgbClr val="0070C0"/>
-                </a:solidFill>
-              </a:rPr>
-              <a:t>-up and impact: </a:t>
-            </a:r>
-            <a:endParaRPr lang="pl-PL" sz="2000" b="1" dirty="0">
-              <a:solidFill>
-                <a:srgbClr val="0070C0"/>
-              </a:solidFill>
-            </a:endParaRPr>
-          </a:p>
-          <a:p>
-            <a:r>
-              <a:rPr lang="pl-PL" sz="2000" dirty="0">
-                <a:solidFill>
-                  <a:srgbClr val="0070C0"/>
-                </a:solidFill>
-              </a:rPr>
-              <a:t>	</a:t>
-            </a:r>
-            <a:r>
-              <a:rPr lang="en-GB" sz="2000" dirty="0">
-                <a:solidFill>
-                  <a:srgbClr val="0070C0"/>
-                </a:solidFill>
-              </a:rPr>
-              <a:t>what can I put in it? </a:t>
-            </a:r>
-            <a:r>
-              <a:rPr lang="pl-PL" sz="2000" dirty="0">
-                <a:solidFill>
-                  <a:srgbClr val="0070C0"/>
-                </a:solidFill>
-              </a:rPr>
-              <a:t/>
-            </a:r>
-            <a:br>
-              <a:rPr lang="pl-PL" sz="2000" dirty="0">
-                <a:solidFill>
-                  <a:srgbClr val="0070C0"/>
-                </a:solidFill>
-              </a:rPr>
-            </a:br>
-            <a:r>
-              <a:rPr lang="pl-PL" sz="2000" dirty="0">
-                <a:solidFill>
-                  <a:srgbClr val="0070C0"/>
-                </a:solidFill>
-              </a:rPr>
-              <a:t>	i</a:t>
-            </a:r>
-            <a:r>
-              <a:rPr lang="en-GB" sz="2000" dirty="0">
-                <a:solidFill>
-                  <a:srgbClr val="0070C0"/>
-                </a:solidFill>
-              </a:rPr>
-              <a:t>s anyone else using it? </a:t>
-            </a:r>
-            <a:r>
-              <a:rPr lang="pl-PL" sz="2000" dirty="0">
-                <a:solidFill>
-                  <a:srgbClr val="0070C0"/>
-                </a:solidFill>
-              </a:rPr>
-              <a:t/>
-            </a:r>
-            <a:br>
-              <a:rPr lang="pl-PL" sz="2000" dirty="0">
-                <a:solidFill>
-                  <a:srgbClr val="0070C0"/>
-                </a:solidFill>
-              </a:rPr>
-            </a:br>
-            <a:r>
-              <a:rPr lang="pl-PL" sz="2000" dirty="0">
-                <a:solidFill>
-                  <a:srgbClr val="0070C0"/>
-                </a:solidFill>
-              </a:rPr>
-              <a:t>	w</a:t>
-            </a:r>
-            <a:r>
-              <a:rPr lang="en-GB" sz="2000" dirty="0">
-                <a:solidFill>
-                  <a:srgbClr val="0070C0"/>
-                </a:solidFill>
-              </a:rPr>
-              <a:t>ill others be able to find stuff deposited in it?</a:t>
-            </a:r>
-            <a:r>
-              <a:rPr lang="pl-PL" sz="2000" dirty="0">
-                <a:solidFill>
-                  <a:srgbClr val="0070C0"/>
-                </a:solidFill>
-              </a:rPr>
-              <a:t/>
-            </a:r>
-            <a:br>
-              <a:rPr lang="pl-PL" sz="2000" dirty="0">
-                <a:solidFill>
-                  <a:srgbClr val="0070C0"/>
-                </a:solidFill>
-              </a:rPr>
-            </a:br>
-            <a:r>
-              <a:rPr lang="pl-PL" sz="2000" dirty="0">
-                <a:solidFill>
-                  <a:srgbClr val="0070C0"/>
-                </a:solidFill>
-              </a:rPr>
-              <a:t>	is</a:t>
-            </a:r>
-            <a:r>
-              <a:rPr lang="en-GB" sz="2000" dirty="0">
-                <a:solidFill>
-                  <a:srgbClr val="0070C0"/>
-                </a:solidFill>
-              </a:rPr>
-              <a:t> the repository linked to other data repositories</a:t>
-            </a:r>
-            <a:r>
-              <a:rPr lang="pl-PL" sz="2000" dirty="0">
-                <a:solidFill>
-                  <a:srgbClr val="0070C0"/>
-                </a:solidFill>
-              </a:rPr>
-              <a:t>?</a:t>
-            </a:r>
-            <a:br>
-              <a:rPr lang="pl-PL" sz="2000" dirty="0">
-                <a:solidFill>
-                  <a:srgbClr val="0070C0"/>
-                </a:solidFill>
-              </a:rPr>
-            </a:br>
-            <a:r>
-              <a:rPr lang="pl-PL" sz="2000" dirty="0">
-                <a:solidFill>
-                  <a:srgbClr val="0070C0"/>
-                </a:solidFill>
-              </a:rPr>
-              <a:t>	c</a:t>
-            </a:r>
-            <a:r>
-              <a:rPr lang="en-GB" sz="2000" dirty="0">
-                <a:solidFill>
-                  <a:srgbClr val="0070C0"/>
-                </a:solidFill>
-              </a:rPr>
-              <a:t>an others cite the data?</a:t>
-            </a:r>
-            <a:endParaRPr lang="pl-PL" sz="2000" dirty="0">
-              <a:solidFill>
-                <a:srgbClr val="0070C0"/>
-              </a:solidFill>
-            </a:endParaRPr>
-          </a:p>
-          <a:p>
-            <a:endParaRPr lang="en-GB" sz="2000" dirty="0">
-              <a:solidFill>
-                <a:srgbClr val="0070C0"/>
-              </a:solidFill>
-            </a:endParaRPr>
-          </a:p>
-          <a:p>
-            <a:r>
-              <a:rPr lang="pl-PL" sz="2000" b="1" dirty="0">
-                <a:solidFill>
-                  <a:srgbClr val="0070C0"/>
-                </a:solidFill>
-              </a:rPr>
-              <a:t>4. P</a:t>
-            </a:r>
-            <a:r>
-              <a:rPr lang="en-GB" sz="2000" b="1" dirty="0" err="1">
-                <a:solidFill>
-                  <a:srgbClr val="0070C0"/>
-                </a:solidFill>
-              </a:rPr>
-              <a:t>olicy</a:t>
-            </a:r>
-            <a:r>
-              <a:rPr lang="en-GB" sz="2000" b="1" dirty="0">
-                <a:solidFill>
-                  <a:srgbClr val="0070C0"/>
-                </a:solidFill>
-              </a:rPr>
-              <a:t> and process: </a:t>
-            </a:r>
-            <a:r>
-              <a:rPr lang="pl-PL" sz="2000" dirty="0">
-                <a:solidFill>
-                  <a:srgbClr val="0070C0"/>
-                </a:solidFill>
-              </a:rPr>
-              <a:t/>
-            </a:r>
-            <a:br>
-              <a:rPr lang="pl-PL" sz="2000" dirty="0">
-                <a:solidFill>
-                  <a:srgbClr val="0070C0"/>
-                </a:solidFill>
-              </a:rPr>
-            </a:br>
-            <a:r>
-              <a:rPr lang="pl-PL" sz="2000" dirty="0">
-                <a:solidFill>
-                  <a:srgbClr val="0070C0"/>
-                </a:solidFill>
-              </a:rPr>
-              <a:t>	d</a:t>
-            </a:r>
-            <a:r>
-              <a:rPr lang="en-GB" sz="2000" dirty="0" err="1">
-                <a:solidFill>
-                  <a:srgbClr val="0070C0"/>
-                </a:solidFill>
-              </a:rPr>
-              <a:t>oes</a:t>
-            </a:r>
-            <a:r>
-              <a:rPr lang="en-GB" sz="2000" dirty="0">
-                <a:solidFill>
-                  <a:srgbClr val="0070C0"/>
-                </a:solidFill>
-              </a:rPr>
-              <a:t> it help meet</a:t>
-            </a:r>
-            <a:r>
-              <a:rPr lang="pl-PL" sz="2000" dirty="0">
-                <a:solidFill>
-                  <a:srgbClr val="0070C0"/>
-                </a:solidFill>
-              </a:rPr>
-              <a:t>ing</a:t>
-            </a:r>
-            <a:r>
-              <a:rPr lang="en-GB" sz="2000" dirty="0">
-                <a:solidFill>
-                  <a:srgbClr val="0070C0"/>
-                </a:solidFill>
-              </a:rPr>
-              <a:t> community standards</a:t>
-            </a:r>
-            <a:r>
-              <a:rPr lang="pl-PL" sz="2000" dirty="0">
-                <a:solidFill>
-                  <a:srgbClr val="0070C0"/>
-                </a:solidFill>
-              </a:rPr>
-              <a:t>,</a:t>
-            </a:r>
-            <a:r>
-              <a:rPr lang="en-GB" sz="2000" dirty="0">
-                <a:solidFill>
-                  <a:srgbClr val="0070C0"/>
-                </a:solidFill>
-              </a:rPr>
-              <a:t> good practice</a:t>
-            </a:r>
-            <a:r>
-              <a:rPr lang="pl-PL" sz="2000" dirty="0">
-                <a:solidFill>
-                  <a:srgbClr val="0070C0"/>
-                </a:solidFill>
-              </a:rPr>
-              <a:t>s</a:t>
-            </a:r>
-            <a:r>
-              <a:rPr lang="en-GB" sz="2000" dirty="0">
-                <a:solidFill>
-                  <a:srgbClr val="0070C0"/>
-                </a:solidFill>
-              </a:rPr>
-              <a:t> </a:t>
-            </a:r>
-            <a:r>
-              <a:rPr lang="pl-PL" sz="2000" dirty="0">
-                <a:solidFill>
-                  <a:srgbClr val="0070C0"/>
-                </a:solidFill>
-              </a:rPr>
-              <a:t>and</a:t>
-            </a:r>
-            <a:r>
-              <a:rPr lang="en-GB" sz="2000" dirty="0">
-                <a:solidFill>
-                  <a:srgbClr val="0070C0"/>
-                </a:solidFill>
-              </a:rPr>
-              <a:t> policies</a:t>
-            </a:r>
-            <a:r>
-              <a:rPr lang="pl-PL" sz="2000" dirty="0">
-                <a:solidFill>
-                  <a:srgbClr val="0070C0"/>
-                </a:solidFill>
-              </a:rPr>
-              <a:t>?</a:t>
-            </a:r>
-            <a:br>
-              <a:rPr lang="pl-PL" sz="2000" dirty="0">
-                <a:solidFill>
-                  <a:srgbClr val="0070C0"/>
-                </a:solidFill>
-              </a:rPr>
-            </a:br>
-            <a:r>
-              <a:rPr lang="pl-PL" sz="2000" dirty="0">
-                <a:solidFill>
-                  <a:srgbClr val="0070C0"/>
-                </a:solidFill>
-              </a:rPr>
-              <a:t>	is </a:t>
-            </a:r>
-            <a:r>
-              <a:rPr lang="pl-PL" sz="2000" dirty="0" err="1">
-                <a:solidFill>
-                  <a:srgbClr val="0070C0"/>
-                </a:solidFill>
-              </a:rPr>
-              <a:t>it</a:t>
-            </a:r>
-            <a:r>
-              <a:rPr lang="pl-PL" sz="2000" dirty="0">
-                <a:solidFill>
-                  <a:srgbClr val="0070C0"/>
-                </a:solidFill>
-              </a:rPr>
-              <a:t> </a:t>
-            </a:r>
-            <a:r>
-              <a:rPr lang="pl-PL" sz="2000" dirty="0" err="1">
-                <a:solidFill>
-                  <a:srgbClr val="0070C0"/>
-                </a:solidFill>
-              </a:rPr>
-              <a:t>curated</a:t>
-            </a:r>
-            <a:r>
-              <a:rPr lang="pl-PL" sz="2000" dirty="0">
-                <a:solidFill>
-                  <a:srgbClr val="0070C0"/>
-                </a:solidFill>
-              </a:rPr>
-              <a:t>?</a:t>
-            </a:r>
-          </a:p>
-        </p:txBody>
-      </p:sp>
-      <p:sp>
-        <p:nvSpPr>
           <p:cNvPr id="5" name="Title 1">
             <a:extLst>
               <a:ext uri="{FF2B5EF4-FFF2-40B4-BE49-F238E27FC236}">
@@ -7618,15 +6893,75 @@
                   <a:srgbClr val="0070C0"/>
                 </a:solidFill>
               </a:rPr>
-              <a:t>Evaluating a data repository</a:t>
-            </a:r>
+              <a:t>Find a Repository</a:t>
+            </a:r>
+          </a:p>
+        </p:txBody>
+      </p:sp>
+      <p:sp>
+        <p:nvSpPr>
+          <p:cNvPr id="4" name="Rectangle 3">
+            <a:extLst>
+              <a:ext uri="{FF2B5EF4-FFF2-40B4-BE49-F238E27FC236}">
+                <a16:creationId xmlns:a16="http://schemas.microsoft.com/office/drawing/2014/main" id="{08FEDCDC-2830-4683-8748-8A358CD9A38A}"/>
+              </a:ext>
+            </a:extLst>
+          </p:cNvPr>
+          <p:cNvSpPr/>
+          <p:nvPr/>
+        </p:nvSpPr>
+        <p:spPr>
+          <a:xfrm>
+            <a:off x="605073" y="1977256"/>
+            <a:ext cx="10981854" cy="1938992"/>
+          </a:xfrm>
+          <a:prstGeom prst="rect">
+            <a:avLst/>
+          </a:prstGeom>
+        </p:spPr>
+        <p:txBody>
+          <a:bodyPr wrap="square">
+            <a:spAutoFit/>
+          </a:bodyPr>
+          <a:lstStyle/>
+          <a:p>
+            <a:pPr algn="ctr"/>
+            <a:r>
+              <a:rPr lang="en-GB" sz="4000" dirty="0">
+                <a:hlinkClick r:id="rId2"/>
+              </a:rPr>
+              <a:t>Open Domain-Specific Data Sharing Repositories</a:t>
+            </a:r>
+            <a:endParaRPr lang="en-GB" sz="4000" dirty="0"/>
+          </a:p>
+          <a:p>
+            <a:pPr algn="ctr"/>
+            <a:endParaRPr lang="en-GB" sz="4000" dirty="0">
+              <a:solidFill>
+                <a:srgbClr val="0070C0"/>
+              </a:solidFill>
+            </a:endParaRPr>
+          </a:p>
+          <a:p>
+            <a:pPr algn="ctr"/>
+            <a:r>
+              <a:rPr lang="en-GB" sz="4000" dirty="0">
+                <a:hlinkClick r:id="rId3"/>
+              </a:rPr>
+              <a:t>Generalist Repositories</a:t>
+            </a:r>
+            <a:endParaRPr lang="en-GB" sz="4000" dirty="0">
+              <a:solidFill>
+                <a:srgbClr val="0070C0"/>
+              </a:solidFill>
+            </a:endParaRPr>
           </a:p>
         </p:txBody>
       </p:sp>
     </p:spTree>
     <p:extLst>
       <p:ext uri="{BB962C8B-B14F-4D97-AF65-F5344CB8AC3E}">
-        <p14:creationId xmlns:p14="http://schemas.microsoft.com/office/powerpoint/2010/main" val="2410312540"/>
+        <p14:creationId xmlns:p14="http://schemas.microsoft.com/office/powerpoint/2010/main" val="1389766308"/>
       </p:ext>
     </p:extLst>
   </p:cSld>
@@ -7661,8 +6996,8 @@
         </p:nvSpPr>
         <p:spPr>
           <a:xfrm>
-            <a:off x="730192" y="1690688"/>
-            <a:ext cx="10981854" cy="4467057"/>
+            <a:off x="742384" y="1451031"/>
+            <a:ext cx="10981854" cy="5016758"/>
           </a:xfrm>
           <a:prstGeom prst="rect">
             <a:avLst/>
@@ -7674,184 +7009,455 @@
           </a:bodyPr>
           <a:lstStyle/>
           <a:p>
-            <a:pPr marL="285750" indent="-285750">
-              <a:lnSpc>
-                <a:spcPct val="150000"/>
-              </a:lnSpc>
-              <a:buFont typeface="Arial" panose="020B0604020202020204" pitchFamily="34" charset="0"/>
-              <a:buChar char="•"/>
-            </a:pPr>
-            <a:r>
-              <a:rPr lang="en-GB" sz="2400" dirty="0">
-                <a:solidFill>
-                  <a:srgbClr val="0070C0"/>
-                </a:solidFill>
-              </a:rPr>
-              <a:t>Find suitable repository(</a:t>
-            </a:r>
-            <a:r>
-              <a:rPr lang="en-GB" sz="2400" dirty="0" err="1">
-                <a:solidFill>
-                  <a:srgbClr val="0070C0"/>
-                </a:solidFill>
-              </a:rPr>
-              <a:t>ies</a:t>
-            </a:r>
-            <a:r>
-              <a:rPr lang="en-GB" sz="2400" dirty="0">
-                <a:solidFill>
-                  <a:srgbClr val="0070C0"/>
-                </a:solidFill>
-              </a:rPr>
-              <a:t>) as soon as you get your data</a:t>
-            </a:r>
-          </a:p>
-          <a:p>
-            <a:pPr marL="285750" indent="-285750">
-              <a:lnSpc>
-                <a:spcPct val="150000"/>
-              </a:lnSpc>
-              <a:buFont typeface="Arial" panose="020B0604020202020204" pitchFamily="34" charset="0"/>
-              <a:buChar char="•"/>
-            </a:pPr>
-            <a:r>
-              <a:rPr lang="en-GB" sz="2400" dirty="0">
-                <a:solidFill>
-                  <a:srgbClr val="0070C0"/>
-                </a:solidFill>
-              </a:rPr>
-              <a:t>If repository permits embargo deposit data as soon as you get it (especially if analysed externally)</a:t>
-            </a:r>
-            <a:endParaRPr lang="pl-PL" sz="2400" dirty="0">
+            <a:r>
+              <a:rPr lang="pl-PL" sz="2000" b="1" dirty="0">
+                <a:solidFill>
+                  <a:srgbClr val="0070C0"/>
+                </a:solidFill>
+              </a:rPr>
+              <a:t>1. </a:t>
+            </a:r>
+            <a:r>
+              <a:rPr lang="pl-PL" sz="2000" b="1" dirty="0" err="1">
+                <a:solidFill>
+                  <a:srgbClr val="0070C0"/>
+                </a:solidFill>
+              </a:rPr>
+              <a:t>Who</a:t>
+            </a:r>
+            <a:r>
+              <a:rPr lang="pl-PL" sz="2000" b="1" dirty="0">
+                <a:solidFill>
+                  <a:srgbClr val="0070C0"/>
+                </a:solidFill>
+              </a:rPr>
+              <a:t> is behind it? What is its funding?</a:t>
+            </a:r>
+          </a:p>
+          <a:p>
+            <a:endParaRPr lang="pl-PL" sz="2000" dirty="0">
               <a:solidFill>
                 <a:srgbClr val="0070C0"/>
               </a:solidFill>
             </a:endParaRPr>
           </a:p>
           <a:p>
-            <a:pPr marL="285750" indent="-285750">
-              <a:lnSpc>
-                <a:spcPct val="150000"/>
-              </a:lnSpc>
-              <a:buFont typeface="Arial" panose="020B0604020202020204" pitchFamily="34" charset="0"/>
-              <a:buChar char="•"/>
-            </a:pPr>
-            <a:r>
-              <a:rPr lang="en-GB" sz="2400" dirty="0">
-                <a:solidFill>
-                  <a:srgbClr val="0070C0"/>
-                </a:solidFill>
-              </a:rPr>
-              <a:t>Deposit simultaneously to a very specialized repo and a „main stream” one</a:t>
-            </a:r>
-            <a:r>
-              <a:rPr lang="pl-PL" sz="2400" dirty="0">
-                <a:solidFill>
-                  <a:srgbClr val="0070C0"/>
-                </a:solidFill>
-              </a:rPr>
-              <a:t> (better </a:t>
-            </a:r>
-            <a:r>
-              <a:rPr lang="pl-PL" sz="2400" dirty="0" err="1">
-                <a:solidFill>
-                  <a:srgbClr val="0070C0"/>
-                </a:solidFill>
-              </a:rPr>
-              <a:t>discovery</a:t>
-            </a:r>
-            <a:r>
-              <a:rPr lang="pl-PL" sz="2400" dirty="0">
-                <a:solidFill>
-                  <a:srgbClr val="0070C0"/>
-                </a:solidFill>
-              </a:rPr>
-              <a:t>)</a:t>
-            </a:r>
-          </a:p>
-          <a:p>
-            <a:pPr marL="285750" indent="-285750">
-              <a:lnSpc>
-                <a:spcPct val="150000"/>
-              </a:lnSpc>
-              <a:buFont typeface="Arial" panose="020B0604020202020204" pitchFamily="34" charset="0"/>
-              <a:buChar char="•"/>
-            </a:pPr>
-            <a:r>
-              <a:rPr lang="en-GB" sz="2400" dirty="0">
-                <a:solidFill>
-                  <a:srgbClr val="0070C0"/>
-                </a:solidFill>
-              </a:rPr>
-              <a:t>Cross link your repositories’ records </a:t>
-            </a:r>
-            <a:endParaRPr lang="pl-PL" sz="2400" dirty="0">
+            <a:r>
+              <a:rPr lang="pl-PL" sz="2000" b="1" dirty="0">
+                <a:solidFill>
+                  <a:srgbClr val="0070C0"/>
+                </a:solidFill>
+              </a:rPr>
+              <a:t>2. Q</a:t>
+            </a:r>
+            <a:r>
+              <a:rPr lang="en-GB" sz="2000" b="1" dirty="0" err="1">
+                <a:solidFill>
+                  <a:srgbClr val="0070C0"/>
+                </a:solidFill>
+              </a:rPr>
+              <a:t>uality</a:t>
+            </a:r>
+            <a:r>
+              <a:rPr lang="en-GB" sz="2000" b="1" dirty="0">
+                <a:solidFill>
+                  <a:srgbClr val="0070C0"/>
+                </a:solidFill>
+              </a:rPr>
+              <a:t> of interaction</a:t>
+            </a:r>
+            <a:r>
+              <a:rPr lang="pl-PL" sz="2000" b="1" dirty="0">
+                <a:solidFill>
+                  <a:srgbClr val="0070C0"/>
+                </a:solidFill>
+              </a:rPr>
+              <a:t>/interface</a:t>
+            </a:r>
+            <a:r>
+              <a:rPr lang="en-GB" sz="2000" b="1" dirty="0">
+                <a:solidFill>
+                  <a:srgbClr val="0070C0"/>
+                </a:solidFill>
+              </a:rPr>
+              <a:t>: </a:t>
+            </a:r>
+            <a:br>
+              <a:rPr lang="pl-PL" sz="2000" dirty="0">
+                <a:solidFill>
+                  <a:srgbClr val="0070C0"/>
+                </a:solidFill>
+              </a:rPr>
+            </a:br>
+            <a:r>
+              <a:rPr lang="pl-PL" sz="2000" dirty="0">
+                <a:solidFill>
+                  <a:srgbClr val="0070C0"/>
+                </a:solidFill>
+              </a:rPr>
+              <a:t>	</a:t>
+            </a:r>
+            <a:r>
+              <a:rPr lang="en-GB" sz="2000" dirty="0">
+                <a:solidFill>
+                  <a:srgbClr val="0070C0"/>
+                </a:solidFill>
+              </a:rPr>
+              <a:t>is the interaction for purposes of data deposit or reuse efficient, </a:t>
+            </a:r>
+          </a:p>
+          <a:p>
+            <a:r>
+              <a:rPr lang="en-GB" sz="2000" dirty="0">
+                <a:solidFill>
+                  <a:srgbClr val="0070C0"/>
+                </a:solidFill>
+              </a:rPr>
+              <a:t>	effective and satisfactory for you?</a:t>
+            </a:r>
+          </a:p>
+          <a:p>
+            <a:endParaRPr lang="pl-PL" sz="2000" dirty="0">
               <a:solidFill>
                 <a:srgbClr val="0070C0"/>
               </a:solidFill>
             </a:endParaRPr>
           </a:p>
           <a:p>
-            <a:pPr marL="285750" indent="-285750">
-              <a:lnSpc>
-                <a:spcPct val="150000"/>
-              </a:lnSpc>
-              <a:buFont typeface="Arial" panose="020B0604020202020204" pitchFamily="34" charset="0"/>
-              <a:buChar char="•"/>
-            </a:pPr>
-            <a:r>
-              <a:rPr lang="en-GB" sz="2400" dirty="0">
-                <a:solidFill>
-                  <a:srgbClr val="0070C0"/>
-                </a:solidFill>
-              </a:rPr>
-              <a:t>Add data availability</a:t>
-            </a:r>
-            <a:r>
-              <a:rPr lang="pl-PL" sz="2400" dirty="0">
-                <a:solidFill>
-                  <a:srgbClr val="0070C0"/>
-                </a:solidFill>
-              </a:rPr>
-              <a:t> section to your papers and list all the public </a:t>
-            </a:r>
-            <a:r>
-              <a:rPr lang="pl-PL" sz="2400" dirty="0" err="1">
-                <a:solidFill>
-                  <a:srgbClr val="0070C0"/>
-                </a:solidFill>
-              </a:rPr>
-              <a:t>records</a:t>
-            </a:r>
-            <a:endParaRPr lang="pl-PL" sz="2400" dirty="0">
+            <a:r>
+              <a:rPr lang="pl-PL" sz="2000" b="1" dirty="0">
+                <a:solidFill>
+                  <a:srgbClr val="0070C0"/>
+                </a:solidFill>
+              </a:rPr>
+              <a:t>3. T</a:t>
+            </a:r>
+            <a:r>
+              <a:rPr lang="en-GB" sz="2000" b="1" dirty="0" err="1">
+                <a:solidFill>
+                  <a:srgbClr val="0070C0"/>
+                </a:solidFill>
+              </a:rPr>
+              <a:t>ake</a:t>
+            </a:r>
+            <a:r>
+              <a:rPr lang="en-GB" sz="2000" b="1" dirty="0">
+                <a:solidFill>
+                  <a:srgbClr val="0070C0"/>
+                </a:solidFill>
+              </a:rPr>
+              <a:t>-up and impact: </a:t>
+            </a:r>
+            <a:endParaRPr lang="pl-PL" sz="2000" b="1" dirty="0">
               <a:solidFill>
                 <a:srgbClr val="0070C0"/>
               </a:solidFill>
             </a:endParaRPr>
           </a:p>
           <a:p>
-            <a:pPr marL="285750" indent="-285750">
-              <a:lnSpc>
-                <a:spcPct val="150000"/>
-              </a:lnSpc>
-              <a:buFont typeface="Arial" panose="020B0604020202020204" pitchFamily="34" charset="0"/>
-              <a:buChar char="•"/>
-            </a:pPr>
-            <a:r>
-              <a:rPr lang="pl-PL" sz="2400" dirty="0">
-                <a:solidFill>
-                  <a:srgbClr val="0070C0"/>
-                </a:solidFill>
-              </a:rPr>
-              <a:t>List your data sets in ORCID</a:t>
-            </a:r>
-            <a:r>
-              <a:rPr lang="en-GB" sz="2400" dirty="0">
+            <a:r>
+              <a:rPr lang="pl-PL" sz="2000" dirty="0">
+                <a:solidFill>
+                  <a:srgbClr val="0070C0"/>
+                </a:solidFill>
+              </a:rPr>
+              <a:t>	</a:t>
+            </a:r>
+            <a:r>
+              <a:rPr lang="en-GB" sz="2000" dirty="0">
+                <a:solidFill>
+                  <a:srgbClr val="0070C0"/>
+                </a:solidFill>
+              </a:rPr>
+              <a:t>what can I put in it? </a:t>
+            </a:r>
+            <a:br>
+              <a:rPr lang="pl-PL" sz="2000" dirty="0">
+                <a:solidFill>
+                  <a:srgbClr val="0070C0"/>
+                </a:solidFill>
+              </a:rPr>
+            </a:br>
+            <a:r>
+              <a:rPr lang="pl-PL" sz="2000" dirty="0">
+                <a:solidFill>
+                  <a:srgbClr val="0070C0"/>
+                </a:solidFill>
+              </a:rPr>
+              <a:t>	i</a:t>
+            </a:r>
+            <a:r>
+              <a:rPr lang="en-GB" sz="2000" dirty="0">
+                <a:solidFill>
+                  <a:srgbClr val="0070C0"/>
+                </a:solidFill>
+              </a:rPr>
+              <a:t>s anyone else using it? </a:t>
+            </a:r>
+            <a:br>
+              <a:rPr lang="pl-PL" sz="2000" dirty="0">
+                <a:solidFill>
+                  <a:srgbClr val="0070C0"/>
+                </a:solidFill>
+              </a:rPr>
+            </a:br>
+            <a:r>
+              <a:rPr lang="pl-PL" sz="2000" dirty="0">
+                <a:solidFill>
+                  <a:srgbClr val="0070C0"/>
+                </a:solidFill>
+              </a:rPr>
+              <a:t>	w</a:t>
+            </a:r>
+            <a:r>
+              <a:rPr lang="en-GB" sz="2000" dirty="0">
+                <a:solidFill>
+                  <a:srgbClr val="0070C0"/>
+                </a:solidFill>
+              </a:rPr>
+              <a:t>ill others be able to find stuff deposited in it?</a:t>
+            </a:r>
+            <a:br>
+              <a:rPr lang="pl-PL" sz="2000" dirty="0">
+                <a:solidFill>
+                  <a:srgbClr val="0070C0"/>
+                </a:solidFill>
+              </a:rPr>
+            </a:br>
+            <a:r>
+              <a:rPr lang="pl-PL" sz="2000" dirty="0">
+                <a:solidFill>
+                  <a:srgbClr val="0070C0"/>
+                </a:solidFill>
+              </a:rPr>
+              <a:t>	is</a:t>
+            </a:r>
+            <a:r>
+              <a:rPr lang="en-GB" sz="2000" dirty="0">
+                <a:solidFill>
+                  <a:srgbClr val="0070C0"/>
+                </a:solidFill>
+              </a:rPr>
+              <a:t> the repository linked to other data repositories</a:t>
+            </a:r>
+            <a:r>
+              <a:rPr lang="pl-PL" sz="2000" dirty="0">
+                <a:solidFill>
+                  <a:srgbClr val="0070C0"/>
+                </a:solidFill>
+              </a:rPr>
+              <a:t>?</a:t>
+            </a:r>
+            <a:br>
+              <a:rPr lang="pl-PL" sz="2000" dirty="0">
+                <a:solidFill>
+                  <a:srgbClr val="0070C0"/>
+                </a:solidFill>
+              </a:rPr>
+            </a:br>
+            <a:r>
+              <a:rPr lang="pl-PL" sz="2000" dirty="0">
+                <a:solidFill>
+                  <a:srgbClr val="0070C0"/>
+                </a:solidFill>
+              </a:rPr>
+              <a:t>	c</a:t>
+            </a:r>
+            <a:r>
+              <a:rPr lang="en-GB" sz="2000" dirty="0">
+                <a:solidFill>
+                  <a:srgbClr val="0070C0"/>
+                </a:solidFill>
+              </a:rPr>
+              <a:t>an others cite the data?</a:t>
+            </a:r>
+            <a:endParaRPr lang="pl-PL" sz="2000" dirty="0">
+              <a:solidFill>
+                <a:srgbClr val="0070C0"/>
+              </a:solidFill>
+            </a:endParaRPr>
+          </a:p>
+          <a:p>
+            <a:endParaRPr lang="en-GB" sz="2000" dirty="0">
+              <a:solidFill>
+                <a:srgbClr val="0070C0"/>
+              </a:solidFill>
+            </a:endParaRPr>
+          </a:p>
+          <a:p>
+            <a:r>
+              <a:rPr lang="pl-PL" sz="2000" b="1" dirty="0">
+                <a:solidFill>
+                  <a:srgbClr val="0070C0"/>
+                </a:solidFill>
+              </a:rPr>
+              <a:t>4. P</a:t>
+            </a:r>
+            <a:r>
+              <a:rPr lang="en-GB" sz="2000" b="1" dirty="0" err="1">
+                <a:solidFill>
+                  <a:srgbClr val="0070C0"/>
+                </a:solidFill>
+              </a:rPr>
+              <a:t>olicy</a:t>
+            </a:r>
+            <a:r>
+              <a:rPr lang="en-GB" sz="2000" b="1" dirty="0">
+                <a:solidFill>
+                  <a:srgbClr val="0070C0"/>
+                </a:solidFill>
+              </a:rPr>
+              <a:t> and process: </a:t>
+            </a:r>
+            <a:br>
+              <a:rPr lang="pl-PL" sz="2000" dirty="0">
+                <a:solidFill>
+                  <a:srgbClr val="0070C0"/>
+                </a:solidFill>
+              </a:rPr>
+            </a:br>
+            <a:r>
+              <a:rPr lang="pl-PL" sz="2000" dirty="0">
+                <a:solidFill>
+                  <a:srgbClr val="0070C0"/>
+                </a:solidFill>
+              </a:rPr>
+              <a:t>	d</a:t>
+            </a:r>
+            <a:r>
+              <a:rPr lang="en-GB" sz="2000" dirty="0" err="1">
+                <a:solidFill>
+                  <a:srgbClr val="0070C0"/>
+                </a:solidFill>
+              </a:rPr>
+              <a:t>oes</a:t>
+            </a:r>
+            <a:r>
+              <a:rPr lang="en-GB" sz="2000" dirty="0">
+                <a:solidFill>
+                  <a:srgbClr val="0070C0"/>
+                </a:solidFill>
+              </a:rPr>
+              <a:t> it help meet</a:t>
+            </a:r>
+            <a:r>
+              <a:rPr lang="pl-PL" sz="2000" dirty="0">
+                <a:solidFill>
+                  <a:srgbClr val="0070C0"/>
+                </a:solidFill>
+              </a:rPr>
+              <a:t>ing</a:t>
+            </a:r>
+            <a:r>
+              <a:rPr lang="en-GB" sz="2000" dirty="0">
+                <a:solidFill>
+                  <a:srgbClr val="0070C0"/>
+                </a:solidFill>
+              </a:rPr>
+              <a:t> community standards</a:t>
+            </a:r>
+            <a:r>
+              <a:rPr lang="pl-PL" sz="2000" dirty="0">
+                <a:solidFill>
+                  <a:srgbClr val="0070C0"/>
+                </a:solidFill>
+              </a:rPr>
+              <a:t>,</a:t>
+            </a:r>
+            <a:r>
+              <a:rPr lang="en-GB" sz="2000" dirty="0">
+                <a:solidFill>
+                  <a:srgbClr val="0070C0"/>
+                </a:solidFill>
+              </a:rPr>
+              <a:t> good practice</a:t>
+            </a:r>
+            <a:r>
+              <a:rPr lang="pl-PL" sz="2000" dirty="0">
+                <a:solidFill>
+                  <a:srgbClr val="0070C0"/>
+                </a:solidFill>
+              </a:rPr>
+              <a:t>s</a:t>
+            </a:r>
+            <a:r>
+              <a:rPr lang="en-GB" sz="2000" dirty="0">
                 <a:solidFill>
                   <a:srgbClr val="0070C0"/>
                 </a:solidFill>
               </a:rPr>
               <a:t> </a:t>
+            </a:r>
+            <a:r>
+              <a:rPr lang="pl-PL" sz="2000" dirty="0">
+                <a:solidFill>
+                  <a:srgbClr val="0070C0"/>
+                </a:solidFill>
+              </a:rPr>
+              <a:t>and</a:t>
+            </a:r>
+            <a:r>
+              <a:rPr lang="en-GB" sz="2000" dirty="0">
+                <a:solidFill>
+                  <a:srgbClr val="0070C0"/>
+                </a:solidFill>
+              </a:rPr>
+              <a:t> policies</a:t>
+            </a:r>
+            <a:r>
+              <a:rPr lang="pl-PL" sz="2000" dirty="0">
+                <a:solidFill>
+                  <a:srgbClr val="0070C0"/>
+                </a:solidFill>
+              </a:rPr>
+              <a:t>?</a:t>
+            </a:r>
+            <a:br>
+              <a:rPr lang="pl-PL" sz="2000" dirty="0">
+                <a:solidFill>
+                  <a:srgbClr val="0070C0"/>
+                </a:solidFill>
+              </a:rPr>
+            </a:br>
+            <a:r>
+              <a:rPr lang="pl-PL" sz="2000" dirty="0">
+                <a:solidFill>
+                  <a:srgbClr val="0070C0"/>
+                </a:solidFill>
+              </a:rPr>
+              <a:t>	is </a:t>
+            </a:r>
+            <a:r>
+              <a:rPr lang="pl-PL" sz="2000" dirty="0" err="1">
+                <a:solidFill>
+                  <a:srgbClr val="0070C0"/>
+                </a:solidFill>
+              </a:rPr>
+              <a:t>it</a:t>
+            </a:r>
+            <a:r>
+              <a:rPr lang="pl-PL" sz="2000" dirty="0">
+                <a:solidFill>
+                  <a:srgbClr val="0070C0"/>
+                </a:solidFill>
+              </a:rPr>
+              <a:t> </a:t>
+            </a:r>
+            <a:r>
+              <a:rPr lang="pl-PL" sz="2000" dirty="0" err="1">
+                <a:solidFill>
+                  <a:srgbClr val="0070C0"/>
+                </a:solidFill>
+              </a:rPr>
+              <a:t>curated</a:t>
+            </a:r>
+            <a:r>
+              <a:rPr lang="pl-PL" sz="2000" dirty="0">
+                <a:solidFill>
+                  <a:srgbClr val="0070C0"/>
+                </a:solidFill>
+              </a:rPr>
+              <a:t>?</a:t>
             </a:r>
           </a:p>
         </p:txBody>
@@ -7883,25 +7489,20 @@
           <a:lstStyle/>
           <a:p>
             <a:r>
-              <a:rPr lang="pl-PL" dirty="0">
-                <a:solidFill>
-                  <a:srgbClr val="0070C0"/>
-                </a:solidFill>
-              </a:rPr>
-              <a:t>Repositories Summary</a:t>
-            </a:r>
-            <a:endParaRPr lang="en-GB" dirty="0">
-              <a:solidFill>
-                <a:srgbClr val="0070C0"/>
-              </a:solidFill>
-            </a:endParaRPr>
+              <a:rPr lang="en-GB" dirty="0">
+                <a:solidFill>
+                  <a:srgbClr val="0070C0"/>
+                </a:solidFill>
+              </a:rPr>
+              <a:t>Evaluating a data repository</a:t>
+            </a:r>
           </a:p>
         </p:txBody>
       </p:sp>
     </p:spTree>
     <p:extLst>
       <p:ext uri="{BB962C8B-B14F-4D97-AF65-F5344CB8AC3E}">
-        <p14:creationId xmlns:p14="http://schemas.microsoft.com/office/powerpoint/2010/main" val="2464484896"/>
+        <p14:creationId xmlns:p14="http://schemas.microsoft.com/office/powerpoint/2010/main" val="2410312540"/>
       </p:ext>
     </p:extLst>
   </p:cSld>
@@ -7930,10 +7531,10 @@
       </p:grpSpPr>
       <p:sp>
         <p:nvSpPr>
-          <p:cNvPr id="2" name="Title 1">
-            <a:extLst>
-              <a:ext uri="{FF2B5EF4-FFF2-40B4-BE49-F238E27FC236}">
-                <a16:creationId xmlns:a16="http://schemas.microsoft.com/office/drawing/2014/main" id="{0644B4C3-AD1C-4994-814E-0100950A4C17}"/>
+          <p:cNvPr id="5" name="Title 1">
+            <a:extLst>
+              <a:ext uri="{FF2B5EF4-FFF2-40B4-BE49-F238E27FC236}">
+                <a16:creationId xmlns:a16="http://schemas.microsoft.com/office/drawing/2014/main" id="{775BFE92-9990-4094-B7B2-01514614F16E}"/>
               </a:ext>
             </a:extLst>
           </p:cNvPr>
@@ -7946,7 +7547,7 @@
         </p:nvSpPr>
         <p:spPr>
           <a:xfrm>
-            <a:off x="305637" y="180211"/>
+            <a:off x="838200" y="365125"/>
             <a:ext cx="10515600" cy="1325563"/>
           </a:xfrm>
         </p:spPr>
@@ -7955,46 +7556,41 @@
           <a:lstStyle/>
           <a:p>
             <a:r>
-              <a:rPr lang="en-GB" dirty="0"/>
-              <a:t>What about </a:t>
-            </a:r>
-            <a:r>
-              <a:rPr lang="en-GB" dirty="0" err="1"/>
-              <a:t>Github</a:t>
-            </a:r>
-            <a:r>
-              <a:rPr lang="en-GB" dirty="0"/>
-              <a:t>? Can it be cited?</a:t>
-            </a:r>
-          </a:p>
-        </p:txBody>
-      </p:sp>
-      <p:sp>
-        <p:nvSpPr>
-          <p:cNvPr id="5" name="TextBox 4">
-            <a:extLst>
-              <a:ext uri="{FF2B5EF4-FFF2-40B4-BE49-F238E27FC236}">
-                <a16:creationId xmlns:a16="http://schemas.microsoft.com/office/drawing/2014/main" id="{1EF43E33-0E7B-4B21-9546-9C820EA0355B}"/>
-              </a:ext>
-            </a:extLst>
-          </p:cNvPr>
-          <p:cNvSpPr txBox="1"/>
+              <a:rPr lang="pl-PL" dirty="0">
+                <a:solidFill>
+                  <a:srgbClr val="0070C0"/>
+                </a:solidFill>
+              </a:rPr>
+              <a:t>Finding repository</a:t>
+            </a:r>
+            <a:endParaRPr lang="en-GB" dirty="0">
+              <a:solidFill>
+                <a:srgbClr val="0070C0"/>
+              </a:solidFill>
+            </a:endParaRPr>
+          </a:p>
+        </p:txBody>
+      </p:sp>
+      <p:sp>
+        <p:nvSpPr>
+          <p:cNvPr id="6" name="Rectangle 5">
+            <a:extLst>
+              <a:ext uri="{FF2B5EF4-FFF2-40B4-BE49-F238E27FC236}">
+                <a16:creationId xmlns:a16="http://schemas.microsoft.com/office/drawing/2014/main" id="{22F34A1D-F400-3A41-84C5-6FDD05616677}"/>
+              </a:ext>
+            </a:extLst>
+          </p:cNvPr>
+          <p:cNvSpPr/>
           <p:nvPr/>
         </p:nvSpPr>
         <p:spPr>
           <a:xfrm>
-            <a:off x="3802462" y="1431152"/>
-            <a:ext cx="6332137" cy="2308324"/>
+            <a:off x="693616" y="2951946"/>
+            <a:ext cx="10981854" cy="1323439"/>
           </a:xfrm>
           <a:prstGeom prst="rect">
             <a:avLst/>
           </a:prstGeom>
-          <a:solidFill>
-            <a:schemeClr val="accent1">
-              <a:lumMod val="20000"/>
-              <a:lumOff val="80000"/>
-            </a:schemeClr>
-          </a:solidFill>
         </p:spPr>
         <p:txBody>
           <a:bodyPr wrap="square">
@@ -8002,484 +7598,46 @@
           </a:bodyPr>
           <a:lstStyle/>
           <a:p>
-            <a:pPr algn="just"/>
-            <a:r>
-              <a:rPr lang="en-GB" sz="2400" b="0" i="0" dirty="0">
-                <a:solidFill>
-                  <a:srgbClr val="333333"/>
-                </a:solidFill>
-                <a:effectLst/>
-                <a:latin typeface="Ubuntu"/>
-              </a:rPr>
-              <a:t>To make your code repositories easier to reference in academic literature, you can create persistent identifiers for them. Particularly, you can use the data archiving tool in </a:t>
-            </a:r>
-            <a:r>
-              <a:rPr lang="en-GB" sz="2400" b="0" i="0" dirty="0" err="1">
-                <a:solidFill>
-                  <a:srgbClr val="333333"/>
-                </a:solidFill>
-                <a:effectLst/>
-                <a:latin typeface="Ubuntu"/>
-              </a:rPr>
-              <a:t>Zenodo</a:t>
-            </a:r>
-            <a:r>
-              <a:rPr lang="en-GB" sz="2400" b="0" i="0" dirty="0">
-                <a:solidFill>
-                  <a:srgbClr val="333333"/>
-                </a:solidFill>
-                <a:effectLst/>
-                <a:latin typeface="Ubuntu"/>
-              </a:rPr>
-              <a:t> to archive a GitHub repository and issue a DOI for it.</a:t>
-            </a:r>
-            <a:endParaRPr lang="en-GB" sz="2400" dirty="0"/>
-          </a:p>
-        </p:txBody>
-      </p:sp>
-      <p:sp>
-        <p:nvSpPr>
-          <p:cNvPr id="6" name="TextBox 5">
-            <a:extLst>
-              <a:ext uri="{FF2B5EF4-FFF2-40B4-BE49-F238E27FC236}">
-                <a16:creationId xmlns:a16="http://schemas.microsoft.com/office/drawing/2014/main" id="{98A9A35A-D4DA-4FB2-979C-061380BA5A75}"/>
-              </a:ext>
-            </a:extLst>
-          </p:cNvPr>
-          <p:cNvSpPr txBox="1"/>
-          <p:nvPr/>
-        </p:nvSpPr>
-        <p:spPr>
-          <a:xfrm>
-            <a:off x="1896343" y="1862254"/>
-            <a:ext cx="1082156" cy="707886"/>
-          </a:xfrm>
-          <a:prstGeom prst="rect">
-            <a:avLst/>
-          </a:prstGeom>
-          <a:noFill/>
-        </p:spPr>
-        <p:txBody>
-          <a:bodyPr wrap="none" rtlCol="0">
-            <a:spAutoFit/>
-          </a:bodyPr>
-          <a:lstStyle/>
-          <a:p>
+            <a:pPr algn="ctr"/>
+            <a:r>
+              <a:rPr lang="pl-PL" sz="4000" dirty="0">
+                <a:solidFill>
+                  <a:srgbClr val="0070C0"/>
+                </a:solidFill>
+              </a:rPr>
+              <a:t>Exercise</a:t>
+            </a:r>
             <a:r>
               <a:rPr lang="en-GB" sz="4000" dirty="0">
                 <a:solidFill>
                   <a:srgbClr val="0070C0"/>
                 </a:solidFill>
               </a:rPr>
-              <a:t>YES!</a:t>
-            </a:r>
-          </a:p>
-        </p:txBody>
-      </p:sp>
-      <p:pic>
-        <p:nvPicPr>
-          <p:cNvPr id="1028" name="Picture 4" descr="What Exactly Is GitHub Anyway? | TechCrunch">
-            <a:extLst>
-              <a:ext uri="{FF2B5EF4-FFF2-40B4-BE49-F238E27FC236}">
-                <a16:creationId xmlns:a16="http://schemas.microsoft.com/office/drawing/2014/main" id="{0268865A-4811-4E7A-AB2F-DDC778793847}"/>
-              </a:ext>
-            </a:extLst>
-          </p:cNvPr>
-          <p:cNvPicPr>
-            <a:picLocks noChangeAspect="1" noChangeArrowheads="1"/>
-          </p:cNvPicPr>
-          <p:nvPr/>
-        </p:nvPicPr>
-        <p:blipFill>
-          <a:blip r:embed="rId3" cstate="hqprint">
-            <a:extLst>
-              <a:ext uri="{28A0092B-C50C-407E-A947-70E740481C1C}">
-                <a14:useLocalDpi xmlns:a14="http://schemas.microsoft.com/office/drawing/2010/main" val="0"/>
-              </a:ext>
-            </a:extLst>
-          </a:blip>
-          <a:srcRect/>
-          <a:stretch>
-            <a:fillRect/>
-          </a:stretch>
-        </p:blipFill>
-        <p:spPr bwMode="auto">
-          <a:xfrm>
-            <a:off x="3561302" y="5487182"/>
-            <a:ext cx="1084382" cy="1084382"/>
-          </a:xfrm>
-          <a:prstGeom prst="rect">
-            <a:avLst/>
-          </a:prstGeom>
-          <a:noFill/>
-          <a:extLst>
-            <a:ext uri="{909E8E84-426E-40DD-AFC4-6F175D3DCCD1}">
-              <a14:hiddenFill xmlns:a14="http://schemas.microsoft.com/office/drawing/2010/main">
-                <a:solidFill>
-                  <a:srgbClr val="FFFFFF"/>
-                </a:solidFill>
-              </a14:hiddenFill>
-            </a:ext>
-          </a:extLst>
-        </p:spPr>
-      </p:pic>
-      <p:pic>
-        <p:nvPicPr>
-          <p:cNvPr id="1030" name="Picture 6" descr="zenodo-is-launched">
-            <a:extLst>
-              <a:ext uri="{FF2B5EF4-FFF2-40B4-BE49-F238E27FC236}">
-                <a16:creationId xmlns:a16="http://schemas.microsoft.com/office/drawing/2014/main" id="{06F62E6D-3784-4F16-9DD9-1AFE853583C0}"/>
-              </a:ext>
-            </a:extLst>
-          </p:cNvPr>
-          <p:cNvPicPr>
-            <a:picLocks noChangeAspect="1" noChangeArrowheads="1"/>
-          </p:cNvPicPr>
-          <p:nvPr/>
-        </p:nvPicPr>
-        <p:blipFill>
-          <a:blip r:embed="rId4">
-            <a:extLst>
-              <a:ext uri="{28A0092B-C50C-407E-A947-70E740481C1C}">
-                <a14:useLocalDpi xmlns:a14="http://schemas.microsoft.com/office/drawing/2010/main" val="0"/>
-              </a:ext>
-            </a:extLst>
-          </a:blip>
-          <a:srcRect/>
-          <a:stretch>
-            <a:fillRect/>
-          </a:stretch>
-        </p:blipFill>
-        <p:spPr bwMode="auto">
-          <a:xfrm>
-            <a:off x="4852674" y="4634695"/>
-            <a:ext cx="3571875" cy="1704975"/>
-          </a:xfrm>
-          <a:prstGeom prst="rect">
-            <a:avLst/>
-          </a:prstGeom>
-          <a:noFill/>
-          <a:extLst>
-            <a:ext uri="{909E8E84-426E-40DD-AFC4-6F175D3DCCD1}">
-              <a14:hiddenFill xmlns:a14="http://schemas.microsoft.com/office/drawing/2010/main">
-                <a:solidFill>
-                  <a:srgbClr val="FFFFFF"/>
-                </a:solidFill>
-              </a14:hiddenFill>
-            </a:ext>
-          </a:extLst>
-        </p:spPr>
-      </p:pic>
-      <p:pic>
-        <p:nvPicPr>
-          <p:cNvPr id="10" name="Picture 4" descr="What Exactly Is GitHub Anyway? | TechCrunch">
-            <a:extLst>
-              <a:ext uri="{FF2B5EF4-FFF2-40B4-BE49-F238E27FC236}">
-                <a16:creationId xmlns:a16="http://schemas.microsoft.com/office/drawing/2014/main" id="{496F2BA2-FD40-4CF9-94E1-A384457ACA16}"/>
-              </a:ext>
-            </a:extLst>
-          </p:cNvPr>
-          <p:cNvPicPr>
-            <a:picLocks noChangeAspect="1" noChangeArrowheads="1"/>
-          </p:cNvPicPr>
-          <p:nvPr/>
-        </p:nvPicPr>
-        <p:blipFill>
-          <a:blip r:embed="rId3" cstate="hqprint">
-            <a:extLst>
-              <a:ext uri="{28A0092B-C50C-407E-A947-70E740481C1C}">
-                <a14:useLocalDpi xmlns:a14="http://schemas.microsoft.com/office/drawing/2010/main" val="0"/>
-              </a:ext>
-            </a:extLst>
-          </a:blip>
-          <a:srcRect/>
-          <a:stretch>
-            <a:fillRect/>
-          </a:stretch>
-        </p:blipFill>
-        <p:spPr bwMode="auto">
-          <a:xfrm>
-            <a:off x="4310483" y="3971218"/>
-            <a:ext cx="1084382" cy="1084382"/>
-          </a:xfrm>
-          <a:prstGeom prst="rect">
-            <a:avLst/>
-          </a:prstGeom>
-          <a:noFill/>
-          <a:extLst>
-            <a:ext uri="{909E8E84-426E-40DD-AFC4-6F175D3DCCD1}">
-              <a14:hiddenFill xmlns:a14="http://schemas.microsoft.com/office/drawing/2010/main">
-                <a:solidFill>
-                  <a:srgbClr val="FFFFFF"/>
-                </a:solidFill>
-              </a14:hiddenFill>
-            </a:ext>
-          </a:extLst>
-        </p:spPr>
-      </p:pic>
-      <p:pic>
-        <p:nvPicPr>
-          <p:cNvPr id="11" name="Picture 4" descr="What Exactly Is GitHub Anyway? | TechCrunch">
-            <a:extLst>
-              <a:ext uri="{FF2B5EF4-FFF2-40B4-BE49-F238E27FC236}">
-                <a16:creationId xmlns:a16="http://schemas.microsoft.com/office/drawing/2014/main" id="{E02671B7-7972-43B1-8257-CE7A202A329B}"/>
-              </a:ext>
-            </a:extLst>
-          </p:cNvPr>
-          <p:cNvPicPr>
-            <a:picLocks noChangeAspect="1" noChangeArrowheads="1"/>
-          </p:cNvPicPr>
-          <p:nvPr/>
-        </p:nvPicPr>
-        <p:blipFill>
-          <a:blip r:embed="rId3" cstate="hqprint">
-            <a:extLst>
-              <a:ext uri="{28A0092B-C50C-407E-A947-70E740481C1C}">
-                <a14:useLocalDpi xmlns:a14="http://schemas.microsoft.com/office/drawing/2010/main" val="0"/>
-              </a:ext>
-            </a:extLst>
-          </a:blip>
-          <a:srcRect/>
-          <a:stretch>
-            <a:fillRect/>
-          </a:stretch>
-        </p:blipFill>
-        <p:spPr bwMode="auto">
-          <a:xfrm>
-            <a:off x="5937056" y="3559433"/>
-            <a:ext cx="1084382" cy="1084382"/>
-          </a:xfrm>
-          <a:prstGeom prst="rect">
-            <a:avLst/>
-          </a:prstGeom>
-          <a:noFill/>
-          <a:extLst>
-            <a:ext uri="{909E8E84-426E-40DD-AFC4-6F175D3DCCD1}">
-              <a14:hiddenFill xmlns:a14="http://schemas.microsoft.com/office/drawing/2010/main">
-                <a:solidFill>
-                  <a:srgbClr val="FFFFFF"/>
-                </a:solidFill>
-              </a14:hiddenFill>
-            </a:ext>
-          </a:extLst>
-        </p:spPr>
-      </p:pic>
-      <p:pic>
-        <p:nvPicPr>
-          <p:cNvPr id="12" name="Picture 4" descr="What Exactly Is GitHub Anyway? | TechCrunch">
-            <a:extLst>
-              <a:ext uri="{FF2B5EF4-FFF2-40B4-BE49-F238E27FC236}">
-                <a16:creationId xmlns:a16="http://schemas.microsoft.com/office/drawing/2014/main" id="{C30661E2-0F2E-4230-8E51-ACBF66279A61}"/>
-              </a:ext>
-            </a:extLst>
-          </p:cNvPr>
-          <p:cNvPicPr>
-            <a:picLocks noChangeAspect="1" noChangeArrowheads="1"/>
-          </p:cNvPicPr>
-          <p:nvPr/>
-        </p:nvPicPr>
-        <p:blipFill>
-          <a:blip r:embed="rId3" cstate="hqprint">
-            <a:extLst>
-              <a:ext uri="{28A0092B-C50C-407E-A947-70E740481C1C}">
-                <a14:useLocalDpi xmlns:a14="http://schemas.microsoft.com/office/drawing/2010/main" val="0"/>
-              </a:ext>
-            </a:extLst>
-          </a:blip>
-          <a:srcRect/>
-          <a:stretch>
-            <a:fillRect/>
-          </a:stretch>
-        </p:blipFill>
-        <p:spPr bwMode="auto">
-          <a:xfrm>
-            <a:off x="8041722" y="3921735"/>
-            <a:ext cx="1084382" cy="1084382"/>
-          </a:xfrm>
-          <a:prstGeom prst="rect">
-            <a:avLst/>
-          </a:prstGeom>
-          <a:noFill/>
-          <a:extLst>
-            <a:ext uri="{909E8E84-426E-40DD-AFC4-6F175D3DCCD1}">
-              <a14:hiddenFill xmlns:a14="http://schemas.microsoft.com/office/drawing/2010/main">
-                <a:solidFill>
-                  <a:srgbClr val="FFFFFF"/>
-                </a:solidFill>
-              </a14:hiddenFill>
-            </a:ext>
-          </a:extLst>
-        </p:spPr>
-      </p:pic>
-      <p:pic>
-        <p:nvPicPr>
-          <p:cNvPr id="13" name="Picture 4" descr="What Exactly Is GitHub Anyway? | TechCrunch">
-            <a:extLst>
-              <a:ext uri="{FF2B5EF4-FFF2-40B4-BE49-F238E27FC236}">
-                <a16:creationId xmlns:a16="http://schemas.microsoft.com/office/drawing/2014/main" id="{9BAB43FF-0190-40F9-BD07-2BF85AE5053E}"/>
-              </a:ext>
-            </a:extLst>
-          </p:cNvPr>
-          <p:cNvPicPr>
-            <a:picLocks noChangeAspect="1" noChangeArrowheads="1"/>
-          </p:cNvPicPr>
-          <p:nvPr/>
-        </p:nvPicPr>
-        <p:blipFill>
-          <a:blip r:embed="rId3" cstate="hqprint">
-            <a:extLst>
-              <a:ext uri="{28A0092B-C50C-407E-A947-70E740481C1C}">
-                <a14:useLocalDpi xmlns:a14="http://schemas.microsoft.com/office/drawing/2010/main" val="0"/>
-              </a:ext>
-            </a:extLst>
-          </a:blip>
-          <a:srcRect/>
-          <a:stretch>
-            <a:fillRect/>
-          </a:stretch>
-        </p:blipFill>
-        <p:spPr bwMode="auto">
-          <a:xfrm>
-            <a:off x="8089348" y="5487182"/>
-            <a:ext cx="1084382" cy="1084382"/>
-          </a:xfrm>
-          <a:prstGeom prst="rect">
-            <a:avLst/>
-          </a:prstGeom>
-          <a:noFill/>
-          <a:extLst>
-            <a:ext uri="{909E8E84-426E-40DD-AFC4-6F175D3DCCD1}">
-              <a14:hiddenFill xmlns:a14="http://schemas.microsoft.com/office/drawing/2010/main">
-                <a:solidFill>
-                  <a:srgbClr val="FFFFFF"/>
-                </a:solidFill>
-              </a14:hiddenFill>
-            </a:ext>
-          </a:extLst>
-        </p:spPr>
-      </p:pic>
-      <p:pic>
-        <p:nvPicPr>
-          <p:cNvPr id="14" name="Picture 4" descr="What Exactly Is GitHub Anyway? | TechCrunch">
-            <a:extLst>
-              <a:ext uri="{FF2B5EF4-FFF2-40B4-BE49-F238E27FC236}">
-                <a16:creationId xmlns:a16="http://schemas.microsoft.com/office/drawing/2014/main" id="{5047CE5C-BA72-42AC-92A2-7A13E0D35128}"/>
-              </a:ext>
-            </a:extLst>
-          </p:cNvPr>
-          <p:cNvPicPr>
-            <a:picLocks noChangeAspect="1" noChangeArrowheads="1"/>
-          </p:cNvPicPr>
-          <p:nvPr/>
-        </p:nvPicPr>
-        <p:blipFill>
-          <a:blip r:embed="rId3" cstate="hqprint">
-            <a:extLst>
-              <a:ext uri="{28A0092B-C50C-407E-A947-70E740481C1C}">
-                <a14:useLocalDpi xmlns:a14="http://schemas.microsoft.com/office/drawing/2010/main" val="0"/>
-              </a:ext>
-            </a:extLst>
-          </a:blip>
-          <a:srcRect/>
-          <a:stretch>
-            <a:fillRect/>
-          </a:stretch>
-        </p:blipFill>
-        <p:spPr bwMode="auto">
-          <a:xfrm>
-            <a:off x="6619664" y="5797479"/>
-            <a:ext cx="1084382" cy="1084382"/>
-          </a:xfrm>
-          <a:prstGeom prst="rect">
-            <a:avLst/>
-          </a:prstGeom>
-          <a:noFill/>
-          <a:extLst>
-            <a:ext uri="{909E8E84-426E-40DD-AFC4-6F175D3DCCD1}">
-              <a14:hiddenFill xmlns:a14="http://schemas.microsoft.com/office/drawing/2010/main">
-                <a:solidFill>
-                  <a:srgbClr val="FFFFFF"/>
-                </a:solidFill>
-              </a14:hiddenFill>
-            </a:ext>
-          </a:extLst>
-        </p:spPr>
-      </p:pic>
-      <p:sp>
-        <p:nvSpPr>
-          <p:cNvPr id="7" name="TextBox 6">
-            <a:extLst>
-              <a:ext uri="{FF2B5EF4-FFF2-40B4-BE49-F238E27FC236}">
-                <a16:creationId xmlns:a16="http://schemas.microsoft.com/office/drawing/2014/main" id="{0A61927E-39C9-4171-9DD7-41B4704B8A30}"/>
-              </a:ext>
-            </a:extLst>
-          </p:cNvPr>
-          <p:cNvSpPr txBox="1"/>
-          <p:nvPr/>
-        </p:nvSpPr>
-        <p:spPr>
-          <a:xfrm>
-            <a:off x="100019" y="6169709"/>
-            <a:ext cx="2892715" cy="646331"/>
-          </a:xfrm>
-          <a:prstGeom prst="rect">
-            <a:avLst/>
-          </a:prstGeom>
-          <a:noFill/>
-        </p:spPr>
-        <p:txBody>
-          <a:bodyPr wrap="none" rtlCol="0">
-            <a:spAutoFit/>
-          </a:bodyPr>
-          <a:lstStyle/>
-          <a:p>
-            <a:r>
-              <a:rPr lang="en-GB" sz="1200" dirty="0"/>
-              <a:t>Image credits:</a:t>
-            </a:r>
-          </a:p>
-          <a:p>
-            <a:pPr marL="285750" indent="-285750">
+              <a:t> 4</a:t>
+            </a:r>
+            <a:endParaRPr lang="pl-PL" sz="4000" dirty="0">
+              <a:solidFill>
+                <a:srgbClr val="0070C0"/>
+              </a:solidFill>
+            </a:endParaRPr>
+          </a:p>
+          <a:p>
+            <a:pPr marL="285750" indent="-285750" algn="ctr">
               <a:buFont typeface="Arial" panose="020B0604020202020204" pitchFamily="34" charset="0"/>
               <a:buChar char="•"/>
             </a:pPr>
-            <a:r>
-              <a:rPr lang="en-GB" sz="1200" dirty="0" err="1"/>
-              <a:t>Zenodo</a:t>
-            </a:r>
-            <a:r>
-              <a:rPr lang="en-GB" sz="1200" dirty="0"/>
-              <a:t> logo: Openaire.eu</a:t>
-            </a:r>
-          </a:p>
-          <a:p>
-            <a:pPr marL="285750" indent="-285750">
-              <a:buFont typeface="Arial" panose="020B0604020202020204" pitchFamily="34" charset="0"/>
-              <a:buChar char="•"/>
-            </a:pPr>
-            <a:r>
-              <a:rPr lang="en-GB" sz="1200" dirty="0" err="1"/>
-              <a:t>Github</a:t>
-            </a:r>
-            <a:r>
-              <a:rPr lang="en-GB" sz="1200" dirty="0"/>
-              <a:t> logo: </a:t>
-            </a:r>
-            <a:r>
-              <a:rPr lang="en-GB" sz="1200" dirty="0" err="1"/>
-              <a:t>Klint</a:t>
-            </a:r>
-            <a:r>
-              <a:rPr lang="en-GB" sz="1200" dirty="0"/>
-              <a:t> Finley (TechCrunch+)</a:t>
-            </a:r>
+            <a:endParaRPr lang="en-GB" sz="4000" dirty="0">
+              <a:solidFill>
+                <a:srgbClr val="0070C0"/>
+              </a:solidFill>
+            </a:endParaRPr>
           </a:p>
         </p:txBody>
       </p:sp>
     </p:spTree>
     <p:extLst>
       <p:ext uri="{BB962C8B-B14F-4D97-AF65-F5344CB8AC3E}">
-        <p14:creationId xmlns:p14="http://schemas.microsoft.com/office/powerpoint/2010/main" val="4074167485"/>
+        <p14:creationId xmlns:p14="http://schemas.microsoft.com/office/powerpoint/2010/main" val="213822311"/>
       </p:ext>
     </p:extLst>
   </p:cSld>
@@ -8508,10 +7666,168 @@
       </p:grpSpPr>
       <p:sp>
         <p:nvSpPr>
-          <p:cNvPr id="2" name="Title 1">
-            <a:extLst>
-              <a:ext uri="{FF2B5EF4-FFF2-40B4-BE49-F238E27FC236}">
-                <a16:creationId xmlns:a16="http://schemas.microsoft.com/office/drawing/2014/main" id="{0644B4C3-AD1C-4994-814E-0100950A4C17}"/>
+          <p:cNvPr id="2" name="Rectangle 1"/>
+          <p:cNvSpPr/>
+          <p:nvPr/>
+        </p:nvSpPr>
+        <p:spPr>
+          <a:xfrm>
+            <a:off x="730192" y="1690688"/>
+            <a:ext cx="10981854" cy="3359061"/>
+          </a:xfrm>
+          <a:prstGeom prst="rect">
+            <a:avLst/>
+          </a:prstGeom>
+        </p:spPr>
+        <p:txBody>
+          <a:bodyPr wrap="square">
+            <a:spAutoFit/>
+          </a:bodyPr>
+          <a:lstStyle/>
+          <a:p>
+            <a:pPr marL="285750" indent="-285750">
+              <a:lnSpc>
+                <a:spcPct val="150000"/>
+              </a:lnSpc>
+              <a:buFont typeface="Arial" panose="020B0604020202020204" pitchFamily="34" charset="0"/>
+              <a:buChar char="•"/>
+            </a:pPr>
+            <a:r>
+              <a:rPr lang="en-GB" sz="2400" dirty="0">
+                <a:solidFill>
+                  <a:srgbClr val="0070C0"/>
+                </a:solidFill>
+              </a:rPr>
+              <a:t>Repositories are the main means for sharing research data.</a:t>
+            </a:r>
+          </a:p>
+          <a:p>
+            <a:pPr marL="285750" indent="-285750">
+              <a:lnSpc>
+                <a:spcPct val="150000"/>
+              </a:lnSpc>
+              <a:buFont typeface="Arial" panose="020B0604020202020204" pitchFamily="34" charset="0"/>
+              <a:buChar char="•"/>
+            </a:pPr>
+            <a:r>
+              <a:rPr lang="en-GB" sz="2400" dirty="0">
+                <a:solidFill>
+                  <a:srgbClr val="0070C0"/>
+                </a:solidFill>
+              </a:rPr>
+              <a:t>You should use data-type specific repository whenever possible.</a:t>
+            </a:r>
+          </a:p>
+          <a:p>
+            <a:pPr marL="285750" indent="-285750">
+              <a:lnSpc>
+                <a:spcPct val="150000"/>
+              </a:lnSpc>
+              <a:buFont typeface="Arial" panose="020B0604020202020204" pitchFamily="34" charset="0"/>
+              <a:buChar char="•"/>
+            </a:pPr>
+            <a:r>
+              <a:rPr lang="en-GB" sz="2400" dirty="0">
+                <a:solidFill>
+                  <a:srgbClr val="0070C0"/>
+                </a:solidFill>
+              </a:rPr>
+              <a:t>Repositories are the key players in data reuse.</a:t>
+            </a:r>
+          </a:p>
+          <a:p>
+            <a:pPr marL="285750" indent="-285750">
+              <a:lnSpc>
+                <a:spcPct val="150000"/>
+              </a:lnSpc>
+              <a:buFont typeface="Arial" panose="020B0604020202020204" pitchFamily="34" charset="0"/>
+              <a:buChar char="•"/>
+            </a:pPr>
+            <a:r>
+              <a:rPr lang="en-GB" sz="2400" dirty="0">
+                <a:solidFill>
+                  <a:srgbClr val="0070C0"/>
+                </a:solidFill>
+              </a:rPr>
+              <a:t>Cross link your repositories’ records </a:t>
+            </a:r>
+            <a:endParaRPr lang="pl-PL" sz="2400" dirty="0">
+              <a:solidFill>
+                <a:srgbClr val="0070C0"/>
+              </a:solidFill>
+            </a:endParaRPr>
+          </a:p>
+          <a:p>
+            <a:pPr marL="285750" indent="-285750">
+              <a:lnSpc>
+                <a:spcPct val="150000"/>
+              </a:lnSpc>
+              <a:buFont typeface="Arial" panose="020B0604020202020204" pitchFamily="34" charset="0"/>
+              <a:buChar char="•"/>
+            </a:pPr>
+            <a:r>
+              <a:rPr lang="en-GB" sz="2400" dirty="0">
+                <a:solidFill>
+                  <a:srgbClr val="0070C0"/>
+                </a:solidFill>
+              </a:rPr>
+              <a:t>Add data availability</a:t>
+            </a:r>
+            <a:r>
+              <a:rPr lang="pl-PL" sz="2400" dirty="0">
+                <a:solidFill>
+                  <a:srgbClr val="0070C0"/>
+                </a:solidFill>
+              </a:rPr>
+              <a:t> section to your papers and list all the public </a:t>
+            </a:r>
+            <a:r>
+              <a:rPr lang="pl-PL" sz="2400" dirty="0" err="1">
+                <a:solidFill>
+                  <a:srgbClr val="0070C0"/>
+                </a:solidFill>
+              </a:rPr>
+              <a:t>records</a:t>
+            </a:r>
+            <a:endParaRPr lang="pl-PL" sz="2400" dirty="0">
+              <a:solidFill>
+                <a:srgbClr val="0070C0"/>
+              </a:solidFill>
+            </a:endParaRPr>
+          </a:p>
+          <a:p>
+            <a:pPr marL="285750" indent="-285750">
+              <a:lnSpc>
+                <a:spcPct val="150000"/>
+              </a:lnSpc>
+              <a:buFont typeface="Arial" panose="020B0604020202020204" pitchFamily="34" charset="0"/>
+              <a:buChar char="•"/>
+            </a:pPr>
+            <a:r>
+              <a:rPr lang="pl-PL" sz="2400" dirty="0">
+                <a:solidFill>
+                  <a:srgbClr val="0070C0"/>
+                </a:solidFill>
+              </a:rPr>
+              <a:t>List your data sets in ORCID</a:t>
+            </a:r>
+            <a:r>
+              <a:rPr lang="en-GB" sz="2400" dirty="0">
+                <a:solidFill>
+                  <a:srgbClr val="0070C0"/>
+                </a:solidFill>
+              </a:rPr>
+              <a:t> </a:t>
+            </a:r>
+          </a:p>
+        </p:txBody>
+      </p:sp>
+      <p:sp>
+        <p:nvSpPr>
+          <p:cNvPr id="5" name="Title 1">
+            <a:extLst>
+              <a:ext uri="{FF2B5EF4-FFF2-40B4-BE49-F238E27FC236}">
+                <a16:creationId xmlns:a16="http://schemas.microsoft.com/office/drawing/2014/main" id="{775BFE92-9990-4094-B7B2-01514614F16E}"/>
               </a:ext>
             </a:extLst>
           </p:cNvPr>
@@ -8524,7 +7840,7 @@
         </p:nvSpPr>
         <p:spPr>
           <a:xfrm>
-            <a:off x="305637" y="180211"/>
+            <a:off x="838200" y="365125"/>
             <a:ext cx="10515600" cy="1325563"/>
           </a:xfrm>
         </p:spPr>
@@ -8533,243 +7849,25 @@
           <a:lstStyle/>
           <a:p>
             <a:r>
-              <a:rPr lang="en-GB" dirty="0"/>
-              <a:t>What about the ReadMe file?</a:t>
-            </a:r>
-          </a:p>
-        </p:txBody>
-      </p:sp>
-      <p:sp>
-        <p:nvSpPr>
-          <p:cNvPr id="5" name="TextBox 4">
-            <a:extLst>
-              <a:ext uri="{FF2B5EF4-FFF2-40B4-BE49-F238E27FC236}">
-                <a16:creationId xmlns:a16="http://schemas.microsoft.com/office/drawing/2014/main" id="{1EF43E33-0E7B-4B21-9546-9C820EA0355B}"/>
-              </a:ext>
-            </a:extLst>
-          </p:cNvPr>
-          <p:cNvSpPr txBox="1"/>
-          <p:nvPr/>
-        </p:nvSpPr>
-        <p:spPr>
-          <a:xfrm>
-            <a:off x="2766714" y="2228671"/>
-            <a:ext cx="6296130" cy="1200329"/>
-          </a:xfrm>
-          <a:prstGeom prst="rect">
-            <a:avLst/>
-          </a:prstGeom>
-          <a:solidFill>
-            <a:schemeClr val="accent1">
-              <a:lumMod val="20000"/>
-              <a:lumOff val="80000"/>
-            </a:schemeClr>
-          </a:solidFill>
-        </p:spPr>
-        <p:txBody>
-          <a:bodyPr wrap="square">
-            <a:spAutoFit/>
-          </a:bodyPr>
-          <a:lstStyle/>
-          <a:p>
-            <a:pPr algn="ctr"/>
-            <a:r>
-              <a:rPr lang="en-GB" sz="2400" b="0" i="0" dirty="0">
-                <a:solidFill>
-                  <a:srgbClr val="333333"/>
-                </a:solidFill>
-                <a:effectLst/>
-                <a:latin typeface="Ubuntu"/>
-              </a:rPr>
-              <a:t>Always include a ReadMe file when you deposit in “General” research data public repositories, such as </a:t>
-            </a:r>
-            <a:r>
-              <a:rPr lang="en-GB" sz="2400" b="0" i="0" dirty="0" err="1">
-                <a:solidFill>
-                  <a:srgbClr val="333333"/>
-                </a:solidFill>
-                <a:effectLst/>
-                <a:latin typeface="Ubuntu"/>
-              </a:rPr>
-              <a:t>DataShare</a:t>
-            </a:r>
-            <a:r>
-              <a:rPr lang="en-GB" sz="2400" b="0" i="0" dirty="0">
-                <a:solidFill>
-                  <a:srgbClr val="333333"/>
-                </a:solidFill>
-                <a:effectLst/>
-                <a:latin typeface="Ubuntu"/>
-              </a:rPr>
-              <a:t> or </a:t>
-            </a:r>
-            <a:r>
-              <a:rPr lang="en-GB" sz="2400" b="0" i="0" dirty="0" err="1">
-                <a:solidFill>
-                  <a:srgbClr val="333333"/>
-                </a:solidFill>
-                <a:effectLst/>
-                <a:latin typeface="Ubuntu"/>
-              </a:rPr>
-              <a:t>Zenodo</a:t>
-            </a:r>
-            <a:r>
-              <a:rPr lang="en-GB" sz="2400" b="0" i="0" dirty="0">
-                <a:solidFill>
-                  <a:srgbClr val="333333"/>
-                </a:solidFill>
-                <a:effectLst/>
-                <a:latin typeface="Ubuntu"/>
-              </a:rPr>
-              <a:t>.</a:t>
-            </a:r>
-            <a:endParaRPr lang="en-GB" sz="2400" dirty="0"/>
-          </a:p>
-        </p:txBody>
-      </p:sp>
-      <p:sp>
-        <p:nvSpPr>
-          <p:cNvPr id="16" name="TextBox 15">
-            <a:extLst>
-              <a:ext uri="{FF2B5EF4-FFF2-40B4-BE49-F238E27FC236}">
-                <a16:creationId xmlns:a16="http://schemas.microsoft.com/office/drawing/2014/main" id="{F48D18B6-429B-4ACA-B9AC-8341B6F657F3}"/>
-              </a:ext>
-            </a:extLst>
-          </p:cNvPr>
-          <p:cNvSpPr txBox="1"/>
-          <p:nvPr/>
-        </p:nvSpPr>
-        <p:spPr>
-          <a:xfrm>
-            <a:off x="7352472" y="4571050"/>
-            <a:ext cx="6094324" cy="369332"/>
-          </a:xfrm>
-          <a:prstGeom prst="rect">
-            <a:avLst/>
-          </a:prstGeom>
-          <a:noFill/>
-        </p:spPr>
-        <p:txBody>
-          <a:bodyPr wrap="square">
-            <a:spAutoFit/>
-          </a:bodyPr>
-          <a:lstStyle/>
-          <a:p>
-            <a:r>
-              <a:rPr lang="en-GB" dirty="0">
-                <a:hlinkClick r:id="rId2"/>
-              </a:rPr>
-              <a:t>https://www.wiki.ed.ac.uk/x/XbRVHQ</a:t>
-            </a:r>
-            <a:r>
-              <a:rPr lang="en-GB" dirty="0"/>
-              <a:t> </a:t>
-            </a:r>
-          </a:p>
-        </p:txBody>
-      </p:sp>
-      <p:sp>
-        <p:nvSpPr>
-          <p:cNvPr id="8" name="TextBox 7">
-            <a:extLst>
-              <a:ext uri="{FF2B5EF4-FFF2-40B4-BE49-F238E27FC236}">
-                <a16:creationId xmlns:a16="http://schemas.microsoft.com/office/drawing/2014/main" id="{97160006-7E89-4AA4-86CC-F661B527EF12}"/>
-              </a:ext>
-            </a:extLst>
-          </p:cNvPr>
-          <p:cNvSpPr txBox="1"/>
-          <p:nvPr/>
-        </p:nvSpPr>
-        <p:spPr>
-          <a:xfrm>
-            <a:off x="1939332" y="4306332"/>
-            <a:ext cx="3975447" cy="646331"/>
-          </a:xfrm>
-          <a:prstGeom prst="rect">
-            <a:avLst/>
-          </a:prstGeom>
-          <a:noFill/>
-        </p:spPr>
-        <p:txBody>
-          <a:bodyPr wrap="none" rtlCol="0">
-            <a:spAutoFit/>
-          </a:bodyPr>
-          <a:lstStyle/>
-          <a:p>
-            <a:pPr algn="ctr"/>
-            <a:r>
-              <a:rPr lang="en-GB" dirty="0"/>
-              <a:t>An example readme file can be found at </a:t>
-            </a:r>
-          </a:p>
-          <a:p>
-            <a:pPr algn="ctr"/>
-            <a:r>
-              <a:rPr lang="en-GB" dirty="0" err="1"/>
-              <a:t>BioRDM’s</a:t>
-            </a:r>
-            <a:r>
-              <a:rPr lang="en-GB" dirty="0"/>
-              <a:t> Wiki Page for </a:t>
-            </a:r>
-            <a:r>
-              <a:rPr lang="en-GB" dirty="0" err="1"/>
-              <a:t>DataShare</a:t>
-            </a:r>
-            <a:endParaRPr lang="en-GB" dirty="0"/>
-          </a:p>
-        </p:txBody>
-      </p:sp>
-      <p:sp>
-        <p:nvSpPr>
-          <p:cNvPr id="9" name="Arrow: Right 8">
-            <a:extLst>
-              <a:ext uri="{FF2B5EF4-FFF2-40B4-BE49-F238E27FC236}">
-                <a16:creationId xmlns:a16="http://schemas.microsoft.com/office/drawing/2014/main" id="{3FA85775-6AD8-4E37-B1B9-6BAA1BAA3DA0}"/>
-              </a:ext>
-            </a:extLst>
-          </p:cNvPr>
-          <p:cNvSpPr/>
-          <p:nvPr/>
-        </p:nvSpPr>
-        <p:spPr>
-          <a:xfrm>
-            <a:off x="6277223" y="4318612"/>
-            <a:ext cx="884255" cy="621770"/>
-          </a:xfrm>
-          <a:prstGeom prst="rightArrow">
-            <a:avLst/>
-          </a:prstGeom>
-        </p:spPr>
-        <p:style>
-          <a:lnRef idx="2">
-            <a:schemeClr val="accent1">
-              <a:shade val="50000"/>
-            </a:schemeClr>
-          </a:lnRef>
-          <a:fillRef idx="1">
-            <a:schemeClr val="accent1"/>
-          </a:fillRef>
-          <a:effectRef idx="0">
-            <a:schemeClr val="accent1"/>
-          </a:effectRef>
-          <a:fontRef idx="minor">
-            <a:schemeClr val="lt1"/>
-          </a:fontRef>
-        </p:style>
-        <p:txBody>
-          <a:bodyPr rtlCol="0" anchor="ctr"/>
-          <a:lstStyle/>
-          <a:p>
-            <a:pPr algn="ctr"/>
-            <a:endParaRPr lang="en-GB"/>
+              <a:rPr lang="pl-PL" dirty="0">
+                <a:solidFill>
+                  <a:srgbClr val="0070C0"/>
+                </a:solidFill>
+              </a:rPr>
+              <a:t>Repositories Summary</a:t>
+            </a:r>
+            <a:endParaRPr lang="en-GB" dirty="0">
+              <a:solidFill>
+                <a:srgbClr val="0070C0"/>
+              </a:solidFill>
+            </a:endParaRPr>
           </a:p>
         </p:txBody>
       </p:sp>
     </p:spTree>
     <p:extLst>
       <p:ext uri="{BB962C8B-B14F-4D97-AF65-F5344CB8AC3E}">
-        <p14:creationId xmlns:p14="http://schemas.microsoft.com/office/powerpoint/2010/main" val="1507444769"/>
+        <p14:creationId xmlns:p14="http://schemas.microsoft.com/office/powerpoint/2010/main" val="2464484896"/>
       </p:ext>
     </p:extLst>
   </p:cSld>
@@ -8796,6 +7894,874 @@
           <a:chExt cx="0" cy="0"/>
         </a:xfrm>
       </p:grpSpPr>
+      <p:sp>
+        <p:nvSpPr>
+          <p:cNvPr id="2" name="Title 1">
+            <a:extLst>
+              <a:ext uri="{FF2B5EF4-FFF2-40B4-BE49-F238E27FC236}">
+                <a16:creationId xmlns:a16="http://schemas.microsoft.com/office/drawing/2014/main" id="{0644B4C3-AD1C-4994-814E-0100950A4C17}"/>
+              </a:ext>
+            </a:extLst>
+          </p:cNvPr>
+          <p:cNvSpPr>
+            <a:spLocks noGrp="1"/>
+          </p:cNvSpPr>
+          <p:nvPr>
+            <p:ph type="title"/>
+          </p:nvPr>
+        </p:nvSpPr>
+        <p:spPr>
+          <a:xfrm>
+            <a:off x="305637" y="180211"/>
+            <a:ext cx="10515600" cy="1325563"/>
+          </a:xfrm>
+        </p:spPr>
+        <p:txBody>
+          <a:bodyPr/>
+          <a:lstStyle/>
+          <a:p>
+            <a:r>
+              <a:rPr lang="en-GB" dirty="0"/>
+              <a:t>What about </a:t>
+            </a:r>
+            <a:r>
+              <a:rPr lang="en-GB" dirty="0" err="1"/>
+              <a:t>Github</a:t>
+            </a:r>
+            <a:r>
+              <a:rPr lang="en-GB" dirty="0"/>
+              <a:t>? Can it be cited?</a:t>
+            </a:r>
+          </a:p>
+        </p:txBody>
+      </p:sp>
+      <p:sp>
+        <p:nvSpPr>
+          <p:cNvPr id="5" name="TextBox 4">
+            <a:extLst>
+              <a:ext uri="{FF2B5EF4-FFF2-40B4-BE49-F238E27FC236}">
+                <a16:creationId xmlns:a16="http://schemas.microsoft.com/office/drawing/2014/main" id="{1EF43E33-0E7B-4B21-9546-9C820EA0355B}"/>
+              </a:ext>
+            </a:extLst>
+          </p:cNvPr>
+          <p:cNvSpPr txBox="1"/>
+          <p:nvPr/>
+        </p:nvSpPr>
+        <p:spPr>
+          <a:xfrm>
+            <a:off x="3802462" y="1431152"/>
+            <a:ext cx="6332137" cy="2308324"/>
+          </a:xfrm>
+          <a:prstGeom prst="rect">
+            <a:avLst/>
+          </a:prstGeom>
+          <a:solidFill>
+            <a:schemeClr val="accent1">
+              <a:lumMod val="20000"/>
+              <a:lumOff val="80000"/>
+            </a:schemeClr>
+          </a:solidFill>
+        </p:spPr>
+        <p:txBody>
+          <a:bodyPr wrap="square">
+            <a:spAutoFit/>
+          </a:bodyPr>
+          <a:lstStyle/>
+          <a:p>
+            <a:pPr algn="just"/>
+            <a:r>
+              <a:rPr lang="en-GB" sz="2400" b="0" i="0" dirty="0">
+                <a:solidFill>
+                  <a:srgbClr val="333333"/>
+                </a:solidFill>
+                <a:effectLst/>
+                <a:latin typeface="Ubuntu"/>
+              </a:rPr>
+              <a:t>To make your code repositories easier to reference in academic literature, you can create persistent identifiers for them. Particularly, you can use the data archiving tool in </a:t>
+            </a:r>
+            <a:r>
+              <a:rPr lang="en-GB" sz="2400" b="0" i="0" dirty="0" err="1">
+                <a:solidFill>
+                  <a:srgbClr val="333333"/>
+                </a:solidFill>
+                <a:effectLst/>
+                <a:latin typeface="Ubuntu"/>
+              </a:rPr>
+              <a:t>Zenodo</a:t>
+            </a:r>
+            <a:r>
+              <a:rPr lang="en-GB" sz="2400" b="0" i="0" dirty="0">
+                <a:solidFill>
+                  <a:srgbClr val="333333"/>
+                </a:solidFill>
+                <a:effectLst/>
+                <a:latin typeface="Ubuntu"/>
+              </a:rPr>
+              <a:t> to archive a GitHub repository and issue a DOI for it.</a:t>
+            </a:r>
+            <a:endParaRPr lang="en-GB" sz="2400" dirty="0"/>
+          </a:p>
+        </p:txBody>
+      </p:sp>
+      <p:sp>
+        <p:nvSpPr>
+          <p:cNvPr id="6" name="TextBox 5">
+            <a:extLst>
+              <a:ext uri="{FF2B5EF4-FFF2-40B4-BE49-F238E27FC236}">
+                <a16:creationId xmlns:a16="http://schemas.microsoft.com/office/drawing/2014/main" id="{98A9A35A-D4DA-4FB2-979C-061380BA5A75}"/>
+              </a:ext>
+            </a:extLst>
+          </p:cNvPr>
+          <p:cNvSpPr txBox="1"/>
+          <p:nvPr/>
+        </p:nvSpPr>
+        <p:spPr>
+          <a:xfrm>
+            <a:off x="1896343" y="1862254"/>
+            <a:ext cx="1082156" cy="707886"/>
+          </a:xfrm>
+          <a:prstGeom prst="rect">
+            <a:avLst/>
+          </a:prstGeom>
+          <a:noFill/>
+        </p:spPr>
+        <p:txBody>
+          <a:bodyPr wrap="none" rtlCol="0">
+            <a:spAutoFit/>
+          </a:bodyPr>
+          <a:lstStyle/>
+          <a:p>
+            <a:r>
+              <a:rPr lang="en-GB" sz="4000" dirty="0">
+                <a:solidFill>
+                  <a:srgbClr val="0070C0"/>
+                </a:solidFill>
+              </a:rPr>
+              <a:t>YES!</a:t>
+            </a:r>
+          </a:p>
+        </p:txBody>
+      </p:sp>
+      <p:pic>
+        <p:nvPicPr>
+          <p:cNvPr id="1028" name="Picture 4" descr="What Exactly Is GitHub Anyway? | TechCrunch">
+            <a:extLst>
+              <a:ext uri="{FF2B5EF4-FFF2-40B4-BE49-F238E27FC236}">
+                <a16:creationId xmlns:a16="http://schemas.microsoft.com/office/drawing/2014/main" id="{0268865A-4811-4E7A-AB2F-DDC778793847}"/>
+              </a:ext>
+            </a:extLst>
+          </p:cNvPr>
+          <p:cNvPicPr>
+            <a:picLocks noChangeAspect="1" noChangeArrowheads="1"/>
+          </p:cNvPicPr>
+          <p:nvPr/>
+        </p:nvPicPr>
+        <p:blipFill>
+          <a:blip r:embed="rId3" cstate="hqprint">
+            <a:extLst>
+              <a:ext uri="{28A0092B-C50C-407E-A947-70E740481C1C}">
+                <a14:useLocalDpi xmlns:a14="http://schemas.microsoft.com/office/drawing/2010/main" val="0"/>
+              </a:ext>
+            </a:extLst>
+          </a:blip>
+          <a:srcRect/>
+          <a:stretch>
+            <a:fillRect/>
+          </a:stretch>
+        </p:blipFill>
+        <p:spPr bwMode="auto">
+          <a:xfrm>
+            <a:off x="3561302" y="5487182"/>
+            <a:ext cx="1084382" cy="1084382"/>
+          </a:xfrm>
+          <a:prstGeom prst="rect">
+            <a:avLst/>
+          </a:prstGeom>
+          <a:noFill/>
+          <a:extLst>
+            <a:ext uri="{909E8E84-426E-40DD-AFC4-6F175D3DCCD1}">
+              <a14:hiddenFill xmlns:a14="http://schemas.microsoft.com/office/drawing/2010/main">
+                <a:solidFill>
+                  <a:srgbClr val="FFFFFF"/>
+                </a:solidFill>
+              </a14:hiddenFill>
+            </a:ext>
+          </a:extLst>
+        </p:spPr>
+      </p:pic>
+      <p:pic>
+        <p:nvPicPr>
+          <p:cNvPr id="1030" name="Picture 6" descr="zenodo-is-launched">
+            <a:extLst>
+              <a:ext uri="{FF2B5EF4-FFF2-40B4-BE49-F238E27FC236}">
+                <a16:creationId xmlns:a16="http://schemas.microsoft.com/office/drawing/2014/main" id="{06F62E6D-3784-4F16-9DD9-1AFE853583C0}"/>
+              </a:ext>
+            </a:extLst>
+          </p:cNvPr>
+          <p:cNvPicPr>
+            <a:picLocks noChangeAspect="1" noChangeArrowheads="1"/>
+          </p:cNvPicPr>
+          <p:nvPr/>
+        </p:nvPicPr>
+        <p:blipFill>
+          <a:blip r:embed="rId4">
+            <a:extLst>
+              <a:ext uri="{28A0092B-C50C-407E-A947-70E740481C1C}">
+                <a14:useLocalDpi xmlns:a14="http://schemas.microsoft.com/office/drawing/2010/main" val="0"/>
+              </a:ext>
+            </a:extLst>
+          </a:blip>
+          <a:srcRect/>
+          <a:stretch>
+            <a:fillRect/>
+          </a:stretch>
+        </p:blipFill>
+        <p:spPr bwMode="auto">
+          <a:xfrm>
+            <a:off x="4852674" y="4634695"/>
+            <a:ext cx="3571875" cy="1704975"/>
+          </a:xfrm>
+          <a:prstGeom prst="rect">
+            <a:avLst/>
+          </a:prstGeom>
+          <a:noFill/>
+          <a:extLst>
+            <a:ext uri="{909E8E84-426E-40DD-AFC4-6F175D3DCCD1}">
+              <a14:hiddenFill xmlns:a14="http://schemas.microsoft.com/office/drawing/2010/main">
+                <a:solidFill>
+                  <a:srgbClr val="FFFFFF"/>
+                </a:solidFill>
+              </a14:hiddenFill>
+            </a:ext>
+          </a:extLst>
+        </p:spPr>
+      </p:pic>
+      <p:pic>
+        <p:nvPicPr>
+          <p:cNvPr id="10" name="Picture 4" descr="What Exactly Is GitHub Anyway? | TechCrunch">
+            <a:extLst>
+              <a:ext uri="{FF2B5EF4-FFF2-40B4-BE49-F238E27FC236}">
+                <a16:creationId xmlns:a16="http://schemas.microsoft.com/office/drawing/2014/main" id="{496F2BA2-FD40-4CF9-94E1-A384457ACA16}"/>
+              </a:ext>
+            </a:extLst>
+          </p:cNvPr>
+          <p:cNvPicPr>
+            <a:picLocks noChangeAspect="1" noChangeArrowheads="1"/>
+          </p:cNvPicPr>
+          <p:nvPr/>
+        </p:nvPicPr>
+        <p:blipFill>
+          <a:blip r:embed="rId3" cstate="hqprint">
+            <a:extLst>
+              <a:ext uri="{28A0092B-C50C-407E-A947-70E740481C1C}">
+                <a14:useLocalDpi xmlns:a14="http://schemas.microsoft.com/office/drawing/2010/main" val="0"/>
+              </a:ext>
+            </a:extLst>
+          </a:blip>
+          <a:srcRect/>
+          <a:stretch>
+            <a:fillRect/>
+          </a:stretch>
+        </p:blipFill>
+        <p:spPr bwMode="auto">
+          <a:xfrm>
+            <a:off x="4310483" y="3971218"/>
+            <a:ext cx="1084382" cy="1084382"/>
+          </a:xfrm>
+          <a:prstGeom prst="rect">
+            <a:avLst/>
+          </a:prstGeom>
+          <a:noFill/>
+          <a:extLst>
+            <a:ext uri="{909E8E84-426E-40DD-AFC4-6F175D3DCCD1}">
+              <a14:hiddenFill xmlns:a14="http://schemas.microsoft.com/office/drawing/2010/main">
+                <a:solidFill>
+                  <a:srgbClr val="FFFFFF"/>
+                </a:solidFill>
+              </a14:hiddenFill>
+            </a:ext>
+          </a:extLst>
+        </p:spPr>
+      </p:pic>
+      <p:pic>
+        <p:nvPicPr>
+          <p:cNvPr id="11" name="Picture 4" descr="What Exactly Is GitHub Anyway? | TechCrunch">
+            <a:extLst>
+              <a:ext uri="{FF2B5EF4-FFF2-40B4-BE49-F238E27FC236}">
+                <a16:creationId xmlns:a16="http://schemas.microsoft.com/office/drawing/2014/main" id="{E02671B7-7972-43B1-8257-CE7A202A329B}"/>
+              </a:ext>
+            </a:extLst>
+          </p:cNvPr>
+          <p:cNvPicPr>
+            <a:picLocks noChangeAspect="1" noChangeArrowheads="1"/>
+          </p:cNvPicPr>
+          <p:nvPr/>
+        </p:nvPicPr>
+        <p:blipFill>
+          <a:blip r:embed="rId3" cstate="hqprint">
+            <a:extLst>
+              <a:ext uri="{28A0092B-C50C-407E-A947-70E740481C1C}">
+                <a14:useLocalDpi xmlns:a14="http://schemas.microsoft.com/office/drawing/2010/main" val="0"/>
+              </a:ext>
+            </a:extLst>
+          </a:blip>
+          <a:srcRect/>
+          <a:stretch>
+            <a:fillRect/>
+          </a:stretch>
+        </p:blipFill>
+        <p:spPr bwMode="auto">
+          <a:xfrm>
+            <a:off x="5937056" y="3559433"/>
+            <a:ext cx="1084382" cy="1084382"/>
+          </a:xfrm>
+          <a:prstGeom prst="rect">
+            <a:avLst/>
+          </a:prstGeom>
+          <a:noFill/>
+          <a:extLst>
+            <a:ext uri="{909E8E84-426E-40DD-AFC4-6F175D3DCCD1}">
+              <a14:hiddenFill xmlns:a14="http://schemas.microsoft.com/office/drawing/2010/main">
+                <a:solidFill>
+                  <a:srgbClr val="FFFFFF"/>
+                </a:solidFill>
+              </a14:hiddenFill>
+            </a:ext>
+          </a:extLst>
+        </p:spPr>
+      </p:pic>
+      <p:pic>
+        <p:nvPicPr>
+          <p:cNvPr id="12" name="Picture 4" descr="What Exactly Is GitHub Anyway? | TechCrunch">
+            <a:extLst>
+              <a:ext uri="{FF2B5EF4-FFF2-40B4-BE49-F238E27FC236}">
+                <a16:creationId xmlns:a16="http://schemas.microsoft.com/office/drawing/2014/main" id="{C30661E2-0F2E-4230-8E51-ACBF66279A61}"/>
+              </a:ext>
+            </a:extLst>
+          </p:cNvPr>
+          <p:cNvPicPr>
+            <a:picLocks noChangeAspect="1" noChangeArrowheads="1"/>
+          </p:cNvPicPr>
+          <p:nvPr/>
+        </p:nvPicPr>
+        <p:blipFill>
+          <a:blip r:embed="rId3" cstate="hqprint">
+            <a:extLst>
+              <a:ext uri="{28A0092B-C50C-407E-A947-70E740481C1C}">
+                <a14:useLocalDpi xmlns:a14="http://schemas.microsoft.com/office/drawing/2010/main" val="0"/>
+              </a:ext>
+            </a:extLst>
+          </a:blip>
+          <a:srcRect/>
+          <a:stretch>
+            <a:fillRect/>
+          </a:stretch>
+        </p:blipFill>
+        <p:spPr bwMode="auto">
+          <a:xfrm>
+            <a:off x="8041722" y="3921735"/>
+            <a:ext cx="1084382" cy="1084382"/>
+          </a:xfrm>
+          <a:prstGeom prst="rect">
+            <a:avLst/>
+          </a:prstGeom>
+          <a:noFill/>
+          <a:extLst>
+            <a:ext uri="{909E8E84-426E-40DD-AFC4-6F175D3DCCD1}">
+              <a14:hiddenFill xmlns:a14="http://schemas.microsoft.com/office/drawing/2010/main">
+                <a:solidFill>
+                  <a:srgbClr val="FFFFFF"/>
+                </a:solidFill>
+              </a14:hiddenFill>
+            </a:ext>
+          </a:extLst>
+        </p:spPr>
+      </p:pic>
+      <p:pic>
+        <p:nvPicPr>
+          <p:cNvPr id="13" name="Picture 4" descr="What Exactly Is GitHub Anyway? | TechCrunch">
+            <a:extLst>
+              <a:ext uri="{FF2B5EF4-FFF2-40B4-BE49-F238E27FC236}">
+                <a16:creationId xmlns:a16="http://schemas.microsoft.com/office/drawing/2014/main" id="{9BAB43FF-0190-40F9-BD07-2BF85AE5053E}"/>
+              </a:ext>
+            </a:extLst>
+          </p:cNvPr>
+          <p:cNvPicPr>
+            <a:picLocks noChangeAspect="1" noChangeArrowheads="1"/>
+          </p:cNvPicPr>
+          <p:nvPr/>
+        </p:nvPicPr>
+        <p:blipFill>
+          <a:blip r:embed="rId3" cstate="hqprint">
+            <a:extLst>
+              <a:ext uri="{28A0092B-C50C-407E-A947-70E740481C1C}">
+                <a14:useLocalDpi xmlns:a14="http://schemas.microsoft.com/office/drawing/2010/main" val="0"/>
+              </a:ext>
+            </a:extLst>
+          </a:blip>
+          <a:srcRect/>
+          <a:stretch>
+            <a:fillRect/>
+          </a:stretch>
+        </p:blipFill>
+        <p:spPr bwMode="auto">
+          <a:xfrm>
+            <a:off x="8089348" y="5487182"/>
+            <a:ext cx="1084382" cy="1084382"/>
+          </a:xfrm>
+          <a:prstGeom prst="rect">
+            <a:avLst/>
+          </a:prstGeom>
+          <a:noFill/>
+          <a:extLst>
+            <a:ext uri="{909E8E84-426E-40DD-AFC4-6F175D3DCCD1}">
+              <a14:hiddenFill xmlns:a14="http://schemas.microsoft.com/office/drawing/2010/main">
+                <a:solidFill>
+                  <a:srgbClr val="FFFFFF"/>
+                </a:solidFill>
+              </a14:hiddenFill>
+            </a:ext>
+          </a:extLst>
+        </p:spPr>
+      </p:pic>
+      <p:pic>
+        <p:nvPicPr>
+          <p:cNvPr id="14" name="Picture 4" descr="What Exactly Is GitHub Anyway? | TechCrunch">
+            <a:extLst>
+              <a:ext uri="{FF2B5EF4-FFF2-40B4-BE49-F238E27FC236}">
+                <a16:creationId xmlns:a16="http://schemas.microsoft.com/office/drawing/2014/main" id="{5047CE5C-BA72-42AC-92A2-7A13E0D35128}"/>
+              </a:ext>
+            </a:extLst>
+          </p:cNvPr>
+          <p:cNvPicPr>
+            <a:picLocks noChangeAspect="1" noChangeArrowheads="1"/>
+          </p:cNvPicPr>
+          <p:nvPr/>
+        </p:nvPicPr>
+        <p:blipFill>
+          <a:blip r:embed="rId3" cstate="hqprint">
+            <a:extLst>
+              <a:ext uri="{28A0092B-C50C-407E-A947-70E740481C1C}">
+                <a14:useLocalDpi xmlns:a14="http://schemas.microsoft.com/office/drawing/2010/main" val="0"/>
+              </a:ext>
+            </a:extLst>
+          </a:blip>
+          <a:srcRect/>
+          <a:stretch>
+            <a:fillRect/>
+          </a:stretch>
+        </p:blipFill>
+        <p:spPr bwMode="auto">
+          <a:xfrm>
+            <a:off x="6619664" y="5797479"/>
+            <a:ext cx="1084382" cy="1084382"/>
+          </a:xfrm>
+          <a:prstGeom prst="rect">
+            <a:avLst/>
+          </a:prstGeom>
+          <a:noFill/>
+          <a:extLst>
+            <a:ext uri="{909E8E84-426E-40DD-AFC4-6F175D3DCCD1}">
+              <a14:hiddenFill xmlns:a14="http://schemas.microsoft.com/office/drawing/2010/main">
+                <a:solidFill>
+                  <a:srgbClr val="FFFFFF"/>
+                </a:solidFill>
+              </a14:hiddenFill>
+            </a:ext>
+          </a:extLst>
+        </p:spPr>
+      </p:pic>
+      <p:sp>
+        <p:nvSpPr>
+          <p:cNvPr id="7" name="TextBox 6">
+            <a:extLst>
+              <a:ext uri="{FF2B5EF4-FFF2-40B4-BE49-F238E27FC236}">
+                <a16:creationId xmlns:a16="http://schemas.microsoft.com/office/drawing/2014/main" id="{0A61927E-39C9-4171-9DD7-41B4704B8A30}"/>
+              </a:ext>
+            </a:extLst>
+          </p:cNvPr>
+          <p:cNvSpPr txBox="1"/>
+          <p:nvPr/>
+        </p:nvSpPr>
+        <p:spPr>
+          <a:xfrm>
+            <a:off x="100019" y="6169709"/>
+            <a:ext cx="2892715" cy="646331"/>
+          </a:xfrm>
+          <a:prstGeom prst="rect">
+            <a:avLst/>
+          </a:prstGeom>
+          <a:noFill/>
+        </p:spPr>
+        <p:txBody>
+          <a:bodyPr wrap="none" rtlCol="0">
+            <a:spAutoFit/>
+          </a:bodyPr>
+          <a:lstStyle/>
+          <a:p>
+            <a:r>
+              <a:rPr lang="en-GB" sz="1200" dirty="0"/>
+              <a:t>Image credits:</a:t>
+            </a:r>
+          </a:p>
+          <a:p>
+            <a:pPr marL="285750" indent="-285750">
+              <a:buFont typeface="Arial" panose="020B0604020202020204" pitchFamily="34" charset="0"/>
+              <a:buChar char="•"/>
+            </a:pPr>
+            <a:r>
+              <a:rPr lang="en-GB" sz="1200" dirty="0" err="1"/>
+              <a:t>Zenodo</a:t>
+            </a:r>
+            <a:r>
+              <a:rPr lang="en-GB" sz="1200" dirty="0"/>
+              <a:t> logo: Openaire.eu</a:t>
+            </a:r>
+          </a:p>
+          <a:p>
+            <a:pPr marL="285750" indent="-285750">
+              <a:buFont typeface="Arial" panose="020B0604020202020204" pitchFamily="34" charset="0"/>
+              <a:buChar char="•"/>
+            </a:pPr>
+            <a:r>
+              <a:rPr lang="en-GB" sz="1200" dirty="0" err="1"/>
+              <a:t>Github</a:t>
+            </a:r>
+            <a:r>
+              <a:rPr lang="en-GB" sz="1200" dirty="0"/>
+              <a:t> logo: </a:t>
+            </a:r>
+            <a:r>
+              <a:rPr lang="en-GB" sz="1200" dirty="0" err="1"/>
+              <a:t>Klint</a:t>
+            </a:r>
+            <a:r>
+              <a:rPr lang="en-GB" sz="1200" dirty="0"/>
+              <a:t> Finley (TechCrunch+)</a:t>
+            </a:r>
+          </a:p>
+        </p:txBody>
+      </p:sp>
+    </p:spTree>
+    <p:extLst>
+      <p:ext uri="{BB962C8B-B14F-4D97-AF65-F5344CB8AC3E}">
+        <p14:creationId xmlns:p14="http://schemas.microsoft.com/office/powerpoint/2010/main" val="4074167485"/>
+      </p:ext>
+    </p:extLst>
+  </p:cSld>
+  <p:clrMapOvr>
+    <a:masterClrMapping/>
+  </p:clrMapOvr>
+</p:sld>
+</file>
+
+<file path=ppt/slides/slide27.xml><?xml version="1.0" encoding="utf-8"?>
+<p:sld xmlns:a="http://schemas.openxmlformats.org/drawingml/2006/main" xmlns:r="http://schemas.openxmlformats.org/officeDocument/2006/relationships" xmlns:p="http://schemas.openxmlformats.org/presentationml/2006/main">
+  <p:cSld>
+    <p:spTree>
+      <p:nvGrpSpPr>
+        <p:cNvPr id="1" name=""/>
+        <p:cNvGrpSpPr/>
+        <p:nvPr/>
+      </p:nvGrpSpPr>
+      <p:grpSpPr>
+        <a:xfrm>
+          <a:off x="0" y="0"/>
+          <a:ext cx="0" cy="0"/>
+          <a:chOff x="0" y="0"/>
+          <a:chExt cx="0" cy="0"/>
+        </a:xfrm>
+      </p:grpSpPr>
+      <p:sp>
+        <p:nvSpPr>
+          <p:cNvPr id="2" name="Title 1">
+            <a:extLst>
+              <a:ext uri="{FF2B5EF4-FFF2-40B4-BE49-F238E27FC236}">
+                <a16:creationId xmlns:a16="http://schemas.microsoft.com/office/drawing/2014/main" id="{0644B4C3-AD1C-4994-814E-0100950A4C17}"/>
+              </a:ext>
+            </a:extLst>
+          </p:cNvPr>
+          <p:cNvSpPr>
+            <a:spLocks noGrp="1"/>
+          </p:cNvSpPr>
+          <p:nvPr>
+            <p:ph type="title"/>
+          </p:nvPr>
+        </p:nvSpPr>
+        <p:spPr>
+          <a:xfrm>
+            <a:off x="305637" y="180211"/>
+            <a:ext cx="10515600" cy="1325563"/>
+          </a:xfrm>
+        </p:spPr>
+        <p:txBody>
+          <a:bodyPr/>
+          <a:lstStyle/>
+          <a:p>
+            <a:r>
+              <a:rPr lang="en-GB" dirty="0"/>
+              <a:t>What about the ReadMe file?</a:t>
+            </a:r>
+          </a:p>
+        </p:txBody>
+      </p:sp>
+      <p:sp>
+        <p:nvSpPr>
+          <p:cNvPr id="5" name="TextBox 4">
+            <a:extLst>
+              <a:ext uri="{FF2B5EF4-FFF2-40B4-BE49-F238E27FC236}">
+                <a16:creationId xmlns:a16="http://schemas.microsoft.com/office/drawing/2014/main" id="{1EF43E33-0E7B-4B21-9546-9C820EA0355B}"/>
+              </a:ext>
+            </a:extLst>
+          </p:cNvPr>
+          <p:cNvSpPr txBox="1"/>
+          <p:nvPr/>
+        </p:nvSpPr>
+        <p:spPr>
+          <a:xfrm>
+            <a:off x="2766714" y="2228671"/>
+            <a:ext cx="6296130" cy="1200329"/>
+          </a:xfrm>
+          <a:prstGeom prst="rect">
+            <a:avLst/>
+          </a:prstGeom>
+          <a:solidFill>
+            <a:schemeClr val="accent1">
+              <a:lumMod val="20000"/>
+              <a:lumOff val="80000"/>
+            </a:schemeClr>
+          </a:solidFill>
+        </p:spPr>
+        <p:txBody>
+          <a:bodyPr wrap="square">
+            <a:spAutoFit/>
+          </a:bodyPr>
+          <a:lstStyle/>
+          <a:p>
+            <a:pPr algn="ctr"/>
+            <a:r>
+              <a:rPr lang="en-GB" sz="2400" b="0" i="0" dirty="0">
+                <a:solidFill>
+                  <a:srgbClr val="333333"/>
+                </a:solidFill>
+                <a:effectLst/>
+                <a:latin typeface="Ubuntu"/>
+              </a:rPr>
+              <a:t>Always include a ReadMe file when you deposit in “General” research data public repositories, such as </a:t>
+            </a:r>
+            <a:r>
+              <a:rPr lang="en-GB" sz="2400" b="0" i="0" dirty="0" err="1">
+                <a:solidFill>
+                  <a:srgbClr val="333333"/>
+                </a:solidFill>
+                <a:effectLst/>
+                <a:latin typeface="Ubuntu"/>
+              </a:rPr>
+              <a:t>DataShare</a:t>
+            </a:r>
+            <a:r>
+              <a:rPr lang="en-GB" sz="2400" b="0" i="0" dirty="0">
+                <a:solidFill>
+                  <a:srgbClr val="333333"/>
+                </a:solidFill>
+                <a:effectLst/>
+                <a:latin typeface="Ubuntu"/>
+              </a:rPr>
+              <a:t> or </a:t>
+            </a:r>
+            <a:r>
+              <a:rPr lang="en-GB" sz="2400" b="0" i="0" dirty="0" err="1">
+                <a:solidFill>
+                  <a:srgbClr val="333333"/>
+                </a:solidFill>
+                <a:effectLst/>
+                <a:latin typeface="Ubuntu"/>
+              </a:rPr>
+              <a:t>Zenodo</a:t>
+            </a:r>
+            <a:r>
+              <a:rPr lang="en-GB" sz="2400" b="0" i="0" dirty="0">
+                <a:solidFill>
+                  <a:srgbClr val="333333"/>
+                </a:solidFill>
+                <a:effectLst/>
+                <a:latin typeface="Ubuntu"/>
+              </a:rPr>
+              <a:t>.</a:t>
+            </a:r>
+            <a:endParaRPr lang="en-GB" sz="2400" dirty="0"/>
+          </a:p>
+        </p:txBody>
+      </p:sp>
+      <p:sp>
+        <p:nvSpPr>
+          <p:cNvPr id="16" name="TextBox 15">
+            <a:extLst>
+              <a:ext uri="{FF2B5EF4-FFF2-40B4-BE49-F238E27FC236}">
+                <a16:creationId xmlns:a16="http://schemas.microsoft.com/office/drawing/2014/main" id="{F48D18B6-429B-4ACA-B9AC-8341B6F657F3}"/>
+              </a:ext>
+            </a:extLst>
+          </p:cNvPr>
+          <p:cNvSpPr txBox="1"/>
+          <p:nvPr/>
+        </p:nvSpPr>
+        <p:spPr>
+          <a:xfrm>
+            <a:off x="7352472" y="4571050"/>
+            <a:ext cx="6094324" cy="369332"/>
+          </a:xfrm>
+          <a:prstGeom prst="rect">
+            <a:avLst/>
+          </a:prstGeom>
+          <a:noFill/>
+        </p:spPr>
+        <p:txBody>
+          <a:bodyPr wrap="square">
+            <a:spAutoFit/>
+          </a:bodyPr>
+          <a:lstStyle/>
+          <a:p>
+            <a:r>
+              <a:rPr lang="en-GB" dirty="0">
+                <a:hlinkClick r:id="rId2"/>
+              </a:rPr>
+              <a:t>https://www.wiki.ed.ac.uk/x/XbRVHQ</a:t>
+            </a:r>
+            <a:r>
+              <a:rPr lang="en-GB" dirty="0"/>
+              <a:t> </a:t>
+            </a:r>
+          </a:p>
+        </p:txBody>
+      </p:sp>
+      <p:sp>
+        <p:nvSpPr>
+          <p:cNvPr id="8" name="TextBox 7">
+            <a:extLst>
+              <a:ext uri="{FF2B5EF4-FFF2-40B4-BE49-F238E27FC236}">
+                <a16:creationId xmlns:a16="http://schemas.microsoft.com/office/drawing/2014/main" id="{97160006-7E89-4AA4-86CC-F661B527EF12}"/>
+              </a:ext>
+            </a:extLst>
+          </p:cNvPr>
+          <p:cNvSpPr txBox="1"/>
+          <p:nvPr/>
+        </p:nvSpPr>
+        <p:spPr>
+          <a:xfrm>
+            <a:off x="1939332" y="4306332"/>
+            <a:ext cx="3975447" cy="646331"/>
+          </a:xfrm>
+          <a:prstGeom prst="rect">
+            <a:avLst/>
+          </a:prstGeom>
+          <a:noFill/>
+        </p:spPr>
+        <p:txBody>
+          <a:bodyPr wrap="none" rtlCol="0">
+            <a:spAutoFit/>
+          </a:bodyPr>
+          <a:lstStyle/>
+          <a:p>
+            <a:pPr algn="ctr"/>
+            <a:r>
+              <a:rPr lang="en-GB" dirty="0"/>
+              <a:t>An example readme file can be found at </a:t>
+            </a:r>
+          </a:p>
+          <a:p>
+            <a:pPr algn="ctr"/>
+            <a:r>
+              <a:rPr lang="en-GB" dirty="0" err="1"/>
+              <a:t>BioRDM’s</a:t>
+            </a:r>
+            <a:r>
+              <a:rPr lang="en-GB" dirty="0"/>
+              <a:t> Wiki Page for </a:t>
+            </a:r>
+            <a:r>
+              <a:rPr lang="en-GB" dirty="0" err="1"/>
+              <a:t>DataShare</a:t>
+            </a:r>
+            <a:endParaRPr lang="en-GB" dirty="0"/>
+          </a:p>
+        </p:txBody>
+      </p:sp>
+      <p:sp>
+        <p:nvSpPr>
+          <p:cNvPr id="9" name="Arrow: Right 8">
+            <a:extLst>
+              <a:ext uri="{FF2B5EF4-FFF2-40B4-BE49-F238E27FC236}">
+                <a16:creationId xmlns:a16="http://schemas.microsoft.com/office/drawing/2014/main" id="{3FA85775-6AD8-4E37-B1B9-6BAA1BAA3DA0}"/>
+              </a:ext>
+            </a:extLst>
+          </p:cNvPr>
+          <p:cNvSpPr/>
+          <p:nvPr/>
+        </p:nvSpPr>
+        <p:spPr>
+          <a:xfrm>
+            <a:off x="6277223" y="4318612"/>
+            <a:ext cx="884255" cy="621770"/>
+          </a:xfrm>
+          <a:prstGeom prst="rightArrow">
+            <a:avLst/>
+          </a:prstGeom>
+        </p:spPr>
+        <p:style>
+          <a:lnRef idx="2">
+            <a:schemeClr val="accent1">
+              <a:shade val="50000"/>
+            </a:schemeClr>
+          </a:lnRef>
+          <a:fillRef idx="1">
+            <a:schemeClr val="accent1"/>
+          </a:fillRef>
+          <a:effectRef idx="0">
+            <a:schemeClr val="accent1"/>
+          </a:effectRef>
+          <a:fontRef idx="minor">
+            <a:schemeClr val="lt1"/>
+          </a:fontRef>
+        </p:style>
+        <p:txBody>
+          <a:bodyPr rtlCol="0" anchor="ctr"/>
+          <a:lstStyle/>
+          <a:p>
+            <a:pPr algn="ctr"/>
+            <a:endParaRPr lang="en-GB"/>
+          </a:p>
+        </p:txBody>
+      </p:sp>
+    </p:spTree>
+    <p:extLst>
+      <p:ext uri="{BB962C8B-B14F-4D97-AF65-F5344CB8AC3E}">
+        <p14:creationId xmlns:p14="http://schemas.microsoft.com/office/powerpoint/2010/main" val="1507444769"/>
+      </p:ext>
+    </p:extLst>
+  </p:cSld>
+  <p:clrMapOvr>
+    <a:masterClrMapping/>
+  </p:clrMapOvr>
+</p:sld>
+</file>
+
+<file path=ppt/slides/slide28.xml><?xml version="1.0" encoding="utf-8"?>
+<p:sld xmlns:a="http://schemas.openxmlformats.org/drawingml/2006/main" xmlns:r="http://schemas.openxmlformats.org/officeDocument/2006/relationships" xmlns:p="http://schemas.openxmlformats.org/presentationml/2006/main">
+  <p:cSld>
+    <p:spTree>
+      <p:nvGrpSpPr>
+        <p:cNvPr id="1" name=""/>
+        <p:cNvGrpSpPr/>
+        <p:nvPr/>
+      </p:nvGrpSpPr>
+      <p:grpSpPr>
+        <a:xfrm>
+          <a:off x="0" y="0"/>
+          <a:ext cx="0" cy="0"/>
+          <a:chOff x="0" y="0"/>
+          <a:chExt cx="0" cy="0"/>
+        </a:xfrm>
+      </p:grpSpPr>
       <p:pic>
         <p:nvPicPr>
           <p:cNvPr id="4" name="Picture 2" descr="Ed_DaSH">
@@ -8996,7 +8962,7 @@
 </p:sld>
 </file>
 
-<file path=ppt/slides/slide27.xml><?xml version="1.0" encoding="utf-8"?>
+<file path=ppt/slides/slide29.xml><?xml version="1.0" encoding="utf-8"?>
 <p:sld xmlns:a="http://schemas.openxmlformats.org/drawingml/2006/main" xmlns:r="http://schemas.openxmlformats.org/officeDocument/2006/relationships" xmlns:p="http://schemas.openxmlformats.org/presentationml/2006/main">
   <p:cSld>
     <p:spTree>
@@ -9185,7 +9151,7 @@
                 <a14:useLocalDpi xmlns:a14="http://schemas.microsoft.com/office/drawing/2010/main" val="0"/>
               </a:ext>
               <a:ext uri="{96DAC541-7B7A-43D3-8B79-37D633B846F1}">
-                <asvg:svgBlip xmlns:asvg="http://schemas.microsoft.com/office/drawing/2016/SVG/main" xmlns="" r:embed="rId3"/>
+                <asvg:svgBlip xmlns:asvg="http://schemas.microsoft.com/office/drawing/2016/SVG/main" r:embed="rId3"/>
               </a:ext>
             </a:extLst>
           </a:blip>
@@ -9224,7 +9190,7 @@
                 <a14:useLocalDpi xmlns:a14="http://schemas.microsoft.com/office/drawing/2010/main" val="0"/>
               </a:ext>
               <a:ext uri="{96DAC541-7B7A-43D3-8B79-37D633B846F1}">
-                <asvg:svgBlip xmlns:asvg="http://schemas.microsoft.com/office/drawing/2016/SVG/main" xmlns="" r:embed="rId5"/>
+                <asvg:svgBlip xmlns:asvg="http://schemas.microsoft.com/office/drawing/2016/SVG/main" r:embed="rId5"/>
               </a:ext>
             </a:extLst>
           </a:blip>
@@ -9263,7 +9229,7 @@
                 <a14:useLocalDpi xmlns:a14="http://schemas.microsoft.com/office/drawing/2010/main" val="0"/>
               </a:ext>
               <a:ext uri="{96DAC541-7B7A-43D3-8B79-37D633B846F1}">
-                <asvg:svgBlip xmlns:asvg="http://schemas.microsoft.com/office/drawing/2016/SVG/main" xmlns="" r:embed="rId7"/>
+                <asvg:svgBlip xmlns:asvg="http://schemas.microsoft.com/office/drawing/2016/SVG/main" r:embed="rId7"/>
               </a:ext>
             </a:extLst>
           </a:blip>
@@ -9291,13 +9257,6 @@
   <p:clrMapOvr>
     <a:masterClrMapping/>
   </p:clrMapOvr>
-  <p:timing>
-    <p:tnLst>
-      <p:par>
-        <p:cTn id="1" dur="indefinite" restart="never" nodeType="tmRoot"/>
-      </p:par>
-    </p:tnLst>
-  </p:timing>
 </p:sld>
 </file>
 
@@ -9400,13 +9359,6 @@
   <p:clrMapOvr>
     <a:masterClrMapping/>
   </p:clrMapOvr>
-  <p:timing>
-    <p:tnLst>
-      <p:par>
-        <p:cTn id="1" dur="indefinite" restart="never" nodeType="tmRoot"/>
-      </p:par>
-    </p:tnLst>
-  </p:timing>
 </p:sld>
 </file>
 
@@ -9926,13 +9878,6 @@
   <p:clrMapOvr>
     <a:masterClrMapping/>
   </p:clrMapOvr>
-  <p:timing>
-    <p:tnLst>
-      <p:par>
-        <p:cTn id="1" dur="indefinite" restart="never" nodeType="tmRoot"/>
-      </p:par>
-    </p:tnLst>
-  </p:timing>
 </p:sld>
 </file>
 
@@ -10132,15 +10077,7 @@
                   <a:srgbClr val="0070C0"/>
                 </a:solidFill>
               </a:rPr>
-              <a:t>[GitHub](https://github.com/) – for </a:t>
-            </a:r>
-            <a:r>
-              <a:rPr lang="en-GB" sz="2400" dirty="0" smtClean="0">
-                <a:solidFill>
-                  <a:srgbClr val="0070C0"/>
-                </a:solidFill>
-              </a:rPr>
-              <a:t>code</a:t>
+              <a:t>[GitHub](https://github.com/) – for code</a:t>
             </a:r>
           </a:p>
           <a:p>
@@ -10152,7 +10089,7 @@
               <a:buChar char="•"/>
             </a:pPr>
             <a:r>
-              <a:rPr lang="en-GB" sz="2400" dirty="0" smtClean="0">
+              <a:rPr lang="en-GB" sz="2400" dirty="0">
                 <a:solidFill>
                   <a:srgbClr val="0070C0"/>
                 </a:solidFill>
@@ -10160,7 +10097,7 @@
               <a:t>[</a:t>
             </a:r>
             <a:r>
-              <a:rPr lang="en-GB" sz="2400" dirty="0" err="1" smtClean="0">
+              <a:rPr lang="en-GB" sz="2400" dirty="0" err="1">
                 <a:solidFill>
                   <a:srgbClr val="0070C0"/>
                 </a:solidFill>
@@ -10168,34 +10105,13 @@
               <a:t>BioImage</a:t>
             </a:r>
             <a:r>
-              <a:rPr lang="en-GB" sz="2400" dirty="0" smtClean="0">
-                <a:solidFill>
-                  <a:srgbClr val="0070C0"/>
-                </a:solidFill>
-              </a:rPr>
-              <a:t> </a:t>
-            </a:r>
-            <a:r>
               <a:rPr lang="en-GB" sz="2400" dirty="0">
                 <a:solidFill>
                   <a:srgbClr val="0070C0"/>
                 </a:solidFill>
               </a:rPr>
-              <a:t>Archive](https://www.ebi.ac.uk/bioimage-archive</a:t>
-            </a:r>
-            <a:r>
-              <a:rPr lang="en-GB" sz="2400" dirty="0" smtClean="0">
-                <a:solidFill>
-                  <a:srgbClr val="0070C0"/>
-                </a:solidFill>
-              </a:rPr>
-              <a:t>/) – for images </a:t>
-            </a:r>
-            <a:endParaRPr lang="en-GB" sz="2400" dirty="0">
-              <a:solidFill>
-                <a:srgbClr val="0070C0"/>
-              </a:solidFill>
-            </a:endParaRPr>
+              <a:t> Archive](https://www.ebi.ac.uk/bioimage-archive/) – for images </a:t>
+            </a:r>
           </a:p>
         </p:txBody>
       </p:sp>
@@ -10465,13 +10381,6 @@
   <p:clrMapOvr>
     <a:masterClrMapping/>
   </p:clrMapOvr>
-  <p:timing>
-    <p:tnLst>
-      <p:par>
-        <p:cTn id="1" dur="indefinite" restart="never" nodeType="tmRoot"/>
-      </p:par>
-    </p:tnLst>
-  </p:timing>
 </p:sld>
 </file>
 
@@ -10551,18 +10460,13 @@
           <a:lstStyle/>
           <a:p>
             <a:r>
-              <a:rPr lang="pl-PL" dirty="0">
-                <a:solidFill>
-                  <a:srgbClr val="0070C0"/>
-                </a:solidFill>
-              </a:rPr>
-              <a:t>Public record</a:t>
-            </a:r>
-            <a:endParaRPr lang="en-GB" dirty="0">
-              <a:solidFill>
-                <a:srgbClr val="0070C0"/>
-              </a:solidFill>
-            </a:endParaRPr>
+              <a:rPr lang="en-GB" dirty="0">
+                <a:solidFill>
+                  <a:srgbClr val="0070C0"/>
+                </a:solidFill>
+              </a:rPr>
+              <a:t>General - Find a Repository</a:t>
+            </a:r>
           </a:p>
         </p:txBody>
       </p:sp>
@@ -10581,7 +10485,7 @@
         <p:spPr>
           <a:xfrm>
             <a:off x="605073" y="1977256"/>
-            <a:ext cx="10981854" cy="1323439"/>
+            <a:ext cx="10981854" cy="1600438"/>
           </a:xfrm>
           <a:prstGeom prst="rect">
             <a:avLst/>
@@ -10608,9 +10512,20 @@
                   <a:srgbClr val="0070C0"/>
                 </a:solidFill>
               </a:rPr>
-              <a:t> 1</a:t>
-            </a:r>
-            <a:endParaRPr lang="pl-PL" sz="4000" dirty="0">
+              <a:t> 1 </a:t>
+            </a:r>
+          </a:p>
+          <a:p>
+            <a:pPr algn="ctr"/>
+            <a:r>
+              <a:rPr lang="en-GB" dirty="0">
+                <a:solidFill>
+                  <a:srgbClr val="0070C0"/>
+                </a:solidFill>
+              </a:rPr>
+              <a:t>Demo on the FAIR of Repository</a:t>
+            </a:r>
+            <a:endParaRPr lang="pl-PL" dirty="0">
               <a:solidFill>
                 <a:srgbClr val="0070C0"/>
               </a:solidFill>
@@ -10661,6 +10576,38 @@
       </p:grpSpPr>
       <p:sp>
         <p:nvSpPr>
+          <p:cNvPr id="2" name="Rectangle 1"/>
+          <p:cNvSpPr/>
+          <p:nvPr/>
+        </p:nvSpPr>
+        <p:spPr>
+          <a:xfrm>
+            <a:off x="3413663" y="3198167"/>
+            <a:ext cx="5364674" cy="461665"/>
+          </a:xfrm>
+          <a:prstGeom prst="rect">
+            <a:avLst/>
+          </a:prstGeom>
+        </p:spPr>
+        <p:txBody>
+          <a:bodyPr wrap="none">
+            <a:spAutoFit/>
+          </a:bodyPr>
+          <a:lstStyle/>
+          <a:p>
+            <a:r>
+              <a:rPr lang="en-GB" sz="2400" dirty="0">
+                <a:solidFill>
+                  <a:srgbClr val="0070C0"/>
+                </a:solidFill>
+              </a:rPr>
+              <a:t>https://doi.org/10.5281/zenodo.5045374</a:t>
+            </a:r>
+          </a:p>
+        </p:txBody>
+      </p:sp>
+      <p:sp>
+        <p:nvSpPr>
           <p:cNvPr id="5" name="Title 1">
             <a:extLst>
               <a:ext uri="{FF2B5EF4-FFF2-40B4-BE49-F238E27FC236}">
@@ -10691,40 +10638,36 @@
                   <a:srgbClr val="0070C0"/>
                 </a:solidFill>
               </a:rPr>
-              <a:t>Public record</a:t>
-            </a:r>
-            <a:r>
-              <a:rPr lang="en-GB" dirty="0">
-                <a:solidFill>
-                  <a:srgbClr val="0070C0"/>
-                </a:solidFill>
-              </a:rPr>
-              <a:t> - Solutions</a:t>
-            </a:r>
-          </a:p>
-        </p:txBody>
-      </p:sp>
-      <p:sp>
-        <p:nvSpPr>
-          <p:cNvPr id="6" name="TextBox 5">
-            <a:extLst>
-              <a:ext uri="{FF2B5EF4-FFF2-40B4-BE49-F238E27FC236}">
-                <a16:creationId xmlns:a16="http://schemas.microsoft.com/office/drawing/2014/main" id="{216805BD-FE46-4237-9C78-2FA56E8B599C}"/>
-              </a:ext>
-            </a:extLst>
-          </p:cNvPr>
-          <p:cNvSpPr txBox="1"/>
+              <a:t>Dataset discovery</a:t>
+            </a:r>
+            <a:endParaRPr lang="en-GB" dirty="0">
+              <a:solidFill>
+                <a:srgbClr val="0070C0"/>
+              </a:solidFill>
+            </a:endParaRPr>
+          </a:p>
+        </p:txBody>
+      </p:sp>
+      <p:sp>
+        <p:nvSpPr>
+          <p:cNvPr id="4" name="Rectangle 3">
+            <a:extLst>
+              <a:ext uri="{FF2B5EF4-FFF2-40B4-BE49-F238E27FC236}">
+                <a16:creationId xmlns:a16="http://schemas.microsoft.com/office/drawing/2014/main" id="{CAA0BFB8-30CB-4548-8596-047DD833C1C6}"/>
+              </a:ext>
+            </a:extLst>
+          </p:cNvPr>
+          <p:cNvSpPr/>
           <p:nvPr/>
         </p:nvSpPr>
         <p:spPr>
           <a:xfrm>
-            <a:off x="1117041" y="1957980"/>
-            <a:ext cx="9957917" cy="3359061"/>
+            <a:off x="605073" y="1977256"/>
+            <a:ext cx="10981854" cy="1323439"/>
           </a:xfrm>
           <a:prstGeom prst="rect">
             <a:avLst/>
           </a:prstGeom>
-          <a:noFill/>
         </p:spPr>
         <p:txBody>
           <a:bodyPr wrap="square">
@@ -10732,104 +10675,46 @@
           </a:bodyPr>
           <a:lstStyle/>
           <a:p>
-            <a:pPr algn="l">
-              <a:lnSpc>
-                <a:spcPct val="150000"/>
-              </a:lnSpc>
-            </a:pPr>
-            <a:r>
-              <a:rPr lang="en-GB" sz="2400" b="1" i="0" dirty="0">
-                <a:solidFill>
-                  <a:srgbClr val="333333"/>
-                </a:solidFill>
-                <a:effectLst/>
-                <a:latin typeface="Ubuntu"/>
-              </a:rPr>
-              <a:t>Findable:</a:t>
-            </a:r>
-          </a:p>
-          <a:p>
-            <a:pPr algn="l">
-              <a:lnSpc>
-                <a:spcPct val="150000"/>
-              </a:lnSpc>
+            <a:pPr algn="ctr"/>
+            <a:r>
+              <a:rPr lang="pl-PL" sz="4000" dirty="0">
+                <a:solidFill>
+                  <a:srgbClr val="0070C0"/>
+                </a:solidFill>
+              </a:rPr>
+              <a:t>Exercise</a:t>
+            </a:r>
+            <a:r>
+              <a:rPr lang="en-GB" sz="4000" dirty="0">
+                <a:solidFill>
+                  <a:srgbClr val="0070C0"/>
+                </a:solidFill>
+              </a:rPr>
+              <a:t> 2</a:t>
+            </a:r>
+            <a:endParaRPr lang="pl-PL" sz="4000" dirty="0">
+              <a:solidFill>
+                <a:srgbClr val="0070C0"/>
+              </a:solidFill>
+            </a:endParaRPr>
+          </a:p>
+          <a:p>
+            <a:pPr marL="285750" indent="-285750" algn="ctr">
               <a:buFont typeface="Arial" panose="020B0604020202020204" pitchFamily="34" charset="0"/>
               <a:buChar char="•"/>
             </a:pPr>
-            <a:r>
-              <a:rPr lang="en-GB" sz="2400" b="0" i="0" dirty="0">
-                <a:solidFill>
-                  <a:srgbClr val="333333"/>
-                </a:solidFill>
-                <a:effectLst/>
-                <a:latin typeface="Ubuntu"/>
-              </a:rPr>
-              <a:t>F1. (Meta)data are assigned a globally unique and persistent identifier - YES</a:t>
-            </a:r>
-          </a:p>
-          <a:p>
-            <a:pPr algn="l">
-              <a:lnSpc>
-                <a:spcPct val="150000"/>
-              </a:lnSpc>
-              <a:buFont typeface="Arial" panose="020B0604020202020204" pitchFamily="34" charset="0"/>
-              <a:buChar char="•"/>
-            </a:pPr>
-            <a:r>
-              <a:rPr lang="en-GB" sz="2400" b="0" i="0" dirty="0">
-                <a:solidFill>
-                  <a:srgbClr val="333333"/>
-                </a:solidFill>
-                <a:effectLst/>
-                <a:latin typeface="Ubuntu"/>
-              </a:rPr>
-              <a:t>F2. Data are described with rich metadata (defined by R1 below)- YES</a:t>
-            </a:r>
-          </a:p>
-          <a:p>
-            <a:pPr algn="l">
-              <a:lnSpc>
-                <a:spcPct val="150000"/>
-              </a:lnSpc>
-              <a:buFont typeface="Arial" panose="020B0604020202020204" pitchFamily="34" charset="0"/>
-              <a:buChar char="•"/>
-            </a:pPr>
-            <a:r>
-              <a:rPr lang="en-GB" sz="2400" b="0" i="0" dirty="0">
-                <a:solidFill>
-                  <a:srgbClr val="333333"/>
-                </a:solidFill>
-                <a:effectLst/>
-                <a:latin typeface="Ubuntu"/>
-              </a:rPr>
-              <a:t>F3. Metadata clearly and explicitly include the identifier of the data they describe - YES</a:t>
-            </a:r>
-          </a:p>
-          <a:p>
-            <a:pPr algn="l">
-              <a:lnSpc>
-                <a:spcPct val="150000"/>
-              </a:lnSpc>
-              <a:buFont typeface="Arial" panose="020B0604020202020204" pitchFamily="34" charset="0"/>
-              <a:buChar char="•"/>
-            </a:pPr>
-            <a:r>
-              <a:rPr lang="en-GB" sz="2400" b="0" i="0" dirty="0">
-                <a:solidFill>
-                  <a:srgbClr val="333333"/>
-                </a:solidFill>
-                <a:effectLst/>
-                <a:latin typeface="Ubuntu"/>
-              </a:rPr>
-              <a:t>F4. (Meta)data are registered or indexed in a searchable resource - YES</a:t>
-            </a:r>
+            <a:endParaRPr lang="en-GB" sz="4000" dirty="0">
+              <a:solidFill>
+                <a:srgbClr val="0070C0"/>
+              </a:solidFill>
+            </a:endParaRPr>
           </a:p>
         </p:txBody>
       </p:sp>
     </p:spTree>
     <p:extLst>
       <p:ext uri="{BB962C8B-B14F-4D97-AF65-F5344CB8AC3E}">
-        <p14:creationId xmlns:p14="http://schemas.microsoft.com/office/powerpoint/2010/main" val="999536205"/>
+        <p14:creationId xmlns:p14="http://schemas.microsoft.com/office/powerpoint/2010/main" val="3474192978"/>
       </p:ext>
     </p:extLst>
   </p:cSld>
@@ -10916,7 +10801,7 @@
         <p:spPr>
           <a:xfrm>
             <a:off x="1117041" y="1957980"/>
-            <a:ext cx="9957917" cy="2251065"/>
+            <a:ext cx="9957917" cy="3359061"/>
           </a:xfrm>
           <a:prstGeom prst="rect">
             <a:avLst/>
@@ -10942,7 +10827,7 @@
                 <a:effectLst/>
                 <a:latin typeface="Ubuntu"/>
               </a:rPr>
-              <a:t>Accessible:</a:t>
+              <a:t>Findable:</a:t>
             </a:r>
           </a:p>
           <a:p>
@@ -10961,7 +10846,7 @@
                 <a:effectLst/>
                 <a:latin typeface="Ubuntu"/>
               </a:rPr>
-              <a:t>A1. (Meta)data are retrievable by their identifier using a standardised communications protocol - YES</a:t>
+              <a:t>F1. (Meta)data are assigned a globally unique and persistent identifier - YES</a:t>
             </a:r>
           </a:p>
           <a:p>
@@ -10980,7 +10865,45 @@
                 <a:effectLst/>
                 <a:latin typeface="Ubuntu"/>
               </a:rPr>
-              <a:t>A2. Metadata are accessible, even when the data are no longer available - YES</a:t>
+              <a:t>F2. Data are described with rich metadata (defined by R1 below)- YES</a:t>
+            </a:r>
+          </a:p>
+          <a:p>
+            <a:pPr algn="l">
+              <a:lnSpc>
+                <a:spcPct val="150000"/>
+              </a:lnSpc>
+              <a:buFont typeface="Arial" panose="020B0604020202020204" pitchFamily="34" charset="0"/>
+              <a:buChar char="•"/>
+            </a:pPr>
+            <a:r>
+              <a:rPr lang="en-GB" sz="2400" b="0" i="0" dirty="0">
+                <a:solidFill>
+                  <a:srgbClr val="333333"/>
+                </a:solidFill>
+                <a:effectLst/>
+                <a:latin typeface="Ubuntu"/>
+              </a:rPr>
+              <a:t>F3. Metadata clearly and explicitly include the identifier of the data they describe - YES</a:t>
+            </a:r>
+          </a:p>
+          <a:p>
+            <a:pPr algn="l">
+              <a:lnSpc>
+                <a:spcPct val="150000"/>
+              </a:lnSpc>
+              <a:buFont typeface="Arial" panose="020B0604020202020204" pitchFamily="34" charset="0"/>
+              <a:buChar char="•"/>
+            </a:pPr>
+            <a:r>
+              <a:rPr lang="en-GB" sz="2400" b="0" i="0" dirty="0">
+                <a:solidFill>
+                  <a:srgbClr val="333333"/>
+                </a:solidFill>
+                <a:effectLst/>
+                <a:latin typeface="Ubuntu"/>
+              </a:rPr>
+              <a:t>F4. (Meta)data are registered or indexed in a searchable resource - YES</a:t>
             </a:r>
           </a:p>
         </p:txBody>
@@ -10988,7 +10911,7 @@
     </p:spTree>
     <p:extLst>
       <p:ext uri="{BB962C8B-B14F-4D97-AF65-F5344CB8AC3E}">
-        <p14:creationId xmlns:p14="http://schemas.microsoft.com/office/powerpoint/2010/main" val="1475107681"/>
+        <p14:creationId xmlns:p14="http://schemas.microsoft.com/office/powerpoint/2010/main" val="999536205"/>
       </p:ext>
     </p:extLst>
   </p:cSld>
